--- a/contents/Ch11_12.pptx
+++ b/contents/Ch11_12.pptx
@@ -5,7 +5,7 @@
     <p:sldMasterId id="2147483648" r:id="rId1"/>
   </p:sldMasterIdLst>
   <p:notesMasterIdLst>
-    <p:notesMasterId r:id="rId11"/>
+    <p:notesMasterId r:id="rId21"/>
   </p:notesMasterIdLst>
   <p:sldIdLst>
     <p:sldId id="256" r:id="rId2"/>
@@ -16,7 +16,17 @@
     <p:sldId id="357" r:id="rId7"/>
     <p:sldId id="358" r:id="rId8"/>
     <p:sldId id="359" r:id="rId9"/>
-    <p:sldId id="350" r:id="rId10"/>
+    <p:sldId id="361" r:id="rId10"/>
+    <p:sldId id="362" r:id="rId11"/>
+    <p:sldId id="370" r:id="rId12"/>
+    <p:sldId id="363" r:id="rId13"/>
+    <p:sldId id="364" r:id="rId14"/>
+    <p:sldId id="365" r:id="rId15"/>
+    <p:sldId id="366" r:id="rId16"/>
+    <p:sldId id="368" r:id="rId17"/>
+    <p:sldId id="367" r:id="rId18"/>
+    <p:sldId id="369" r:id="rId19"/>
+    <p:sldId id="350" r:id="rId20"/>
   </p:sldIdLst>
   <p:sldSz cx="12192000" cy="6858000"/>
   <p:notesSz cx="6858000" cy="9144000"/>
@@ -556,6 +566,773 @@
 </p:notes>
 </file>
 
+<file path=ppt/notesSlides/notesSlide10.xml><?xml version="1.0" encoding="utf-8"?>
+<p:notes xmlns:a="http://schemas.openxmlformats.org/drawingml/2006/main" xmlns:r="http://schemas.openxmlformats.org/officeDocument/2006/relationships" xmlns:p="http://schemas.openxmlformats.org/presentationml/2006/main">
+  <p:cSld>
+    <p:spTree>
+      <p:nvGrpSpPr>
+        <p:cNvPr id="1" name=""/>
+        <p:cNvGrpSpPr/>
+        <p:nvPr/>
+      </p:nvGrpSpPr>
+      <p:grpSpPr>
+        <a:xfrm>
+          <a:off x="0" y="0"/>
+          <a:ext cx="0" cy="0"/>
+          <a:chOff x="0" y="0"/>
+          <a:chExt cx="0" cy="0"/>
+        </a:xfrm>
+      </p:grpSpPr>
+      <p:sp>
+        <p:nvSpPr>
+          <p:cNvPr id="2" name="슬라이드 이미지 개체 틀 1"/>
+          <p:cNvSpPr>
+            <a:spLocks noGrp="1" noRot="1" noChangeAspect="1"/>
+          </p:cNvSpPr>
+          <p:nvPr>
+            <p:ph type="sldImg"/>
+          </p:nvPr>
+        </p:nvSpPr>
+        <p:spPr/>
+      </p:sp>
+      <p:sp>
+        <p:nvSpPr>
+          <p:cNvPr id="3" name="슬라이드 노트 개체 틀 2"/>
+          <p:cNvSpPr>
+            <a:spLocks noGrp="1"/>
+          </p:cNvSpPr>
+          <p:nvPr>
+            <p:ph type="body" idx="1"/>
+          </p:nvPr>
+        </p:nvSpPr>
+        <p:spPr/>
+        <p:txBody>
+          <a:bodyPr/>
+          <a:lstStyle/>
+          <a:p>
+            <a:endParaRPr lang="ko-KR" altLang="en-US" dirty="0"/>
+          </a:p>
+        </p:txBody>
+      </p:sp>
+      <p:sp>
+        <p:nvSpPr>
+          <p:cNvPr id="4" name="슬라이드 번호 개체 틀 3"/>
+          <p:cNvSpPr>
+            <a:spLocks noGrp="1"/>
+          </p:cNvSpPr>
+          <p:nvPr>
+            <p:ph type="sldNum" sz="quarter" idx="5"/>
+          </p:nvPr>
+        </p:nvSpPr>
+        <p:spPr/>
+        <p:txBody>
+          <a:bodyPr/>
+          <a:lstStyle/>
+          <a:p>
+            <a:fld id="{A6631257-9CB7-478D-B00C-4FEF064183D7}" type="slidenum">
+              <a:rPr lang="ko-KR" altLang="en-US" smtClean="0"/>
+              <a:t>11</a:t>
+            </a:fld>
+            <a:endParaRPr lang="ko-KR" altLang="en-US"/>
+          </a:p>
+        </p:txBody>
+      </p:sp>
+    </p:spTree>
+    <p:extLst>
+      <p:ext uri="{BB962C8B-B14F-4D97-AF65-F5344CB8AC3E}">
+        <p14:creationId xmlns:p14="http://schemas.microsoft.com/office/powerpoint/2010/main" val="2327219997"/>
+      </p:ext>
+    </p:extLst>
+  </p:cSld>
+  <p:clrMapOvr>
+    <a:masterClrMapping/>
+  </p:clrMapOvr>
+</p:notes>
+</file>
+
+<file path=ppt/notesSlides/notesSlide11.xml><?xml version="1.0" encoding="utf-8"?>
+<p:notes xmlns:a="http://schemas.openxmlformats.org/drawingml/2006/main" xmlns:r="http://schemas.openxmlformats.org/officeDocument/2006/relationships" xmlns:p="http://schemas.openxmlformats.org/presentationml/2006/main">
+  <p:cSld>
+    <p:spTree>
+      <p:nvGrpSpPr>
+        <p:cNvPr id="1" name=""/>
+        <p:cNvGrpSpPr/>
+        <p:nvPr/>
+      </p:nvGrpSpPr>
+      <p:grpSpPr>
+        <a:xfrm>
+          <a:off x="0" y="0"/>
+          <a:ext cx="0" cy="0"/>
+          <a:chOff x="0" y="0"/>
+          <a:chExt cx="0" cy="0"/>
+        </a:xfrm>
+      </p:grpSpPr>
+      <p:sp>
+        <p:nvSpPr>
+          <p:cNvPr id="2" name="슬라이드 이미지 개체 틀 1"/>
+          <p:cNvSpPr>
+            <a:spLocks noGrp="1" noRot="1" noChangeAspect="1"/>
+          </p:cNvSpPr>
+          <p:nvPr>
+            <p:ph type="sldImg"/>
+          </p:nvPr>
+        </p:nvSpPr>
+        <p:spPr/>
+      </p:sp>
+      <p:sp>
+        <p:nvSpPr>
+          <p:cNvPr id="3" name="슬라이드 노트 개체 틀 2"/>
+          <p:cNvSpPr>
+            <a:spLocks noGrp="1"/>
+          </p:cNvSpPr>
+          <p:nvPr>
+            <p:ph type="body" idx="1"/>
+          </p:nvPr>
+        </p:nvSpPr>
+        <p:spPr/>
+        <p:txBody>
+          <a:bodyPr/>
+          <a:lstStyle/>
+          <a:p>
+            <a:endParaRPr lang="ko-KR" altLang="en-US" dirty="0"/>
+          </a:p>
+        </p:txBody>
+      </p:sp>
+      <p:sp>
+        <p:nvSpPr>
+          <p:cNvPr id="4" name="슬라이드 번호 개체 틀 3"/>
+          <p:cNvSpPr>
+            <a:spLocks noGrp="1"/>
+          </p:cNvSpPr>
+          <p:nvPr>
+            <p:ph type="sldNum" sz="quarter" idx="5"/>
+          </p:nvPr>
+        </p:nvSpPr>
+        <p:spPr/>
+        <p:txBody>
+          <a:bodyPr/>
+          <a:lstStyle/>
+          <a:p>
+            <a:fld id="{A6631257-9CB7-478D-B00C-4FEF064183D7}" type="slidenum">
+              <a:rPr lang="ko-KR" altLang="en-US" smtClean="0"/>
+              <a:t>12</a:t>
+            </a:fld>
+            <a:endParaRPr lang="ko-KR" altLang="en-US"/>
+          </a:p>
+        </p:txBody>
+      </p:sp>
+    </p:spTree>
+    <p:extLst>
+      <p:ext uri="{BB962C8B-B14F-4D97-AF65-F5344CB8AC3E}">
+        <p14:creationId xmlns:p14="http://schemas.microsoft.com/office/powerpoint/2010/main" val="804404328"/>
+      </p:ext>
+    </p:extLst>
+  </p:cSld>
+  <p:clrMapOvr>
+    <a:masterClrMapping/>
+  </p:clrMapOvr>
+</p:notes>
+</file>
+
+<file path=ppt/notesSlides/notesSlide12.xml><?xml version="1.0" encoding="utf-8"?>
+<p:notes xmlns:a="http://schemas.openxmlformats.org/drawingml/2006/main" xmlns:r="http://schemas.openxmlformats.org/officeDocument/2006/relationships" xmlns:p="http://schemas.openxmlformats.org/presentationml/2006/main">
+  <p:cSld>
+    <p:spTree>
+      <p:nvGrpSpPr>
+        <p:cNvPr id="1" name=""/>
+        <p:cNvGrpSpPr/>
+        <p:nvPr/>
+      </p:nvGrpSpPr>
+      <p:grpSpPr>
+        <a:xfrm>
+          <a:off x="0" y="0"/>
+          <a:ext cx="0" cy="0"/>
+          <a:chOff x="0" y="0"/>
+          <a:chExt cx="0" cy="0"/>
+        </a:xfrm>
+      </p:grpSpPr>
+      <p:sp>
+        <p:nvSpPr>
+          <p:cNvPr id="2" name="슬라이드 이미지 개체 틀 1"/>
+          <p:cNvSpPr>
+            <a:spLocks noGrp="1" noRot="1" noChangeAspect="1"/>
+          </p:cNvSpPr>
+          <p:nvPr>
+            <p:ph type="sldImg"/>
+          </p:nvPr>
+        </p:nvSpPr>
+        <p:spPr/>
+      </p:sp>
+      <p:sp>
+        <p:nvSpPr>
+          <p:cNvPr id="3" name="슬라이드 노트 개체 틀 2"/>
+          <p:cNvSpPr>
+            <a:spLocks noGrp="1"/>
+          </p:cNvSpPr>
+          <p:nvPr>
+            <p:ph type="body" idx="1"/>
+          </p:nvPr>
+        </p:nvSpPr>
+        <p:spPr/>
+        <p:txBody>
+          <a:bodyPr/>
+          <a:lstStyle/>
+          <a:p>
+            <a:endParaRPr lang="ko-KR" altLang="en-US" dirty="0"/>
+          </a:p>
+        </p:txBody>
+      </p:sp>
+      <p:sp>
+        <p:nvSpPr>
+          <p:cNvPr id="4" name="슬라이드 번호 개체 틀 3"/>
+          <p:cNvSpPr>
+            <a:spLocks noGrp="1"/>
+          </p:cNvSpPr>
+          <p:nvPr>
+            <p:ph type="sldNum" sz="quarter" idx="5"/>
+          </p:nvPr>
+        </p:nvSpPr>
+        <p:spPr/>
+        <p:txBody>
+          <a:bodyPr/>
+          <a:lstStyle/>
+          <a:p>
+            <a:fld id="{A6631257-9CB7-478D-B00C-4FEF064183D7}" type="slidenum">
+              <a:rPr lang="ko-KR" altLang="en-US" smtClean="0"/>
+              <a:t>13</a:t>
+            </a:fld>
+            <a:endParaRPr lang="ko-KR" altLang="en-US"/>
+          </a:p>
+        </p:txBody>
+      </p:sp>
+    </p:spTree>
+    <p:extLst>
+      <p:ext uri="{BB962C8B-B14F-4D97-AF65-F5344CB8AC3E}">
+        <p14:creationId xmlns:p14="http://schemas.microsoft.com/office/powerpoint/2010/main" val="233923294"/>
+      </p:ext>
+    </p:extLst>
+  </p:cSld>
+  <p:clrMapOvr>
+    <a:masterClrMapping/>
+  </p:clrMapOvr>
+</p:notes>
+</file>
+
+<file path=ppt/notesSlides/notesSlide13.xml><?xml version="1.0" encoding="utf-8"?>
+<p:notes xmlns:a="http://schemas.openxmlformats.org/drawingml/2006/main" xmlns:r="http://schemas.openxmlformats.org/officeDocument/2006/relationships" xmlns:p="http://schemas.openxmlformats.org/presentationml/2006/main">
+  <p:cSld>
+    <p:spTree>
+      <p:nvGrpSpPr>
+        <p:cNvPr id="1" name=""/>
+        <p:cNvGrpSpPr/>
+        <p:nvPr/>
+      </p:nvGrpSpPr>
+      <p:grpSpPr>
+        <a:xfrm>
+          <a:off x="0" y="0"/>
+          <a:ext cx="0" cy="0"/>
+          <a:chOff x="0" y="0"/>
+          <a:chExt cx="0" cy="0"/>
+        </a:xfrm>
+      </p:grpSpPr>
+      <p:sp>
+        <p:nvSpPr>
+          <p:cNvPr id="2" name="슬라이드 이미지 개체 틀 1"/>
+          <p:cNvSpPr>
+            <a:spLocks noGrp="1" noRot="1" noChangeAspect="1"/>
+          </p:cNvSpPr>
+          <p:nvPr>
+            <p:ph type="sldImg"/>
+          </p:nvPr>
+        </p:nvSpPr>
+        <p:spPr/>
+      </p:sp>
+      <p:sp>
+        <p:nvSpPr>
+          <p:cNvPr id="3" name="슬라이드 노트 개체 틀 2"/>
+          <p:cNvSpPr>
+            <a:spLocks noGrp="1"/>
+          </p:cNvSpPr>
+          <p:nvPr>
+            <p:ph type="body" idx="1"/>
+          </p:nvPr>
+        </p:nvSpPr>
+        <p:spPr/>
+        <p:txBody>
+          <a:bodyPr/>
+          <a:lstStyle/>
+          <a:p>
+            <a:endParaRPr lang="ko-KR" altLang="en-US" dirty="0"/>
+          </a:p>
+        </p:txBody>
+      </p:sp>
+      <p:sp>
+        <p:nvSpPr>
+          <p:cNvPr id="4" name="슬라이드 번호 개체 틀 3"/>
+          <p:cNvSpPr>
+            <a:spLocks noGrp="1"/>
+          </p:cNvSpPr>
+          <p:nvPr>
+            <p:ph type="sldNum" sz="quarter" idx="5"/>
+          </p:nvPr>
+        </p:nvSpPr>
+        <p:spPr/>
+        <p:txBody>
+          <a:bodyPr/>
+          <a:lstStyle/>
+          <a:p>
+            <a:fld id="{A6631257-9CB7-478D-B00C-4FEF064183D7}" type="slidenum">
+              <a:rPr lang="ko-KR" altLang="en-US" smtClean="0"/>
+              <a:t>14</a:t>
+            </a:fld>
+            <a:endParaRPr lang="ko-KR" altLang="en-US"/>
+          </a:p>
+        </p:txBody>
+      </p:sp>
+    </p:spTree>
+    <p:extLst>
+      <p:ext uri="{BB962C8B-B14F-4D97-AF65-F5344CB8AC3E}">
+        <p14:creationId xmlns:p14="http://schemas.microsoft.com/office/powerpoint/2010/main" val="1025693278"/>
+      </p:ext>
+    </p:extLst>
+  </p:cSld>
+  <p:clrMapOvr>
+    <a:masterClrMapping/>
+  </p:clrMapOvr>
+</p:notes>
+</file>
+
+<file path=ppt/notesSlides/notesSlide14.xml><?xml version="1.0" encoding="utf-8"?>
+<p:notes xmlns:a="http://schemas.openxmlformats.org/drawingml/2006/main" xmlns:r="http://schemas.openxmlformats.org/officeDocument/2006/relationships" xmlns:p="http://schemas.openxmlformats.org/presentationml/2006/main">
+  <p:cSld>
+    <p:spTree>
+      <p:nvGrpSpPr>
+        <p:cNvPr id="1" name=""/>
+        <p:cNvGrpSpPr/>
+        <p:nvPr/>
+      </p:nvGrpSpPr>
+      <p:grpSpPr>
+        <a:xfrm>
+          <a:off x="0" y="0"/>
+          <a:ext cx="0" cy="0"/>
+          <a:chOff x="0" y="0"/>
+          <a:chExt cx="0" cy="0"/>
+        </a:xfrm>
+      </p:grpSpPr>
+      <p:sp>
+        <p:nvSpPr>
+          <p:cNvPr id="2" name="슬라이드 이미지 개체 틀 1"/>
+          <p:cNvSpPr>
+            <a:spLocks noGrp="1" noRot="1" noChangeAspect="1"/>
+          </p:cNvSpPr>
+          <p:nvPr>
+            <p:ph type="sldImg"/>
+          </p:nvPr>
+        </p:nvSpPr>
+        <p:spPr/>
+      </p:sp>
+      <p:sp>
+        <p:nvSpPr>
+          <p:cNvPr id="3" name="슬라이드 노트 개체 틀 2"/>
+          <p:cNvSpPr>
+            <a:spLocks noGrp="1"/>
+          </p:cNvSpPr>
+          <p:nvPr>
+            <p:ph type="body" idx="1"/>
+          </p:nvPr>
+        </p:nvSpPr>
+        <p:spPr/>
+        <p:txBody>
+          <a:bodyPr/>
+          <a:lstStyle/>
+          <a:p>
+            <a:endParaRPr lang="ko-KR" altLang="en-US" dirty="0"/>
+          </a:p>
+        </p:txBody>
+      </p:sp>
+      <p:sp>
+        <p:nvSpPr>
+          <p:cNvPr id="4" name="슬라이드 번호 개체 틀 3"/>
+          <p:cNvSpPr>
+            <a:spLocks noGrp="1"/>
+          </p:cNvSpPr>
+          <p:nvPr>
+            <p:ph type="sldNum" sz="quarter" idx="5"/>
+          </p:nvPr>
+        </p:nvSpPr>
+        <p:spPr/>
+        <p:txBody>
+          <a:bodyPr/>
+          <a:lstStyle/>
+          <a:p>
+            <a:fld id="{A6631257-9CB7-478D-B00C-4FEF064183D7}" type="slidenum">
+              <a:rPr lang="ko-KR" altLang="en-US" smtClean="0"/>
+              <a:t>15</a:t>
+            </a:fld>
+            <a:endParaRPr lang="ko-KR" altLang="en-US"/>
+          </a:p>
+        </p:txBody>
+      </p:sp>
+    </p:spTree>
+    <p:extLst>
+      <p:ext uri="{BB962C8B-B14F-4D97-AF65-F5344CB8AC3E}">
+        <p14:creationId xmlns:p14="http://schemas.microsoft.com/office/powerpoint/2010/main" val="901847842"/>
+      </p:ext>
+    </p:extLst>
+  </p:cSld>
+  <p:clrMapOvr>
+    <a:masterClrMapping/>
+  </p:clrMapOvr>
+</p:notes>
+</file>
+
+<file path=ppt/notesSlides/notesSlide15.xml><?xml version="1.0" encoding="utf-8"?>
+<p:notes xmlns:a="http://schemas.openxmlformats.org/drawingml/2006/main" xmlns:r="http://schemas.openxmlformats.org/officeDocument/2006/relationships" xmlns:p="http://schemas.openxmlformats.org/presentationml/2006/main">
+  <p:cSld>
+    <p:spTree>
+      <p:nvGrpSpPr>
+        <p:cNvPr id="1" name=""/>
+        <p:cNvGrpSpPr/>
+        <p:nvPr/>
+      </p:nvGrpSpPr>
+      <p:grpSpPr>
+        <a:xfrm>
+          <a:off x="0" y="0"/>
+          <a:ext cx="0" cy="0"/>
+          <a:chOff x="0" y="0"/>
+          <a:chExt cx="0" cy="0"/>
+        </a:xfrm>
+      </p:grpSpPr>
+      <p:sp>
+        <p:nvSpPr>
+          <p:cNvPr id="2" name="슬라이드 이미지 개체 틀 1"/>
+          <p:cNvSpPr>
+            <a:spLocks noGrp="1" noRot="1" noChangeAspect="1"/>
+          </p:cNvSpPr>
+          <p:nvPr>
+            <p:ph type="sldImg"/>
+          </p:nvPr>
+        </p:nvSpPr>
+        <p:spPr/>
+      </p:sp>
+      <p:sp>
+        <p:nvSpPr>
+          <p:cNvPr id="3" name="슬라이드 노트 개체 틀 2"/>
+          <p:cNvSpPr>
+            <a:spLocks noGrp="1"/>
+          </p:cNvSpPr>
+          <p:nvPr>
+            <p:ph type="body" idx="1"/>
+          </p:nvPr>
+        </p:nvSpPr>
+        <p:spPr/>
+        <p:txBody>
+          <a:bodyPr/>
+          <a:lstStyle/>
+          <a:p>
+            <a:endParaRPr lang="ko-KR" altLang="en-US" dirty="0"/>
+          </a:p>
+        </p:txBody>
+      </p:sp>
+      <p:sp>
+        <p:nvSpPr>
+          <p:cNvPr id="4" name="슬라이드 번호 개체 틀 3"/>
+          <p:cNvSpPr>
+            <a:spLocks noGrp="1"/>
+          </p:cNvSpPr>
+          <p:nvPr>
+            <p:ph type="sldNum" sz="quarter" idx="5"/>
+          </p:nvPr>
+        </p:nvSpPr>
+        <p:spPr/>
+        <p:txBody>
+          <a:bodyPr/>
+          <a:lstStyle/>
+          <a:p>
+            <a:fld id="{A6631257-9CB7-478D-B00C-4FEF064183D7}" type="slidenum">
+              <a:rPr lang="ko-KR" altLang="en-US" smtClean="0"/>
+              <a:t>16</a:t>
+            </a:fld>
+            <a:endParaRPr lang="ko-KR" altLang="en-US"/>
+          </a:p>
+        </p:txBody>
+      </p:sp>
+    </p:spTree>
+    <p:extLst>
+      <p:ext uri="{BB962C8B-B14F-4D97-AF65-F5344CB8AC3E}">
+        <p14:creationId xmlns:p14="http://schemas.microsoft.com/office/powerpoint/2010/main" val="1763134726"/>
+      </p:ext>
+    </p:extLst>
+  </p:cSld>
+  <p:clrMapOvr>
+    <a:masterClrMapping/>
+  </p:clrMapOvr>
+</p:notes>
+</file>
+
+<file path=ppt/notesSlides/notesSlide16.xml><?xml version="1.0" encoding="utf-8"?>
+<p:notes xmlns:a="http://schemas.openxmlformats.org/drawingml/2006/main" xmlns:r="http://schemas.openxmlformats.org/officeDocument/2006/relationships" xmlns:p="http://schemas.openxmlformats.org/presentationml/2006/main">
+  <p:cSld>
+    <p:spTree>
+      <p:nvGrpSpPr>
+        <p:cNvPr id="1" name=""/>
+        <p:cNvGrpSpPr/>
+        <p:nvPr/>
+      </p:nvGrpSpPr>
+      <p:grpSpPr>
+        <a:xfrm>
+          <a:off x="0" y="0"/>
+          <a:ext cx="0" cy="0"/>
+          <a:chOff x="0" y="0"/>
+          <a:chExt cx="0" cy="0"/>
+        </a:xfrm>
+      </p:grpSpPr>
+      <p:sp>
+        <p:nvSpPr>
+          <p:cNvPr id="2" name="슬라이드 이미지 개체 틀 1"/>
+          <p:cNvSpPr>
+            <a:spLocks noGrp="1" noRot="1" noChangeAspect="1"/>
+          </p:cNvSpPr>
+          <p:nvPr>
+            <p:ph type="sldImg"/>
+          </p:nvPr>
+        </p:nvSpPr>
+        <p:spPr/>
+      </p:sp>
+      <p:sp>
+        <p:nvSpPr>
+          <p:cNvPr id="3" name="슬라이드 노트 개체 틀 2"/>
+          <p:cNvSpPr>
+            <a:spLocks noGrp="1"/>
+          </p:cNvSpPr>
+          <p:nvPr>
+            <p:ph type="body" idx="1"/>
+          </p:nvPr>
+        </p:nvSpPr>
+        <p:spPr/>
+        <p:txBody>
+          <a:bodyPr/>
+          <a:lstStyle/>
+          <a:p>
+            <a:endParaRPr lang="ko-KR" altLang="en-US" dirty="0"/>
+          </a:p>
+        </p:txBody>
+      </p:sp>
+      <p:sp>
+        <p:nvSpPr>
+          <p:cNvPr id="4" name="슬라이드 번호 개체 틀 3"/>
+          <p:cNvSpPr>
+            <a:spLocks noGrp="1"/>
+          </p:cNvSpPr>
+          <p:nvPr>
+            <p:ph type="sldNum" sz="quarter" idx="5"/>
+          </p:nvPr>
+        </p:nvSpPr>
+        <p:spPr/>
+        <p:txBody>
+          <a:bodyPr/>
+          <a:lstStyle/>
+          <a:p>
+            <a:fld id="{A6631257-9CB7-478D-B00C-4FEF064183D7}" type="slidenum">
+              <a:rPr lang="ko-KR" altLang="en-US" smtClean="0"/>
+              <a:t>17</a:t>
+            </a:fld>
+            <a:endParaRPr lang="ko-KR" altLang="en-US"/>
+          </a:p>
+        </p:txBody>
+      </p:sp>
+    </p:spTree>
+    <p:extLst>
+      <p:ext uri="{BB962C8B-B14F-4D97-AF65-F5344CB8AC3E}">
+        <p14:creationId xmlns:p14="http://schemas.microsoft.com/office/powerpoint/2010/main" val="312637925"/>
+      </p:ext>
+    </p:extLst>
+  </p:cSld>
+  <p:clrMapOvr>
+    <a:masterClrMapping/>
+  </p:clrMapOvr>
+</p:notes>
+</file>
+
+<file path=ppt/notesSlides/notesSlide17.xml><?xml version="1.0" encoding="utf-8"?>
+<p:notes xmlns:a="http://schemas.openxmlformats.org/drawingml/2006/main" xmlns:r="http://schemas.openxmlformats.org/officeDocument/2006/relationships" xmlns:p="http://schemas.openxmlformats.org/presentationml/2006/main">
+  <p:cSld>
+    <p:spTree>
+      <p:nvGrpSpPr>
+        <p:cNvPr id="1" name=""/>
+        <p:cNvGrpSpPr/>
+        <p:nvPr/>
+      </p:nvGrpSpPr>
+      <p:grpSpPr>
+        <a:xfrm>
+          <a:off x="0" y="0"/>
+          <a:ext cx="0" cy="0"/>
+          <a:chOff x="0" y="0"/>
+          <a:chExt cx="0" cy="0"/>
+        </a:xfrm>
+      </p:grpSpPr>
+      <p:sp>
+        <p:nvSpPr>
+          <p:cNvPr id="2" name="슬라이드 이미지 개체 틀 1"/>
+          <p:cNvSpPr>
+            <a:spLocks noGrp="1" noRot="1" noChangeAspect="1"/>
+          </p:cNvSpPr>
+          <p:nvPr>
+            <p:ph type="sldImg"/>
+          </p:nvPr>
+        </p:nvSpPr>
+        <p:spPr/>
+      </p:sp>
+      <p:sp>
+        <p:nvSpPr>
+          <p:cNvPr id="3" name="슬라이드 노트 개체 틀 2"/>
+          <p:cNvSpPr>
+            <a:spLocks noGrp="1"/>
+          </p:cNvSpPr>
+          <p:nvPr>
+            <p:ph type="body" idx="1"/>
+          </p:nvPr>
+        </p:nvSpPr>
+        <p:spPr/>
+        <p:txBody>
+          <a:bodyPr/>
+          <a:lstStyle/>
+          <a:p>
+            <a:endParaRPr lang="ko-KR" altLang="en-US" dirty="0"/>
+          </a:p>
+        </p:txBody>
+      </p:sp>
+      <p:sp>
+        <p:nvSpPr>
+          <p:cNvPr id="4" name="슬라이드 번호 개체 틀 3"/>
+          <p:cNvSpPr>
+            <a:spLocks noGrp="1"/>
+          </p:cNvSpPr>
+          <p:nvPr>
+            <p:ph type="sldNum" sz="quarter" idx="5"/>
+          </p:nvPr>
+        </p:nvSpPr>
+        <p:spPr/>
+        <p:txBody>
+          <a:bodyPr/>
+          <a:lstStyle/>
+          <a:p>
+            <a:fld id="{A6631257-9CB7-478D-B00C-4FEF064183D7}" type="slidenum">
+              <a:rPr lang="ko-KR" altLang="en-US" smtClean="0"/>
+              <a:t>18</a:t>
+            </a:fld>
+            <a:endParaRPr lang="ko-KR" altLang="en-US"/>
+          </a:p>
+        </p:txBody>
+      </p:sp>
+    </p:spTree>
+    <p:extLst>
+      <p:ext uri="{BB962C8B-B14F-4D97-AF65-F5344CB8AC3E}">
+        <p14:creationId xmlns:p14="http://schemas.microsoft.com/office/powerpoint/2010/main" val="1153582077"/>
+      </p:ext>
+    </p:extLst>
+  </p:cSld>
+  <p:clrMapOvr>
+    <a:masterClrMapping/>
+  </p:clrMapOvr>
+</p:notes>
+</file>
+
+<file path=ppt/notesSlides/notesSlide18.xml><?xml version="1.0" encoding="utf-8"?>
+<p:notes xmlns:a="http://schemas.openxmlformats.org/drawingml/2006/main" xmlns:r="http://schemas.openxmlformats.org/officeDocument/2006/relationships" xmlns:p="http://schemas.openxmlformats.org/presentationml/2006/main">
+  <p:cSld>
+    <p:spTree>
+      <p:nvGrpSpPr>
+        <p:cNvPr id="1" name=""/>
+        <p:cNvGrpSpPr/>
+        <p:nvPr/>
+      </p:nvGrpSpPr>
+      <p:grpSpPr>
+        <a:xfrm>
+          <a:off x="0" y="0"/>
+          <a:ext cx="0" cy="0"/>
+          <a:chOff x="0" y="0"/>
+          <a:chExt cx="0" cy="0"/>
+        </a:xfrm>
+      </p:grpSpPr>
+      <p:sp>
+        <p:nvSpPr>
+          <p:cNvPr id="2" name="슬라이드 이미지 개체 틀 1"/>
+          <p:cNvSpPr>
+            <a:spLocks noGrp="1" noRot="1" noChangeAspect="1"/>
+          </p:cNvSpPr>
+          <p:nvPr>
+            <p:ph type="sldImg"/>
+          </p:nvPr>
+        </p:nvSpPr>
+        <p:spPr/>
+      </p:sp>
+      <p:sp>
+        <p:nvSpPr>
+          <p:cNvPr id="3" name="슬라이드 노트 개체 틀 2"/>
+          <p:cNvSpPr>
+            <a:spLocks noGrp="1"/>
+          </p:cNvSpPr>
+          <p:nvPr>
+            <p:ph type="body" idx="1"/>
+          </p:nvPr>
+        </p:nvSpPr>
+        <p:spPr/>
+        <p:txBody>
+          <a:bodyPr/>
+          <a:lstStyle/>
+          <a:p>
+            <a:r>
+              <a:rPr lang="ko-KR" altLang="en-US" dirty="0"/>
+              <a:t>화면 회전할 때의 </a:t>
+            </a:r>
+            <a:r>
+              <a:rPr lang="en-US" altLang="ko-KR" dirty="0"/>
+              <a:t>activity </a:t>
+            </a:r>
+            <a:r>
+              <a:rPr lang="ko-KR" altLang="en-US" dirty="0"/>
+              <a:t>로그 확인</a:t>
+            </a:r>
+          </a:p>
+        </p:txBody>
+      </p:sp>
+      <p:sp>
+        <p:nvSpPr>
+          <p:cNvPr id="4" name="슬라이드 번호 개체 틀 3"/>
+          <p:cNvSpPr>
+            <a:spLocks noGrp="1"/>
+          </p:cNvSpPr>
+          <p:nvPr>
+            <p:ph type="sldNum" sz="quarter" idx="5"/>
+          </p:nvPr>
+        </p:nvSpPr>
+        <p:spPr/>
+        <p:txBody>
+          <a:bodyPr/>
+          <a:lstStyle/>
+          <a:p>
+            <a:fld id="{A6631257-9CB7-478D-B00C-4FEF064183D7}" type="slidenum">
+              <a:rPr lang="ko-KR" altLang="en-US" smtClean="0"/>
+              <a:t>19</a:t>
+            </a:fld>
+            <a:endParaRPr lang="ko-KR" altLang="en-US"/>
+          </a:p>
+        </p:txBody>
+      </p:sp>
+    </p:spTree>
+    <p:extLst>
+      <p:ext uri="{BB962C8B-B14F-4D97-AF65-F5344CB8AC3E}">
+        <p14:creationId xmlns:p14="http://schemas.microsoft.com/office/powerpoint/2010/main" val="287457857"/>
+      </p:ext>
+    </p:extLst>
+  </p:cSld>
+  <p:clrMapOvr>
+    <a:masterClrMapping/>
+  </p:clrMapOvr>
+</p:notes>
+</file>
+
 <file path=ppt/notesSlides/notesSlide2.xml><?xml version="1.0" encoding="utf-8"?>
 <p:notes xmlns:a="http://schemas.openxmlformats.org/drawingml/2006/main" xmlns:r="http://schemas.openxmlformats.org/officeDocument/2006/relationships" xmlns:p="http://schemas.openxmlformats.org/presentationml/2006/main">
   <p:cSld>
@@ -1104,18 +1881,7 @@
           <a:bodyPr/>
           <a:lstStyle/>
           <a:p>
-            <a:r>
-              <a:rPr lang="ko-KR" altLang="en-US" dirty="0"/>
-              <a:t>화면 회전할 때의 </a:t>
-            </a:r>
-            <a:r>
-              <a:rPr lang="en-US" altLang="ko-KR" dirty="0"/>
-              <a:t>activity </a:t>
-            </a:r>
-            <a:r>
-              <a:rPr lang="ko-KR" altLang="en-US" dirty="0"/>
-              <a:t>로그 확인</a:t>
-            </a:r>
+            <a:endParaRPr lang="ko-KR" altLang="en-US" dirty="0"/>
           </a:p>
         </p:txBody>
       </p:sp>
@@ -1145,7 +1911,91 @@
     </p:spTree>
     <p:extLst>
       <p:ext uri="{BB962C8B-B14F-4D97-AF65-F5344CB8AC3E}">
-        <p14:creationId xmlns:p14="http://schemas.microsoft.com/office/powerpoint/2010/main" val="287457857"/>
+        <p14:creationId xmlns:p14="http://schemas.microsoft.com/office/powerpoint/2010/main" val="3802085091"/>
+      </p:ext>
+    </p:extLst>
+  </p:cSld>
+  <p:clrMapOvr>
+    <a:masterClrMapping/>
+  </p:clrMapOvr>
+</p:notes>
+</file>
+
+<file path=ppt/notesSlides/notesSlide9.xml><?xml version="1.0" encoding="utf-8"?>
+<p:notes xmlns:a="http://schemas.openxmlformats.org/drawingml/2006/main" xmlns:r="http://schemas.openxmlformats.org/officeDocument/2006/relationships" xmlns:p="http://schemas.openxmlformats.org/presentationml/2006/main">
+  <p:cSld>
+    <p:spTree>
+      <p:nvGrpSpPr>
+        <p:cNvPr id="1" name=""/>
+        <p:cNvGrpSpPr/>
+        <p:nvPr/>
+      </p:nvGrpSpPr>
+      <p:grpSpPr>
+        <a:xfrm>
+          <a:off x="0" y="0"/>
+          <a:ext cx="0" cy="0"/>
+          <a:chOff x="0" y="0"/>
+          <a:chExt cx="0" cy="0"/>
+        </a:xfrm>
+      </p:grpSpPr>
+      <p:sp>
+        <p:nvSpPr>
+          <p:cNvPr id="2" name="슬라이드 이미지 개체 틀 1"/>
+          <p:cNvSpPr>
+            <a:spLocks noGrp="1" noRot="1" noChangeAspect="1"/>
+          </p:cNvSpPr>
+          <p:nvPr>
+            <p:ph type="sldImg"/>
+          </p:nvPr>
+        </p:nvSpPr>
+        <p:spPr/>
+      </p:sp>
+      <p:sp>
+        <p:nvSpPr>
+          <p:cNvPr id="3" name="슬라이드 노트 개체 틀 2"/>
+          <p:cNvSpPr>
+            <a:spLocks noGrp="1"/>
+          </p:cNvSpPr>
+          <p:nvPr>
+            <p:ph type="body" idx="1"/>
+          </p:nvPr>
+        </p:nvSpPr>
+        <p:spPr/>
+        <p:txBody>
+          <a:bodyPr/>
+          <a:lstStyle/>
+          <a:p>
+            <a:endParaRPr lang="ko-KR" altLang="en-US" dirty="0"/>
+          </a:p>
+        </p:txBody>
+      </p:sp>
+      <p:sp>
+        <p:nvSpPr>
+          <p:cNvPr id="4" name="슬라이드 번호 개체 틀 3"/>
+          <p:cNvSpPr>
+            <a:spLocks noGrp="1"/>
+          </p:cNvSpPr>
+          <p:nvPr>
+            <p:ph type="sldNum" sz="quarter" idx="5"/>
+          </p:nvPr>
+        </p:nvSpPr>
+        <p:spPr/>
+        <p:txBody>
+          <a:bodyPr/>
+          <a:lstStyle/>
+          <a:p>
+            <a:fld id="{A6631257-9CB7-478D-B00C-4FEF064183D7}" type="slidenum">
+              <a:rPr lang="ko-KR" altLang="en-US" smtClean="0"/>
+              <a:t>10</a:t>
+            </a:fld>
+            <a:endParaRPr lang="ko-KR" altLang="en-US"/>
+          </a:p>
+        </p:txBody>
+      </p:sp>
+    </p:spTree>
+    <p:extLst>
+      <p:ext uri="{BB962C8B-B14F-4D97-AF65-F5344CB8AC3E}">
+        <p14:creationId xmlns:p14="http://schemas.microsoft.com/office/powerpoint/2010/main" val="4008955109"/>
       </p:ext>
     </p:extLst>
   </p:cSld>
@@ -4453,6 +5303,6689 @@
 </p:sld>
 </file>
 
+<file path=ppt/slides/slide10.xml><?xml version="1.0" encoding="utf-8"?>
+<p:sld xmlns:a="http://schemas.openxmlformats.org/drawingml/2006/main" xmlns:r="http://schemas.openxmlformats.org/officeDocument/2006/relationships" xmlns:p="http://schemas.openxmlformats.org/presentationml/2006/main">
+  <p:cSld>
+    <p:spTree>
+      <p:nvGrpSpPr>
+        <p:cNvPr id="1" name=""/>
+        <p:cNvGrpSpPr/>
+        <p:nvPr/>
+      </p:nvGrpSpPr>
+      <p:grpSpPr>
+        <a:xfrm>
+          <a:off x="0" y="0"/>
+          <a:ext cx="0" cy="0"/>
+          <a:chOff x="0" y="0"/>
+          <a:chExt cx="0" cy="0"/>
+        </a:xfrm>
+      </p:grpSpPr>
+      <p:pic>
+        <p:nvPicPr>
+          <p:cNvPr id="19" name="그림 18">
+            <a:extLst>
+              <a:ext uri="{FF2B5EF4-FFF2-40B4-BE49-F238E27FC236}">
+                <a16:creationId xmlns:a16="http://schemas.microsoft.com/office/drawing/2014/main" id="{90E6B6FF-3A39-1DC3-5F8F-7903C3D5E978}"/>
+              </a:ext>
+            </a:extLst>
+          </p:cNvPr>
+          <p:cNvPicPr>
+            <a:picLocks noChangeAspect="1"/>
+          </p:cNvPicPr>
+          <p:nvPr/>
+        </p:nvPicPr>
+        <p:blipFill>
+          <a:blip r:embed="rId3"/>
+          <a:stretch>
+            <a:fillRect/>
+          </a:stretch>
+        </p:blipFill>
+        <p:spPr>
+          <a:xfrm>
+            <a:off x="5020383" y="1386302"/>
+            <a:ext cx="2871497" cy="4826000"/>
+          </a:xfrm>
+          <a:prstGeom prst="rect">
+            <a:avLst/>
+          </a:prstGeom>
+        </p:spPr>
+      </p:pic>
+      <p:sp>
+        <p:nvSpPr>
+          <p:cNvPr id="5" name="TextBox 4">
+            <a:extLst>
+              <a:ext uri="{FF2B5EF4-FFF2-40B4-BE49-F238E27FC236}">
+                <a16:creationId xmlns:a16="http://schemas.microsoft.com/office/drawing/2014/main" id="{78D9FF8D-6741-6CDE-7D28-42AB81CDC249}"/>
+              </a:ext>
+            </a:extLst>
+          </p:cNvPr>
+          <p:cNvSpPr txBox="1"/>
+          <p:nvPr/>
+        </p:nvSpPr>
+        <p:spPr>
+          <a:xfrm>
+            <a:off x="311150" y="211668"/>
+            <a:ext cx="3936110" cy="323165"/>
+          </a:xfrm>
+          <a:prstGeom prst="rect">
+            <a:avLst/>
+          </a:prstGeom>
+          <a:noFill/>
+        </p:spPr>
+        <p:txBody>
+          <a:bodyPr wrap="square" rtlCol="0">
+            <a:spAutoFit/>
+          </a:bodyPr>
+          <a:lstStyle/>
+          <a:p>
+            <a:r>
+              <a:rPr lang="ko-KR" altLang="en-US" sz="1500" dirty="0"/>
+              <a:t>내부 저장소 </a:t>
+            </a:r>
+            <a:r>
+              <a:rPr lang="en-US" altLang="ko-KR" sz="1500" dirty="0"/>
+              <a:t>(Internal Storage)</a:t>
+            </a:r>
+            <a:endParaRPr lang="ko-KR" altLang="en-US" sz="1500" dirty="0"/>
+          </a:p>
+        </p:txBody>
+      </p:sp>
+      <p:cxnSp>
+        <p:nvCxnSpPr>
+          <p:cNvPr id="7" name="직선 연결선 6">
+            <a:extLst>
+              <a:ext uri="{FF2B5EF4-FFF2-40B4-BE49-F238E27FC236}">
+                <a16:creationId xmlns:a16="http://schemas.microsoft.com/office/drawing/2014/main" id="{396ABC2F-46EF-B557-13D1-C557F1EE561D}"/>
+              </a:ext>
+            </a:extLst>
+          </p:cNvPr>
+          <p:cNvCxnSpPr/>
+          <p:nvPr/>
+        </p:nvCxnSpPr>
+        <p:spPr>
+          <a:xfrm>
+            <a:off x="311150" y="640665"/>
+            <a:ext cx="11499850" cy="0"/>
+          </a:xfrm>
+          <a:prstGeom prst="line">
+            <a:avLst/>
+          </a:prstGeom>
+        </p:spPr>
+        <p:style>
+          <a:lnRef idx="2">
+            <a:schemeClr val="accent1"/>
+          </a:lnRef>
+          <a:fillRef idx="0">
+            <a:schemeClr val="accent1"/>
+          </a:fillRef>
+          <a:effectRef idx="1">
+            <a:schemeClr val="accent1"/>
+          </a:effectRef>
+          <a:fontRef idx="minor">
+            <a:schemeClr val="tx1"/>
+          </a:fontRef>
+        </p:style>
+      </p:cxnSp>
+      <p:sp>
+        <p:nvSpPr>
+          <p:cNvPr id="2" name="TextBox 1">
+            <a:extLst>
+              <a:ext uri="{FF2B5EF4-FFF2-40B4-BE49-F238E27FC236}">
+                <a16:creationId xmlns:a16="http://schemas.microsoft.com/office/drawing/2014/main" id="{2EA40919-2997-094D-20D5-E3A896A60509}"/>
+              </a:ext>
+            </a:extLst>
+          </p:cNvPr>
+          <p:cNvSpPr txBox="1"/>
+          <p:nvPr/>
+        </p:nvSpPr>
+        <p:spPr>
+          <a:xfrm>
+            <a:off x="311150" y="962318"/>
+            <a:ext cx="4438651" cy="985911"/>
+          </a:xfrm>
+          <a:prstGeom prst="rect">
+            <a:avLst/>
+          </a:prstGeom>
+          <a:noFill/>
+        </p:spPr>
+        <p:txBody>
+          <a:bodyPr wrap="square" rtlCol="0">
+            <a:spAutoFit/>
+          </a:bodyPr>
+          <a:lstStyle/>
+          <a:p>
+            <a:pPr marL="171450" indent="-171450">
+              <a:lnSpc>
+                <a:spcPct val="150000"/>
+              </a:lnSpc>
+              <a:buFontTx/>
+              <a:buChar char="-"/>
+            </a:pPr>
+            <a:r>
+              <a:rPr lang="ko-KR" altLang="en-US" sz="1000" dirty="0"/>
+              <a:t>다른</a:t>
+            </a:r>
+            <a:r>
+              <a:rPr lang="en-US" altLang="ko-KR" sz="1000" dirty="0"/>
+              <a:t> application</a:t>
+            </a:r>
+            <a:r>
+              <a:rPr lang="ko-KR" altLang="en-US" sz="1000" dirty="0"/>
+              <a:t>에 </a:t>
+            </a:r>
+            <a:r>
+              <a:rPr lang="en-US" altLang="ko-KR" sz="1000" dirty="0"/>
+              <a:t>data</a:t>
+            </a:r>
+            <a:r>
+              <a:rPr lang="ko-KR" altLang="en-US" sz="1000" dirty="0"/>
+              <a:t>를 공급하는 역할</a:t>
+            </a:r>
+            <a:endParaRPr lang="en-US" altLang="ko-KR" sz="1000" dirty="0"/>
+          </a:p>
+          <a:p>
+            <a:pPr marL="171450" indent="-171450">
+              <a:lnSpc>
+                <a:spcPct val="150000"/>
+              </a:lnSpc>
+              <a:buFontTx/>
+              <a:buChar char="-"/>
+            </a:pPr>
+            <a:r>
+              <a:rPr lang="en-US" altLang="ko-KR" sz="1000" dirty="0"/>
+              <a:t>Data </a:t>
+            </a:r>
+            <a:r>
+              <a:rPr lang="ko-KR" altLang="en-US" sz="1000" dirty="0"/>
+              <a:t>공급을 </a:t>
+            </a:r>
+            <a:r>
+              <a:rPr lang="ko-KR" altLang="en-US" sz="1000" dirty="0" err="1"/>
+              <a:t>추상화하여</a:t>
+            </a:r>
+            <a:r>
+              <a:rPr lang="ko-KR" altLang="en-US" sz="1000" dirty="0"/>
+              <a:t> </a:t>
+            </a:r>
+            <a:r>
+              <a:rPr lang="en-US" altLang="ko-KR" sz="1000" dirty="0"/>
+              <a:t>data </a:t>
+            </a:r>
+            <a:r>
+              <a:rPr lang="ko-KR" altLang="en-US" sz="1000" dirty="0"/>
+              <a:t>계층과 </a:t>
+            </a:r>
+            <a:r>
+              <a:rPr lang="en-US" altLang="ko-KR" sz="1000" dirty="0"/>
+              <a:t>application </a:t>
+            </a:r>
+            <a:r>
+              <a:rPr lang="ko-KR" altLang="en-US" sz="1000" dirty="0"/>
+              <a:t>계층을 분리</a:t>
+            </a:r>
+            <a:endParaRPr lang="en-US" altLang="ko-KR" sz="1000" dirty="0"/>
+          </a:p>
+          <a:p>
+            <a:pPr marL="171450" indent="-171450">
+              <a:lnSpc>
+                <a:spcPct val="150000"/>
+              </a:lnSpc>
+              <a:buFontTx/>
+              <a:buChar char="-"/>
+            </a:pPr>
+            <a:r>
+              <a:rPr lang="ko-KR" altLang="en-US" sz="1000" dirty="0"/>
+              <a:t>다른 </a:t>
+            </a:r>
+            <a:r>
+              <a:rPr lang="en-US" altLang="ko-KR" sz="1000" dirty="0"/>
+              <a:t>application</a:t>
+            </a:r>
+            <a:r>
+              <a:rPr lang="ko-KR" altLang="en-US" sz="1000" dirty="0"/>
+              <a:t>이 </a:t>
+            </a:r>
+            <a:r>
+              <a:rPr lang="en-US" altLang="ko-KR" sz="1000" dirty="0"/>
+              <a:t>app data</a:t>
+            </a:r>
+            <a:r>
+              <a:rPr lang="ko-KR" altLang="en-US" sz="1000" dirty="0"/>
+              <a:t>에 안전하게 액세스하여 이를 수정할 수 있도록 허용</a:t>
+            </a:r>
+            <a:endParaRPr lang="en-US" altLang="ko-KR" sz="1000" dirty="0"/>
+          </a:p>
+        </p:txBody>
+      </p:sp>
+      <p:pic>
+        <p:nvPicPr>
+          <p:cNvPr id="16" name="그림 15">
+            <a:extLst>
+              <a:ext uri="{FF2B5EF4-FFF2-40B4-BE49-F238E27FC236}">
+                <a16:creationId xmlns:a16="http://schemas.microsoft.com/office/drawing/2014/main" id="{7C4BFE4D-EB8E-DC0B-BC2B-E8B42A4E25F7}"/>
+              </a:ext>
+            </a:extLst>
+          </p:cNvPr>
+          <p:cNvPicPr>
+            <a:picLocks noChangeAspect="1"/>
+          </p:cNvPicPr>
+          <p:nvPr/>
+        </p:nvPicPr>
+        <p:blipFill>
+          <a:blip r:embed="rId4">
+            <a:extLst>
+              <a:ext uri="{28A0092B-C50C-407E-A947-70E740481C1C}">
+                <a14:useLocalDpi xmlns:a14="http://schemas.microsoft.com/office/drawing/2010/main" val="0"/>
+              </a:ext>
+            </a:extLst>
+          </a:blip>
+          <a:srcRect/>
+          <a:stretch/>
+        </p:blipFill>
+        <p:spPr>
+          <a:xfrm>
+            <a:off x="10158391" y="747571"/>
+            <a:ext cx="1620000" cy="2880000"/>
+          </a:xfrm>
+          <a:prstGeom prst="rect">
+            <a:avLst/>
+          </a:prstGeom>
+        </p:spPr>
+      </p:pic>
+      <p:sp>
+        <p:nvSpPr>
+          <p:cNvPr id="3" name="직사각형 2">
+            <a:extLst>
+              <a:ext uri="{FF2B5EF4-FFF2-40B4-BE49-F238E27FC236}">
+                <a16:creationId xmlns:a16="http://schemas.microsoft.com/office/drawing/2014/main" id="{79FB360F-A14D-F015-CC2F-82C7F5E143DC}"/>
+              </a:ext>
+            </a:extLst>
+          </p:cNvPr>
+          <p:cNvSpPr/>
+          <p:nvPr/>
+        </p:nvSpPr>
+        <p:spPr>
+          <a:xfrm>
+            <a:off x="4980350" y="2247544"/>
+            <a:ext cx="2366600" cy="463905"/>
+          </a:xfrm>
+          <a:prstGeom prst="rect">
+            <a:avLst/>
+          </a:prstGeom>
+          <a:noFill/>
+          <a:ln w="9525">
+            <a:solidFill>
+              <a:srgbClr val="FF0000"/>
+            </a:solidFill>
+          </a:ln>
+        </p:spPr>
+        <p:style>
+          <a:lnRef idx="2">
+            <a:schemeClr val="accent1">
+              <a:shade val="15000"/>
+            </a:schemeClr>
+          </a:lnRef>
+          <a:fillRef idx="1">
+            <a:schemeClr val="accent1"/>
+          </a:fillRef>
+          <a:effectRef idx="0">
+            <a:schemeClr val="accent1"/>
+          </a:effectRef>
+          <a:fontRef idx="minor">
+            <a:schemeClr val="lt1"/>
+          </a:fontRef>
+        </p:style>
+        <p:txBody>
+          <a:bodyPr rtlCol="0" anchor="ctr"/>
+          <a:lstStyle/>
+          <a:p>
+            <a:pPr algn="ctr"/>
+            <a:endParaRPr lang="ko-KR" altLang="en-US"/>
+          </a:p>
+        </p:txBody>
+      </p:sp>
+      <p:sp>
+        <p:nvSpPr>
+          <p:cNvPr id="6" name="직사각형 5">
+            <a:extLst>
+              <a:ext uri="{FF2B5EF4-FFF2-40B4-BE49-F238E27FC236}">
+                <a16:creationId xmlns:a16="http://schemas.microsoft.com/office/drawing/2014/main" id="{39F3C11E-3306-BEB5-2F2B-3B2548AFEE9B}"/>
+              </a:ext>
+            </a:extLst>
+          </p:cNvPr>
+          <p:cNvSpPr/>
+          <p:nvPr/>
+        </p:nvSpPr>
+        <p:spPr>
+          <a:xfrm>
+            <a:off x="5107350" y="5089276"/>
+            <a:ext cx="3020650" cy="581274"/>
+          </a:xfrm>
+          <a:prstGeom prst="rect">
+            <a:avLst/>
+          </a:prstGeom>
+          <a:noFill/>
+          <a:ln w="9525">
+            <a:solidFill>
+              <a:srgbClr val="FF0000"/>
+            </a:solidFill>
+          </a:ln>
+        </p:spPr>
+        <p:style>
+          <a:lnRef idx="2">
+            <a:schemeClr val="accent1">
+              <a:shade val="15000"/>
+            </a:schemeClr>
+          </a:lnRef>
+          <a:fillRef idx="1">
+            <a:schemeClr val="accent1"/>
+          </a:fillRef>
+          <a:effectRef idx="0">
+            <a:schemeClr val="accent1"/>
+          </a:effectRef>
+          <a:fontRef idx="minor">
+            <a:schemeClr val="lt1"/>
+          </a:fontRef>
+        </p:style>
+        <p:txBody>
+          <a:bodyPr rtlCol="0" anchor="ctr"/>
+          <a:lstStyle/>
+          <a:p>
+            <a:pPr algn="ctr"/>
+            <a:endParaRPr lang="ko-KR" altLang="en-US"/>
+          </a:p>
+        </p:txBody>
+      </p:sp>
+      <p:sp>
+        <p:nvSpPr>
+          <p:cNvPr id="8" name="TextBox 7">
+            <a:extLst>
+              <a:ext uri="{FF2B5EF4-FFF2-40B4-BE49-F238E27FC236}">
+                <a16:creationId xmlns:a16="http://schemas.microsoft.com/office/drawing/2014/main" id="{D79BEEBE-AB53-E983-479C-4BC6145EBFF7}"/>
+              </a:ext>
+            </a:extLst>
+          </p:cNvPr>
+          <p:cNvSpPr txBox="1"/>
+          <p:nvPr/>
+        </p:nvSpPr>
+        <p:spPr>
+          <a:xfrm>
+            <a:off x="7346950" y="2118223"/>
+            <a:ext cx="564090" cy="293414"/>
+          </a:xfrm>
+          <a:prstGeom prst="rect">
+            <a:avLst/>
+          </a:prstGeom>
+          <a:noFill/>
+        </p:spPr>
+        <p:txBody>
+          <a:bodyPr wrap="square" rtlCol="0">
+            <a:spAutoFit/>
+          </a:bodyPr>
+          <a:lstStyle/>
+          <a:p>
+            <a:pPr>
+              <a:lnSpc>
+                <a:spcPct val="150000"/>
+              </a:lnSpc>
+            </a:pPr>
+            <a:r>
+              <a:rPr lang="ko-KR" altLang="en-US" sz="1000">
+                <a:solidFill>
+                  <a:srgbClr val="FF0000"/>
+                </a:solidFill>
+              </a:rPr>
+              <a:t>필수</a:t>
+            </a:r>
+            <a:endParaRPr lang="en-US" altLang="ko-KR" sz="1000" dirty="0">
+              <a:solidFill>
+                <a:srgbClr val="FF0000"/>
+              </a:solidFill>
+            </a:endParaRPr>
+          </a:p>
+        </p:txBody>
+      </p:sp>
+      <p:sp>
+        <p:nvSpPr>
+          <p:cNvPr id="10" name="직사각형 9">
+            <a:extLst>
+              <a:ext uri="{FF2B5EF4-FFF2-40B4-BE49-F238E27FC236}">
+                <a16:creationId xmlns:a16="http://schemas.microsoft.com/office/drawing/2014/main" id="{99D6AEF4-BB08-6CE3-2386-15D5576B9137}"/>
+              </a:ext>
+            </a:extLst>
+          </p:cNvPr>
+          <p:cNvSpPr/>
+          <p:nvPr/>
+        </p:nvSpPr>
+        <p:spPr>
+          <a:xfrm>
+            <a:off x="4804707" y="1450519"/>
+            <a:ext cx="5144540" cy="2054680"/>
+          </a:xfrm>
+          <a:prstGeom prst="rect">
+            <a:avLst/>
+          </a:prstGeom>
+          <a:noFill/>
+          <a:ln w="9525">
+            <a:solidFill>
+              <a:srgbClr val="FF0000"/>
+            </a:solidFill>
+          </a:ln>
+        </p:spPr>
+        <p:style>
+          <a:lnRef idx="2">
+            <a:schemeClr val="accent1">
+              <a:shade val="15000"/>
+            </a:schemeClr>
+          </a:lnRef>
+          <a:fillRef idx="1">
+            <a:schemeClr val="accent1"/>
+          </a:fillRef>
+          <a:effectRef idx="0">
+            <a:schemeClr val="accent1"/>
+          </a:effectRef>
+          <a:fontRef idx="minor">
+            <a:schemeClr val="lt1"/>
+          </a:fontRef>
+        </p:style>
+        <p:txBody>
+          <a:bodyPr rtlCol="0" anchor="ctr"/>
+          <a:lstStyle/>
+          <a:p>
+            <a:pPr algn="ctr"/>
+            <a:endParaRPr lang="ko-KR" altLang="en-US"/>
+          </a:p>
+        </p:txBody>
+      </p:sp>
+      <p:cxnSp>
+        <p:nvCxnSpPr>
+          <p:cNvPr id="12" name="직선 화살표 연결선 11">
+            <a:extLst>
+              <a:ext uri="{FF2B5EF4-FFF2-40B4-BE49-F238E27FC236}">
+                <a16:creationId xmlns:a16="http://schemas.microsoft.com/office/drawing/2014/main" id="{3FA5188A-FFFB-786D-0626-E7B5A0F1E1A6}"/>
+              </a:ext>
+            </a:extLst>
+          </p:cNvPr>
+          <p:cNvCxnSpPr>
+            <a:cxnSpLocks/>
+          </p:cNvCxnSpPr>
+          <p:nvPr/>
+        </p:nvCxnSpPr>
+        <p:spPr>
+          <a:xfrm flipV="1">
+            <a:off x="7823200" y="3505199"/>
+            <a:ext cx="546100" cy="1584077"/>
+          </a:xfrm>
+          <a:prstGeom prst="straightConnector1">
+            <a:avLst/>
+          </a:prstGeom>
+          <a:ln>
+            <a:solidFill>
+              <a:srgbClr val="FF0000"/>
+            </a:solidFill>
+            <a:tailEnd type="triangle"/>
+          </a:ln>
+        </p:spPr>
+        <p:style>
+          <a:lnRef idx="2">
+            <a:schemeClr val="accent1"/>
+          </a:lnRef>
+          <a:fillRef idx="0">
+            <a:schemeClr val="accent1"/>
+          </a:fillRef>
+          <a:effectRef idx="1">
+            <a:schemeClr val="accent1"/>
+          </a:effectRef>
+          <a:fontRef idx="minor">
+            <a:schemeClr val="tx1"/>
+          </a:fontRef>
+        </p:style>
+      </p:cxnSp>
+      <p:cxnSp>
+        <p:nvCxnSpPr>
+          <p:cNvPr id="15" name="직선 화살표 연결선 14">
+            <a:extLst>
+              <a:ext uri="{FF2B5EF4-FFF2-40B4-BE49-F238E27FC236}">
+                <a16:creationId xmlns:a16="http://schemas.microsoft.com/office/drawing/2014/main" id="{06693D8A-6150-B6E0-13AF-294417A80B66}"/>
+              </a:ext>
+            </a:extLst>
+          </p:cNvPr>
+          <p:cNvCxnSpPr>
+            <a:cxnSpLocks/>
+            <a:stCxn id="10" idx="3"/>
+            <a:endCxn id="16" idx="1"/>
+          </p:cNvCxnSpPr>
+          <p:nvPr/>
+        </p:nvCxnSpPr>
+        <p:spPr>
+          <a:xfrm flipV="1">
+            <a:off x="9949247" y="2187571"/>
+            <a:ext cx="209144" cy="290288"/>
+          </a:xfrm>
+          <a:prstGeom prst="straightConnector1">
+            <a:avLst/>
+          </a:prstGeom>
+          <a:ln>
+            <a:solidFill>
+              <a:srgbClr val="FF0000"/>
+            </a:solidFill>
+            <a:tailEnd type="triangle"/>
+          </a:ln>
+        </p:spPr>
+        <p:style>
+          <a:lnRef idx="2">
+            <a:schemeClr val="accent1"/>
+          </a:lnRef>
+          <a:fillRef idx="0">
+            <a:schemeClr val="accent1"/>
+          </a:fillRef>
+          <a:effectRef idx="1">
+            <a:schemeClr val="accent1"/>
+          </a:effectRef>
+          <a:fontRef idx="minor">
+            <a:schemeClr val="tx1"/>
+          </a:fontRef>
+        </p:style>
+      </p:cxnSp>
+      <p:sp>
+        <p:nvSpPr>
+          <p:cNvPr id="13" name="TextBox 12">
+            <a:extLst>
+              <a:ext uri="{FF2B5EF4-FFF2-40B4-BE49-F238E27FC236}">
+                <a16:creationId xmlns:a16="http://schemas.microsoft.com/office/drawing/2014/main" id="{EEBEF976-EF42-5DE0-3DCA-B9892B5A8BE5}"/>
+              </a:ext>
+            </a:extLst>
+          </p:cNvPr>
+          <p:cNvSpPr txBox="1"/>
+          <p:nvPr/>
+        </p:nvSpPr>
+        <p:spPr>
+          <a:xfrm>
+            <a:off x="-31396" y="6661706"/>
+            <a:ext cx="4438651" cy="213007"/>
+          </a:xfrm>
+          <a:prstGeom prst="rect">
+            <a:avLst/>
+          </a:prstGeom>
+          <a:noFill/>
+        </p:spPr>
+        <p:txBody>
+          <a:bodyPr wrap="square" rtlCol="0">
+            <a:spAutoFit/>
+          </a:bodyPr>
+          <a:lstStyle/>
+          <a:p>
+            <a:pPr>
+              <a:lnSpc>
+                <a:spcPct val="150000"/>
+              </a:lnSpc>
+            </a:pPr>
+            <a:r>
+              <a:rPr lang="en-US" altLang="ko-KR" sz="600" dirty="0"/>
+              <a:t>IPC: </a:t>
+            </a:r>
+            <a:r>
+              <a:rPr lang="en-US" altLang="ko-KR" sz="600" dirty="0" err="1"/>
+              <a:t>InterProcess</a:t>
+            </a:r>
+            <a:r>
+              <a:rPr lang="en-US" altLang="ko-KR" sz="600" dirty="0"/>
+              <a:t> Communication</a:t>
+            </a:r>
+          </a:p>
+        </p:txBody>
+      </p:sp>
+      <p:sp>
+        <p:nvSpPr>
+          <p:cNvPr id="17" name="TextBox 16">
+            <a:extLst>
+              <a:ext uri="{FF2B5EF4-FFF2-40B4-BE49-F238E27FC236}">
+                <a16:creationId xmlns:a16="http://schemas.microsoft.com/office/drawing/2014/main" id="{D86326E3-A4AD-7EF1-EA91-F3A270095A42}"/>
+              </a:ext>
+            </a:extLst>
+          </p:cNvPr>
+          <p:cNvSpPr txBox="1"/>
+          <p:nvPr/>
+        </p:nvSpPr>
+        <p:spPr>
+          <a:xfrm>
+            <a:off x="11482980" y="6581001"/>
+            <a:ext cx="709020" cy="276999"/>
+          </a:xfrm>
+          <a:prstGeom prst="rect">
+            <a:avLst/>
+          </a:prstGeom>
+          <a:noFill/>
+        </p:spPr>
+        <p:txBody>
+          <a:bodyPr wrap="square" rtlCol="0">
+            <a:spAutoFit/>
+          </a:bodyPr>
+          <a:lstStyle/>
+          <a:p>
+            <a:pPr algn="r"/>
+            <a:r>
+              <a:rPr lang="en-US" altLang="ko-KR" sz="1200" dirty="0"/>
+              <a:t>Ch12</a:t>
+            </a:r>
+            <a:endParaRPr lang="ko-KR" altLang="en-US" sz="1200" dirty="0"/>
+          </a:p>
+        </p:txBody>
+      </p:sp>
+      <p:pic>
+        <p:nvPicPr>
+          <p:cNvPr id="21" name="그림 20">
+            <a:extLst>
+              <a:ext uri="{FF2B5EF4-FFF2-40B4-BE49-F238E27FC236}">
+                <a16:creationId xmlns:a16="http://schemas.microsoft.com/office/drawing/2014/main" id="{9BB1AF8D-E0F8-16AE-A175-5B30F19467DF}"/>
+              </a:ext>
+            </a:extLst>
+          </p:cNvPr>
+          <p:cNvPicPr>
+            <a:picLocks noChangeAspect="1"/>
+          </p:cNvPicPr>
+          <p:nvPr/>
+        </p:nvPicPr>
+        <p:blipFill>
+          <a:blip r:embed="rId5">
+            <a:extLst>
+              <a:ext uri="{28A0092B-C50C-407E-A947-70E740481C1C}">
+                <a14:useLocalDpi xmlns:a14="http://schemas.microsoft.com/office/drawing/2010/main" val="0"/>
+              </a:ext>
+            </a:extLst>
+          </a:blip>
+          <a:srcRect/>
+          <a:stretch/>
+        </p:blipFill>
+        <p:spPr>
+          <a:xfrm>
+            <a:off x="10158391" y="3701001"/>
+            <a:ext cx="1620000" cy="2880000"/>
+          </a:xfrm>
+          <a:prstGeom prst="rect">
+            <a:avLst/>
+          </a:prstGeom>
+        </p:spPr>
+      </p:pic>
+      <p:pic>
+        <p:nvPicPr>
+          <p:cNvPr id="22" name="그림 21">
+            <a:extLst>
+              <a:ext uri="{FF2B5EF4-FFF2-40B4-BE49-F238E27FC236}">
+                <a16:creationId xmlns:a16="http://schemas.microsoft.com/office/drawing/2014/main" id="{70AD9935-8EA0-D2B9-D206-E2C2955FE2C6}"/>
+              </a:ext>
+            </a:extLst>
+          </p:cNvPr>
+          <p:cNvPicPr>
+            <a:picLocks noChangeAspect="1"/>
+          </p:cNvPicPr>
+          <p:nvPr/>
+        </p:nvPicPr>
+        <p:blipFill>
+          <a:blip r:embed="rId6">
+            <a:extLst>
+              <a:ext uri="{28A0092B-C50C-407E-A947-70E740481C1C}">
+                <a14:useLocalDpi xmlns:a14="http://schemas.microsoft.com/office/drawing/2010/main" val="0"/>
+              </a:ext>
+            </a:extLst>
+          </a:blip>
+          <a:srcRect/>
+          <a:stretch/>
+        </p:blipFill>
+        <p:spPr>
+          <a:xfrm>
+            <a:off x="8453845" y="3701001"/>
+            <a:ext cx="1620000" cy="2880000"/>
+          </a:xfrm>
+          <a:prstGeom prst="rect">
+            <a:avLst/>
+          </a:prstGeom>
+        </p:spPr>
+      </p:pic>
+      <p:pic>
+        <p:nvPicPr>
+          <p:cNvPr id="25" name="그림 24">
+            <a:extLst>
+              <a:ext uri="{FF2B5EF4-FFF2-40B4-BE49-F238E27FC236}">
+                <a16:creationId xmlns:a16="http://schemas.microsoft.com/office/drawing/2014/main" id="{07F23798-B6EE-E0A8-D006-E9C148FAC32E}"/>
+              </a:ext>
+            </a:extLst>
+          </p:cNvPr>
+          <p:cNvPicPr>
+            <a:picLocks noChangeAspect="1"/>
+          </p:cNvPicPr>
+          <p:nvPr/>
+        </p:nvPicPr>
+        <p:blipFill>
+          <a:blip r:embed="rId7"/>
+          <a:stretch>
+            <a:fillRect/>
+          </a:stretch>
+        </p:blipFill>
+        <p:spPr>
+          <a:xfrm>
+            <a:off x="2044059" y="2805166"/>
+            <a:ext cx="2649682" cy="3429000"/>
+          </a:xfrm>
+          <a:prstGeom prst="rect">
+            <a:avLst/>
+          </a:prstGeom>
+        </p:spPr>
+      </p:pic>
+    </p:spTree>
+    <p:extLst>
+      <p:ext uri="{BB962C8B-B14F-4D97-AF65-F5344CB8AC3E}">
+        <p14:creationId xmlns:p14="http://schemas.microsoft.com/office/powerpoint/2010/main" val="3457525709"/>
+      </p:ext>
+    </p:extLst>
+  </p:cSld>
+  <p:clrMapOvr>
+    <a:masterClrMapping/>
+  </p:clrMapOvr>
+</p:sld>
+</file>
+
+<file path=ppt/slides/slide11.xml><?xml version="1.0" encoding="utf-8"?>
+<p:sld xmlns:a="http://schemas.openxmlformats.org/drawingml/2006/main" xmlns:r="http://schemas.openxmlformats.org/officeDocument/2006/relationships" xmlns:p="http://schemas.openxmlformats.org/presentationml/2006/main">
+  <p:cSld>
+    <p:spTree>
+      <p:nvGrpSpPr>
+        <p:cNvPr id="1" name=""/>
+        <p:cNvGrpSpPr/>
+        <p:nvPr/>
+      </p:nvGrpSpPr>
+      <p:grpSpPr>
+        <a:xfrm>
+          <a:off x="0" y="0"/>
+          <a:ext cx="0" cy="0"/>
+          <a:chOff x="0" y="0"/>
+          <a:chExt cx="0" cy="0"/>
+        </a:xfrm>
+      </p:grpSpPr>
+      <p:sp>
+        <p:nvSpPr>
+          <p:cNvPr id="5" name="TextBox 4">
+            <a:extLst>
+              <a:ext uri="{FF2B5EF4-FFF2-40B4-BE49-F238E27FC236}">
+                <a16:creationId xmlns:a16="http://schemas.microsoft.com/office/drawing/2014/main" id="{78D9FF8D-6741-6CDE-7D28-42AB81CDC249}"/>
+              </a:ext>
+            </a:extLst>
+          </p:cNvPr>
+          <p:cNvSpPr txBox="1"/>
+          <p:nvPr/>
+        </p:nvSpPr>
+        <p:spPr>
+          <a:xfrm>
+            <a:off x="311150" y="211668"/>
+            <a:ext cx="3936110" cy="323165"/>
+          </a:xfrm>
+          <a:prstGeom prst="rect">
+            <a:avLst/>
+          </a:prstGeom>
+          <a:noFill/>
+        </p:spPr>
+        <p:txBody>
+          <a:bodyPr wrap="square" rtlCol="0">
+            <a:spAutoFit/>
+          </a:bodyPr>
+          <a:lstStyle/>
+          <a:p>
+            <a:r>
+              <a:rPr lang="en-US" altLang="ko-KR" sz="1500" dirty="0"/>
+              <a:t>Device</a:t>
+            </a:r>
+            <a:r>
+              <a:rPr lang="ko-KR" altLang="en-US" sz="1500" dirty="0"/>
+              <a:t> </a:t>
+            </a:r>
+            <a:r>
+              <a:rPr lang="en-US" altLang="ko-KR" sz="1500" dirty="0"/>
+              <a:t>File</a:t>
+            </a:r>
+            <a:r>
+              <a:rPr lang="ko-KR" altLang="en-US" sz="1500" dirty="0"/>
+              <a:t> </a:t>
+            </a:r>
+            <a:r>
+              <a:rPr lang="en-US" altLang="ko-KR" sz="1500" dirty="0"/>
+              <a:t>Explorer</a:t>
+            </a:r>
+            <a:endParaRPr lang="ko-KR" altLang="en-US" sz="1500" dirty="0"/>
+          </a:p>
+        </p:txBody>
+      </p:sp>
+      <p:cxnSp>
+        <p:nvCxnSpPr>
+          <p:cNvPr id="7" name="직선 연결선 6">
+            <a:extLst>
+              <a:ext uri="{FF2B5EF4-FFF2-40B4-BE49-F238E27FC236}">
+                <a16:creationId xmlns:a16="http://schemas.microsoft.com/office/drawing/2014/main" id="{396ABC2F-46EF-B557-13D1-C557F1EE561D}"/>
+              </a:ext>
+            </a:extLst>
+          </p:cNvPr>
+          <p:cNvCxnSpPr/>
+          <p:nvPr/>
+        </p:nvCxnSpPr>
+        <p:spPr>
+          <a:xfrm>
+            <a:off x="311150" y="640665"/>
+            <a:ext cx="11499850" cy="0"/>
+          </a:xfrm>
+          <a:prstGeom prst="line">
+            <a:avLst/>
+          </a:prstGeom>
+        </p:spPr>
+        <p:style>
+          <a:lnRef idx="2">
+            <a:schemeClr val="accent1"/>
+          </a:lnRef>
+          <a:fillRef idx="0">
+            <a:schemeClr val="accent1"/>
+          </a:fillRef>
+          <a:effectRef idx="1">
+            <a:schemeClr val="accent1"/>
+          </a:effectRef>
+          <a:fontRef idx="minor">
+            <a:schemeClr val="tx1"/>
+          </a:fontRef>
+        </p:style>
+      </p:cxnSp>
+      <p:sp>
+        <p:nvSpPr>
+          <p:cNvPr id="2" name="TextBox 1">
+            <a:extLst>
+              <a:ext uri="{FF2B5EF4-FFF2-40B4-BE49-F238E27FC236}">
+                <a16:creationId xmlns:a16="http://schemas.microsoft.com/office/drawing/2014/main" id="{2EA40919-2997-094D-20D5-E3A896A60509}"/>
+              </a:ext>
+            </a:extLst>
+          </p:cNvPr>
+          <p:cNvSpPr txBox="1"/>
+          <p:nvPr/>
+        </p:nvSpPr>
+        <p:spPr>
+          <a:xfrm>
+            <a:off x="311150" y="746498"/>
+            <a:ext cx="6281561" cy="524246"/>
+          </a:xfrm>
+          <a:prstGeom prst="rect">
+            <a:avLst/>
+          </a:prstGeom>
+          <a:noFill/>
+        </p:spPr>
+        <p:txBody>
+          <a:bodyPr wrap="square" rtlCol="0">
+            <a:spAutoFit/>
+          </a:bodyPr>
+          <a:lstStyle/>
+          <a:p>
+            <a:pPr>
+              <a:lnSpc>
+                <a:spcPct val="150000"/>
+              </a:lnSpc>
+            </a:pPr>
+            <a:r>
+              <a:rPr lang="en-US" altLang="ko-KR" sz="1000" dirty="0"/>
+              <a:t>data/data/app_name/: </a:t>
+            </a:r>
+            <a:r>
+              <a:rPr lang="ko-KR" altLang="en-US" sz="1000" dirty="0"/>
+              <a:t>내부 저장소에 저장된 </a:t>
+            </a:r>
+            <a:r>
+              <a:rPr lang="en-US" altLang="ko-KR" sz="1000" dirty="0"/>
+              <a:t>app</a:t>
+            </a:r>
+            <a:r>
+              <a:rPr lang="ko-KR" altLang="en-US" sz="1000" dirty="0"/>
+              <a:t>의 </a:t>
+            </a:r>
+            <a:r>
+              <a:rPr lang="en-US" altLang="ko-KR" sz="1000" dirty="0"/>
+              <a:t>data </a:t>
+            </a:r>
+            <a:r>
+              <a:rPr lang="ko-KR" altLang="en-US" sz="1000" dirty="0"/>
+              <a:t>파일이 들어있는 위치</a:t>
+            </a:r>
+            <a:endParaRPr lang="en-US" altLang="ko-KR" sz="1000" dirty="0"/>
+          </a:p>
+          <a:p>
+            <a:pPr>
+              <a:lnSpc>
+                <a:spcPct val="150000"/>
+              </a:lnSpc>
+            </a:pPr>
+            <a:r>
+              <a:rPr lang="en-US" altLang="ko-KR" sz="1000" dirty="0"/>
+              <a:t>sdcard/:</a:t>
+            </a:r>
+            <a:r>
+              <a:rPr lang="ko-KR" altLang="en-US" sz="1000" dirty="0"/>
+              <a:t> 외부 저장소에 저장된 </a:t>
+            </a:r>
+            <a:r>
+              <a:rPr lang="en-US" altLang="ko-KR" sz="1000" dirty="0"/>
+              <a:t>app</a:t>
+            </a:r>
+            <a:r>
+              <a:rPr lang="ko-KR" altLang="en-US" sz="1000" dirty="0"/>
+              <a:t>의 사용자 파일이 들어있는 위치</a:t>
+            </a:r>
+            <a:endParaRPr lang="en-US" altLang="ko-KR" sz="1000" dirty="0"/>
+          </a:p>
+        </p:txBody>
+      </p:sp>
+      <p:sp>
+        <p:nvSpPr>
+          <p:cNvPr id="13" name="TextBox 12">
+            <a:extLst>
+              <a:ext uri="{FF2B5EF4-FFF2-40B4-BE49-F238E27FC236}">
+                <a16:creationId xmlns:a16="http://schemas.microsoft.com/office/drawing/2014/main" id="{EEBEF976-EF42-5DE0-3DCA-B9892B5A8BE5}"/>
+              </a:ext>
+            </a:extLst>
+          </p:cNvPr>
+          <p:cNvSpPr txBox="1"/>
+          <p:nvPr/>
+        </p:nvSpPr>
+        <p:spPr>
+          <a:xfrm>
+            <a:off x="-31396" y="6661706"/>
+            <a:ext cx="4438651" cy="213007"/>
+          </a:xfrm>
+          <a:prstGeom prst="rect">
+            <a:avLst/>
+          </a:prstGeom>
+          <a:noFill/>
+        </p:spPr>
+        <p:txBody>
+          <a:bodyPr wrap="square" rtlCol="0">
+            <a:spAutoFit/>
+          </a:bodyPr>
+          <a:lstStyle/>
+          <a:p>
+            <a:pPr>
+              <a:lnSpc>
+                <a:spcPct val="150000"/>
+              </a:lnSpc>
+            </a:pPr>
+            <a:r>
+              <a:rPr lang="en-US" altLang="ko-KR" sz="600" dirty="0"/>
+              <a:t>IPC: </a:t>
+            </a:r>
+            <a:r>
+              <a:rPr lang="en-US" altLang="ko-KR" sz="600" dirty="0" err="1"/>
+              <a:t>InterProcess</a:t>
+            </a:r>
+            <a:r>
+              <a:rPr lang="en-US" altLang="ko-KR" sz="600" dirty="0"/>
+              <a:t> Communication</a:t>
+            </a:r>
+          </a:p>
+        </p:txBody>
+      </p:sp>
+      <p:sp>
+        <p:nvSpPr>
+          <p:cNvPr id="17" name="TextBox 16">
+            <a:extLst>
+              <a:ext uri="{FF2B5EF4-FFF2-40B4-BE49-F238E27FC236}">
+                <a16:creationId xmlns:a16="http://schemas.microsoft.com/office/drawing/2014/main" id="{D86326E3-A4AD-7EF1-EA91-F3A270095A42}"/>
+              </a:ext>
+            </a:extLst>
+          </p:cNvPr>
+          <p:cNvSpPr txBox="1"/>
+          <p:nvPr/>
+        </p:nvSpPr>
+        <p:spPr>
+          <a:xfrm>
+            <a:off x="11482980" y="6581001"/>
+            <a:ext cx="709020" cy="276999"/>
+          </a:xfrm>
+          <a:prstGeom prst="rect">
+            <a:avLst/>
+          </a:prstGeom>
+          <a:noFill/>
+        </p:spPr>
+        <p:txBody>
+          <a:bodyPr wrap="square" rtlCol="0">
+            <a:spAutoFit/>
+          </a:bodyPr>
+          <a:lstStyle/>
+          <a:p>
+            <a:pPr algn="r"/>
+            <a:r>
+              <a:rPr lang="en-US" altLang="ko-KR" sz="1200" dirty="0"/>
+              <a:t>Ch12</a:t>
+            </a:r>
+            <a:endParaRPr lang="ko-KR" altLang="en-US" sz="1200" dirty="0"/>
+          </a:p>
+        </p:txBody>
+      </p:sp>
+      <p:pic>
+        <p:nvPicPr>
+          <p:cNvPr id="14" name="그림 13">
+            <a:extLst>
+              <a:ext uri="{FF2B5EF4-FFF2-40B4-BE49-F238E27FC236}">
+                <a16:creationId xmlns:a16="http://schemas.microsoft.com/office/drawing/2014/main" id="{33B7D347-2E4D-863D-27F2-8E2111F081D4}"/>
+              </a:ext>
+            </a:extLst>
+          </p:cNvPr>
+          <p:cNvPicPr>
+            <a:picLocks noChangeAspect="1"/>
+          </p:cNvPicPr>
+          <p:nvPr/>
+        </p:nvPicPr>
+        <p:blipFill>
+          <a:blip r:embed="rId3"/>
+          <a:stretch>
+            <a:fillRect/>
+          </a:stretch>
+        </p:blipFill>
+        <p:spPr>
+          <a:xfrm>
+            <a:off x="7382694" y="1161564"/>
+            <a:ext cx="4100286" cy="3656704"/>
+          </a:xfrm>
+          <a:prstGeom prst="rect">
+            <a:avLst/>
+          </a:prstGeom>
+        </p:spPr>
+      </p:pic>
+      <p:pic>
+        <p:nvPicPr>
+          <p:cNvPr id="20" name="그림 19">
+            <a:extLst>
+              <a:ext uri="{FF2B5EF4-FFF2-40B4-BE49-F238E27FC236}">
+                <a16:creationId xmlns:a16="http://schemas.microsoft.com/office/drawing/2014/main" id="{FEA82E52-9A62-DE82-B6C5-95203B6AE3E4}"/>
+              </a:ext>
+            </a:extLst>
+          </p:cNvPr>
+          <p:cNvPicPr>
+            <a:picLocks noChangeAspect="1"/>
+          </p:cNvPicPr>
+          <p:nvPr/>
+        </p:nvPicPr>
+        <p:blipFill>
+          <a:blip r:embed="rId4"/>
+          <a:stretch>
+            <a:fillRect/>
+          </a:stretch>
+        </p:blipFill>
+        <p:spPr>
+          <a:xfrm>
+            <a:off x="7382694" y="5134913"/>
+            <a:ext cx="4100286" cy="606338"/>
+          </a:xfrm>
+          <a:prstGeom prst="rect">
+            <a:avLst/>
+          </a:prstGeom>
+        </p:spPr>
+      </p:pic>
+      <p:sp>
+        <p:nvSpPr>
+          <p:cNvPr id="23" name="TextBox 22">
+            <a:extLst>
+              <a:ext uri="{FF2B5EF4-FFF2-40B4-BE49-F238E27FC236}">
+                <a16:creationId xmlns:a16="http://schemas.microsoft.com/office/drawing/2014/main" id="{75BB97A5-CBF5-813A-BEDC-DA06F67EAEDC}"/>
+              </a:ext>
+            </a:extLst>
+          </p:cNvPr>
+          <p:cNvSpPr txBox="1"/>
+          <p:nvPr/>
+        </p:nvSpPr>
+        <p:spPr>
+          <a:xfrm>
+            <a:off x="7382694" y="4891353"/>
+            <a:ext cx="2595807" cy="253211"/>
+          </a:xfrm>
+          <a:prstGeom prst="rect">
+            <a:avLst/>
+          </a:prstGeom>
+          <a:noFill/>
+        </p:spPr>
+        <p:txBody>
+          <a:bodyPr wrap="square" rtlCol="0">
+            <a:spAutoFit/>
+          </a:bodyPr>
+          <a:lstStyle/>
+          <a:p>
+            <a:pPr>
+              <a:lnSpc>
+                <a:spcPct val="150000"/>
+              </a:lnSpc>
+            </a:pPr>
+            <a:r>
+              <a:rPr lang="en-US" altLang="ko-KR" sz="800" dirty="0"/>
+              <a:t>data/data/com.example.ch12_filetest01/files/test.txt</a:t>
+            </a:r>
+          </a:p>
+        </p:txBody>
+      </p:sp>
+      <p:sp>
+        <p:nvSpPr>
+          <p:cNvPr id="24" name="TextBox 23">
+            <a:extLst>
+              <a:ext uri="{FF2B5EF4-FFF2-40B4-BE49-F238E27FC236}">
+                <a16:creationId xmlns:a16="http://schemas.microsoft.com/office/drawing/2014/main" id="{A4ECC4DB-7CB7-F43A-19E9-00FCFF076FB3}"/>
+              </a:ext>
+            </a:extLst>
+          </p:cNvPr>
+          <p:cNvSpPr txBox="1"/>
+          <p:nvPr/>
+        </p:nvSpPr>
+        <p:spPr>
+          <a:xfrm>
+            <a:off x="7382694" y="913179"/>
+            <a:ext cx="2595807" cy="253211"/>
+          </a:xfrm>
+          <a:prstGeom prst="rect">
+            <a:avLst/>
+          </a:prstGeom>
+          <a:noFill/>
+        </p:spPr>
+        <p:txBody>
+          <a:bodyPr wrap="square" rtlCol="0">
+            <a:spAutoFit/>
+          </a:bodyPr>
+          <a:lstStyle/>
+          <a:p>
+            <a:pPr>
+              <a:lnSpc>
+                <a:spcPct val="150000"/>
+              </a:lnSpc>
+            </a:pPr>
+            <a:r>
+              <a:rPr lang="ko-KR" altLang="en-US" sz="800" dirty="0"/>
+              <a:t>내부 저장소</a:t>
+            </a:r>
+            <a:endParaRPr lang="en-US" altLang="ko-KR" sz="800" dirty="0"/>
+          </a:p>
+        </p:txBody>
+      </p:sp>
+      <p:sp>
+        <p:nvSpPr>
+          <p:cNvPr id="26" name="TextBox 25">
+            <a:extLst>
+              <a:ext uri="{FF2B5EF4-FFF2-40B4-BE49-F238E27FC236}">
+                <a16:creationId xmlns:a16="http://schemas.microsoft.com/office/drawing/2014/main" id="{2E98C67A-F9EA-60BD-7E76-982C146FB475}"/>
+              </a:ext>
+            </a:extLst>
+          </p:cNvPr>
+          <p:cNvSpPr txBox="1"/>
+          <p:nvPr/>
+        </p:nvSpPr>
+        <p:spPr>
+          <a:xfrm>
+            <a:off x="311150" y="1926713"/>
+            <a:ext cx="2595807" cy="253211"/>
+          </a:xfrm>
+          <a:prstGeom prst="rect">
+            <a:avLst/>
+          </a:prstGeom>
+          <a:noFill/>
+        </p:spPr>
+        <p:txBody>
+          <a:bodyPr wrap="square" rtlCol="0">
+            <a:spAutoFit/>
+          </a:bodyPr>
+          <a:lstStyle/>
+          <a:p>
+            <a:pPr>
+              <a:lnSpc>
+                <a:spcPct val="150000"/>
+              </a:lnSpc>
+            </a:pPr>
+            <a:r>
+              <a:rPr lang="ko-KR" altLang="en-US" sz="800" dirty="0"/>
+              <a:t>외부 저장소</a:t>
+            </a:r>
+            <a:endParaRPr lang="en-US" altLang="ko-KR" sz="800" dirty="0"/>
+          </a:p>
+        </p:txBody>
+      </p:sp>
+    </p:spTree>
+    <p:extLst>
+      <p:ext uri="{BB962C8B-B14F-4D97-AF65-F5344CB8AC3E}">
+        <p14:creationId xmlns:p14="http://schemas.microsoft.com/office/powerpoint/2010/main" val="2868882966"/>
+      </p:ext>
+    </p:extLst>
+  </p:cSld>
+  <p:clrMapOvr>
+    <a:masterClrMapping/>
+  </p:clrMapOvr>
+</p:sld>
+</file>
+
+<file path=ppt/slides/slide12.xml><?xml version="1.0" encoding="utf-8"?>
+<p:sld xmlns:a="http://schemas.openxmlformats.org/drawingml/2006/main" xmlns:r="http://schemas.openxmlformats.org/officeDocument/2006/relationships" xmlns:p="http://schemas.openxmlformats.org/presentationml/2006/main">
+  <p:cSld>
+    <p:spTree>
+      <p:nvGrpSpPr>
+        <p:cNvPr id="1" name=""/>
+        <p:cNvGrpSpPr/>
+        <p:nvPr/>
+      </p:nvGrpSpPr>
+      <p:grpSpPr>
+        <a:xfrm>
+          <a:off x="0" y="0"/>
+          <a:ext cx="0" cy="0"/>
+          <a:chOff x="0" y="0"/>
+          <a:chExt cx="0" cy="0"/>
+        </a:xfrm>
+      </p:grpSpPr>
+      <p:sp>
+        <p:nvSpPr>
+          <p:cNvPr id="5" name="TextBox 4">
+            <a:extLst>
+              <a:ext uri="{FF2B5EF4-FFF2-40B4-BE49-F238E27FC236}">
+                <a16:creationId xmlns:a16="http://schemas.microsoft.com/office/drawing/2014/main" id="{78D9FF8D-6741-6CDE-7D28-42AB81CDC249}"/>
+              </a:ext>
+            </a:extLst>
+          </p:cNvPr>
+          <p:cNvSpPr txBox="1"/>
+          <p:nvPr/>
+        </p:nvSpPr>
+        <p:spPr>
+          <a:xfrm>
+            <a:off x="311150" y="211668"/>
+            <a:ext cx="3936110" cy="323165"/>
+          </a:xfrm>
+          <a:prstGeom prst="rect">
+            <a:avLst/>
+          </a:prstGeom>
+          <a:noFill/>
+        </p:spPr>
+        <p:txBody>
+          <a:bodyPr wrap="square" rtlCol="0">
+            <a:spAutoFit/>
+          </a:bodyPr>
+          <a:lstStyle/>
+          <a:p>
+            <a:r>
+              <a:rPr lang="en-US" altLang="ko-KR" sz="1500" dirty="0"/>
+              <a:t>Memo App</a:t>
+            </a:r>
+            <a:endParaRPr lang="ko-KR" altLang="en-US" sz="1500" dirty="0"/>
+          </a:p>
+        </p:txBody>
+      </p:sp>
+      <p:cxnSp>
+        <p:nvCxnSpPr>
+          <p:cNvPr id="7" name="직선 연결선 6">
+            <a:extLst>
+              <a:ext uri="{FF2B5EF4-FFF2-40B4-BE49-F238E27FC236}">
+                <a16:creationId xmlns:a16="http://schemas.microsoft.com/office/drawing/2014/main" id="{396ABC2F-46EF-B557-13D1-C557F1EE561D}"/>
+              </a:ext>
+            </a:extLst>
+          </p:cNvPr>
+          <p:cNvCxnSpPr/>
+          <p:nvPr/>
+        </p:nvCxnSpPr>
+        <p:spPr>
+          <a:xfrm>
+            <a:off x="311150" y="640665"/>
+            <a:ext cx="11499850" cy="0"/>
+          </a:xfrm>
+          <a:prstGeom prst="line">
+            <a:avLst/>
+          </a:prstGeom>
+        </p:spPr>
+        <p:style>
+          <a:lnRef idx="2">
+            <a:schemeClr val="accent1"/>
+          </a:lnRef>
+          <a:fillRef idx="0">
+            <a:schemeClr val="accent1"/>
+          </a:fillRef>
+          <a:effectRef idx="1">
+            <a:schemeClr val="accent1"/>
+          </a:effectRef>
+          <a:fontRef idx="minor">
+            <a:schemeClr val="tx1"/>
+          </a:fontRef>
+        </p:style>
+      </p:cxnSp>
+      <p:sp>
+        <p:nvSpPr>
+          <p:cNvPr id="2" name="TextBox 1">
+            <a:extLst>
+              <a:ext uri="{FF2B5EF4-FFF2-40B4-BE49-F238E27FC236}">
+                <a16:creationId xmlns:a16="http://schemas.microsoft.com/office/drawing/2014/main" id="{2EA40919-2997-094D-20D5-E3A896A60509}"/>
+              </a:ext>
+            </a:extLst>
+          </p:cNvPr>
+          <p:cNvSpPr txBox="1"/>
+          <p:nvPr/>
+        </p:nvSpPr>
+        <p:spPr>
+          <a:xfrm>
+            <a:off x="311150" y="962318"/>
+            <a:ext cx="4438651" cy="985911"/>
+          </a:xfrm>
+          <a:prstGeom prst="rect">
+            <a:avLst/>
+          </a:prstGeom>
+          <a:noFill/>
+        </p:spPr>
+        <p:txBody>
+          <a:bodyPr wrap="square" rtlCol="0">
+            <a:spAutoFit/>
+          </a:bodyPr>
+          <a:lstStyle/>
+          <a:p>
+            <a:pPr marL="171450" indent="-171450">
+              <a:lnSpc>
+                <a:spcPct val="150000"/>
+              </a:lnSpc>
+              <a:buFontTx/>
+              <a:buChar char="-"/>
+            </a:pPr>
+            <a:r>
+              <a:rPr lang="ko-KR" altLang="en-US" sz="1000" dirty="0"/>
+              <a:t>다른</a:t>
+            </a:r>
+            <a:r>
+              <a:rPr lang="en-US" altLang="ko-KR" sz="1000" dirty="0"/>
+              <a:t> application</a:t>
+            </a:r>
+            <a:r>
+              <a:rPr lang="ko-KR" altLang="en-US" sz="1000" dirty="0"/>
+              <a:t>에 </a:t>
+            </a:r>
+            <a:r>
+              <a:rPr lang="en-US" altLang="ko-KR" sz="1000" dirty="0"/>
+              <a:t>data</a:t>
+            </a:r>
+            <a:r>
+              <a:rPr lang="ko-KR" altLang="en-US" sz="1000" dirty="0"/>
+              <a:t>를 공급하는 역할</a:t>
+            </a:r>
+            <a:endParaRPr lang="en-US" altLang="ko-KR" sz="1000" dirty="0"/>
+          </a:p>
+          <a:p>
+            <a:pPr marL="171450" indent="-171450">
+              <a:lnSpc>
+                <a:spcPct val="150000"/>
+              </a:lnSpc>
+              <a:buFontTx/>
+              <a:buChar char="-"/>
+            </a:pPr>
+            <a:r>
+              <a:rPr lang="en-US" altLang="ko-KR" sz="1000" dirty="0"/>
+              <a:t>Data </a:t>
+            </a:r>
+            <a:r>
+              <a:rPr lang="ko-KR" altLang="en-US" sz="1000" dirty="0"/>
+              <a:t>공급을 </a:t>
+            </a:r>
+            <a:r>
+              <a:rPr lang="ko-KR" altLang="en-US" sz="1000" dirty="0" err="1"/>
+              <a:t>추상화하여</a:t>
+            </a:r>
+            <a:r>
+              <a:rPr lang="ko-KR" altLang="en-US" sz="1000" dirty="0"/>
+              <a:t> </a:t>
+            </a:r>
+            <a:r>
+              <a:rPr lang="en-US" altLang="ko-KR" sz="1000" dirty="0"/>
+              <a:t>data </a:t>
+            </a:r>
+            <a:r>
+              <a:rPr lang="ko-KR" altLang="en-US" sz="1000" dirty="0"/>
+              <a:t>계층과 </a:t>
+            </a:r>
+            <a:r>
+              <a:rPr lang="en-US" altLang="ko-KR" sz="1000" dirty="0"/>
+              <a:t>application </a:t>
+            </a:r>
+            <a:r>
+              <a:rPr lang="ko-KR" altLang="en-US" sz="1000" dirty="0"/>
+              <a:t>계층을 분리</a:t>
+            </a:r>
+            <a:endParaRPr lang="en-US" altLang="ko-KR" sz="1000" dirty="0"/>
+          </a:p>
+          <a:p>
+            <a:pPr marL="171450" indent="-171450">
+              <a:lnSpc>
+                <a:spcPct val="150000"/>
+              </a:lnSpc>
+              <a:buFontTx/>
+              <a:buChar char="-"/>
+            </a:pPr>
+            <a:r>
+              <a:rPr lang="ko-KR" altLang="en-US" sz="1000" dirty="0"/>
+              <a:t>다른 </a:t>
+            </a:r>
+            <a:r>
+              <a:rPr lang="en-US" altLang="ko-KR" sz="1000" dirty="0"/>
+              <a:t>application</a:t>
+            </a:r>
+            <a:r>
+              <a:rPr lang="ko-KR" altLang="en-US" sz="1000" dirty="0"/>
+              <a:t>이 </a:t>
+            </a:r>
+            <a:r>
+              <a:rPr lang="en-US" altLang="ko-KR" sz="1000" dirty="0"/>
+              <a:t>app data</a:t>
+            </a:r>
+            <a:r>
+              <a:rPr lang="ko-KR" altLang="en-US" sz="1000" dirty="0"/>
+              <a:t>에 안전하게 액세스하여 이를 수정할 수 있도록 허용</a:t>
+            </a:r>
+            <a:endParaRPr lang="en-US" altLang="ko-KR" sz="1000" dirty="0"/>
+          </a:p>
+        </p:txBody>
+      </p:sp>
+      <p:pic>
+        <p:nvPicPr>
+          <p:cNvPr id="16" name="그림 15">
+            <a:extLst>
+              <a:ext uri="{FF2B5EF4-FFF2-40B4-BE49-F238E27FC236}">
+                <a16:creationId xmlns:a16="http://schemas.microsoft.com/office/drawing/2014/main" id="{7C4BFE4D-EB8E-DC0B-BC2B-E8B42A4E25F7}"/>
+              </a:ext>
+            </a:extLst>
+          </p:cNvPr>
+          <p:cNvPicPr>
+            <a:picLocks noChangeAspect="1"/>
+          </p:cNvPicPr>
+          <p:nvPr/>
+        </p:nvPicPr>
+        <p:blipFill>
+          <a:blip r:embed="rId3">
+            <a:extLst>
+              <a:ext uri="{28A0092B-C50C-407E-A947-70E740481C1C}">
+                <a14:useLocalDpi xmlns:a14="http://schemas.microsoft.com/office/drawing/2010/main" val="0"/>
+              </a:ext>
+            </a:extLst>
+          </a:blip>
+          <a:srcRect/>
+          <a:stretch/>
+        </p:blipFill>
+        <p:spPr>
+          <a:xfrm>
+            <a:off x="10158391" y="896701"/>
+            <a:ext cx="1620000" cy="2880000"/>
+          </a:xfrm>
+          <a:prstGeom prst="rect">
+            <a:avLst/>
+          </a:prstGeom>
+        </p:spPr>
+      </p:pic>
+      <p:pic>
+        <p:nvPicPr>
+          <p:cNvPr id="4" name="그림 3">
+            <a:extLst>
+              <a:ext uri="{FF2B5EF4-FFF2-40B4-BE49-F238E27FC236}">
+                <a16:creationId xmlns:a16="http://schemas.microsoft.com/office/drawing/2014/main" id="{BDF09E38-DC04-394E-59E0-2364BB35707C}"/>
+              </a:ext>
+            </a:extLst>
+          </p:cNvPr>
+          <p:cNvPicPr>
+            <a:picLocks noChangeAspect="1"/>
+          </p:cNvPicPr>
+          <p:nvPr/>
+        </p:nvPicPr>
+        <p:blipFill>
+          <a:blip r:embed="rId4"/>
+          <a:stretch>
+            <a:fillRect/>
+          </a:stretch>
+        </p:blipFill>
+        <p:spPr>
+          <a:xfrm>
+            <a:off x="4804707" y="4136822"/>
+            <a:ext cx="5144541" cy="1930310"/>
+          </a:xfrm>
+          <a:prstGeom prst="rect">
+            <a:avLst/>
+          </a:prstGeom>
+        </p:spPr>
+      </p:pic>
+      <p:pic>
+        <p:nvPicPr>
+          <p:cNvPr id="9" name="그림 8">
+            <a:extLst>
+              <a:ext uri="{FF2B5EF4-FFF2-40B4-BE49-F238E27FC236}">
+                <a16:creationId xmlns:a16="http://schemas.microsoft.com/office/drawing/2014/main" id="{B0CC6C7E-CD6F-34D5-8877-E1F83A9E75D9}"/>
+              </a:ext>
+            </a:extLst>
+          </p:cNvPr>
+          <p:cNvPicPr>
+            <a:picLocks noChangeAspect="1"/>
+          </p:cNvPicPr>
+          <p:nvPr/>
+        </p:nvPicPr>
+        <p:blipFill>
+          <a:blip r:embed="rId5"/>
+          <a:stretch>
+            <a:fillRect/>
+          </a:stretch>
+        </p:blipFill>
+        <p:spPr>
+          <a:xfrm>
+            <a:off x="4804707" y="896701"/>
+            <a:ext cx="5144541" cy="2736458"/>
+          </a:xfrm>
+          <a:prstGeom prst="rect">
+            <a:avLst/>
+          </a:prstGeom>
+        </p:spPr>
+      </p:pic>
+      <p:sp>
+        <p:nvSpPr>
+          <p:cNvPr id="3" name="직사각형 2">
+            <a:extLst>
+              <a:ext uri="{FF2B5EF4-FFF2-40B4-BE49-F238E27FC236}">
+                <a16:creationId xmlns:a16="http://schemas.microsoft.com/office/drawing/2014/main" id="{79FB360F-A14D-F015-CC2F-82C7F5E143DC}"/>
+              </a:ext>
+            </a:extLst>
+          </p:cNvPr>
+          <p:cNvSpPr/>
+          <p:nvPr/>
+        </p:nvSpPr>
+        <p:spPr>
+          <a:xfrm>
+            <a:off x="4980350" y="2247544"/>
+            <a:ext cx="2366600" cy="463905"/>
+          </a:xfrm>
+          <a:prstGeom prst="rect">
+            <a:avLst/>
+          </a:prstGeom>
+          <a:noFill/>
+          <a:ln w="9525">
+            <a:solidFill>
+              <a:srgbClr val="FF0000"/>
+            </a:solidFill>
+          </a:ln>
+        </p:spPr>
+        <p:style>
+          <a:lnRef idx="2">
+            <a:schemeClr val="accent1">
+              <a:shade val="15000"/>
+            </a:schemeClr>
+          </a:lnRef>
+          <a:fillRef idx="1">
+            <a:schemeClr val="accent1"/>
+          </a:fillRef>
+          <a:effectRef idx="0">
+            <a:schemeClr val="accent1"/>
+          </a:effectRef>
+          <a:fontRef idx="minor">
+            <a:schemeClr val="lt1"/>
+          </a:fontRef>
+        </p:style>
+        <p:txBody>
+          <a:bodyPr rtlCol="0" anchor="ctr"/>
+          <a:lstStyle/>
+          <a:p>
+            <a:pPr algn="ctr"/>
+            <a:endParaRPr lang="ko-KR" altLang="en-US"/>
+          </a:p>
+        </p:txBody>
+      </p:sp>
+      <p:sp>
+        <p:nvSpPr>
+          <p:cNvPr id="6" name="직사각형 5">
+            <a:extLst>
+              <a:ext uri="{FF2B5EF4-FFF2-40B4-BE49-F238E27FC236}">
+                <a16:creationId xmlns:a16="http://schemas.microsoft.com/office/drawing/2014/main" id="{39F3C11E-3306-BEB5-2F2B-3B2548AFEE9B}"/>
+              </a:ext>
+            </a:extLst>
+          </p:cNvPr>
+          <p:cNvSpPr/>
+          <p:nvPr/>
+        </p:nvSpPr>
+        <p:spPr>
+          <a:xfrm>
+            <a:off x="5107350" y="5089276"/>
+            <a:ext cx="3020650" cy="581274"/>
+          </a:xfrm>
+          <a:prstGeom prst="rect">
+            <a:avLst/>
+          </a:prstGeom>
+          <a:noFill/>
+          <a:ln w="9525">
+            <a:solidFill>
+              <a:srgbClr val="FF0000"/>
+            </a:solidFill>
+          </a:ln>
+        </p:spPr>
+        <p:style>
+          <a:lnRef idx="2">
+            <a:schemeClr val="accent1">
+              <a:shade val="15000"/>
+            </a:schemeClr>
+          </a:lnRef>
+          <a:fillRef idx="1">
+            <a:schemeClr val="accent1"/>
+          </a:fillRef>
+          <a:effectRef idx="0">
+            <a:schemeClr val="accent1"/>
+          </a:effectRef>
+          <a:fontRef idx="minor">
+            <a:schemeClr val="lt1"/>
+          </a:fontRef>
+        </p:style>
+        <p:txBody>
+          <a:bodyPr rtlCol="0" anchor="ctr"/>
+          <a:lstStyle/>
+          <a:p>
+            <a:pPr algn="ctr"/>
+            <a:endParaRPr lang="ko-KR" altLang="en-US"/>
+          </a:p>
+        </p:txBody>
+      </p:sp>
+      <p:sp>
+        <p:nvSpPr>
+          <p:cNvPr id="8" name="TextBox 7">
+            <a:extLst>
+              <a:ext uri="{FF2B5EF4-FFF2-40B4-BE49-F238E27FC236}">
+                <a16:creationId xmlns:a16="http://schemas.microsoft.com/office/drawing/2014/main" id="{D79BEEBE-AB53-E983-479C-4BC6145EBFF7}"/>
+              </a:ext>
+            </a:extLst>
+          </p:cNvPr>
+          <p:cNvSpPr txBox="1"/>
+          <p:nvPr/>
+        </p:nvSpPr>
+        <p:spPr>
+          <a:xfrm>
+            <a:off x="7346950" y="2118223"/>
+            <a:ext cx="564090" cy="293414"/>
+          </a:xfrm>
+          <a:prstGeom prst="rect">
+            <a:avLst/>
+          </a:prstGeom>
+          <a:noFill/>
+        </p:spPr>
+        <p:txBody>
+          <a:bodyPr wrap="square" rtlCol="0">
+            <a:spAutoFit/>
+          </a:bodyPr>
+          <a:lstStyle/>
+          <a:p>
+            <a:pPr>
+              <a:lnSpc>
+                <a:spcPct val="150000"/>
+              </a:lnSpc>
+            </a:pPr>
+            <a:r>
+              <a:rPr lang="ko-KR" altLang="en-US" sz="1000">
+                <a:solidFill>
+                  <a:srgbClr val="FF0000"/>
+                </a:solidFill>
+              </a:rPr>
+              <a:t>필수</a:t>
+            </a:r>
+            <a:endParaRPr lang="en-US" altLang="ko-KR" sz="1000" dirty="0">
+              <a:solidFill>
+                <a:srgbClr val="FF0000"/>
+              </a:solidFill>
+            </a:endParaRPr>
+          </a:p>
+        </p:txBody>
+      </p:sp>
+      <p:sp>
+        <p:nvSpPr>
+          <p:cNvPr id="10" name="직사각형 9">
+            <a:extLst>
+              <a:ext uri="{FF2B5EF4-FFF2-40B4-BE49-F238E27FC236}">
+                <a16:creationId xmlns:a16="http://schemas.microsoft.com/office/drawing/2014/main" id="{99D6AEF4-BB08-6CE3-2386-15D5576B9137}"/>
+              </a:ext>
+            </a:extLst>
+          </p:cNvPr>
+          <p:cNvSpPr/>
+          <p:nvPr/>
+        </p:nvSpPr>
+        <p:spPr>
+          <a:xfrm>
+            <a:off x="4804707" y="1450519"/>
+            <a:ext cx="5144540" cy="2054680"/>
+          </a:xfrm>
+          <a:prstGeom prst="rect">
+            <a:avLst/>
+          </a:prstGeom>
+          <a:noFill/>
+          <a:ln w="9525">
+            <a:solidFill>
+              <a:srgbClr val="FF0000"/>
+            </a:solidFill>
+          </a:ln>
+        </p:spPr>
+        <p:style>
+          <a:lnRef idx="2">
+            <a:schemeClr val="accent1">
+              <a:shade val="15000"/>
+            </a:schemeClr>
+          </a:lnRef>
+          <a:fillRef idx="1">
+            <a:schemeClr val="accent1"/>
+          </a:fillRef>
+          <a:effectRef idx="0">
+            <a:schemeClr val="accent1"/>
+          </a:effectRef>
+          <a:fontRef idx="minor">
+            <a:schemeClr val="lt1"/>
+          </a:fontRef>
+        </p:style>
+        <p:txBody>
+          <a:bodyPr rtlCol="0" anchor="ctr"/>
+          <a:lstStyle/>
+          <a:p>
+            <a:pPr algn="ctr"/>
+            <a:endParaRPr lang="ko-KR" altLang="en-US"/>
+          </a:p>
+        </p:txBody>
+      </p:sp>
+      <p:cxnSp>
+        <p:nvCxnSpPr>
+          <p:cNvPr id="12" name="직선 화살표 연결선 11">
+            <a:extLst>
+              <a:ext uri="{FF2B5EF4-FFF2-40B4-BE49-F238E27FC236}">
+                <a16:creationId xmlns:a16="http://schemas.microsoft.com/office/drawing/2014/main" id="{3FA5188A-FFFB-786D-0626-E7B5A0F1E1A6}"/>
+              </a:ext>
+            </a:extLst>
+          </p:cNvPr>
+          <p:cNvCxnSpPr>
+            <a:cxnSpLocks/>
+          </p:cNvCxnSpPr>
+          <p:nvPr/>
+        </p:nvCxnSpPr>
+        <p:spPr>
+          <a:xfrm flipV="1">
+            <a:off x="7823200" y="3505199"/>
+            <a:ext cx="546100" cy="1584077"/>
+          </a:xfrm>
+          <a:prstGeom prst="straightConnector1">
+            <a:avLst/>
+          </a:prstGeom>
+          <a:ln>
+            <a:solidFill>
+              <a:srgbClr val="FF0000"/>
+            </a:solidFill>
+            <a:tailEnd type="triangle"/>
+          </a:ln>
+        </p:spPr>
+        <p:style>
+          <a:lnRef idx="2">
+            <a:schemeClr val="accent1"/>
+          </a:lnRef>
+          <a:fillRef idx="0">
+            <a:schemeClr val="accent1"/>
+          </a:fillRef>
+          <a:effectRef idx="1">
+            <a:schemeClr val="accent1"/>
+          </a:effectRef>
+          <a:fontRef idx="minor">
+            <a:schemeClr val="tx1"/>
+          </a:fontRef>
+        </p:style>
+      </p:cxnSp>
+      <p:cxnSp>
+        <p:nvCxnSpPr>
+          <p:cNvPr id="15" name="직선 화살표 연결선 14">
+            <a:extLst>
+              <a:ext uri="{FF2B5EF4-FFF2-40B4-BE49-F238E27FC236}">
+                <a16:creationId xmlns:a16="http://schemas.microsoft.com/office/drawing/2014/main" id="{06693D8A-6150-B6E0-13AF-294417A80B66}"/>
+              </a:ext>
+            </a:extLst>
+          </p:cNvPr>
+          <p:cNvCxnSpPr>
+            <a:cxnSpLocks/>
+            <a:stCxn id="10" idx="3"/>
+            <a:endCxn id="16" idx="1"/>
+          </p:cNvCxnSpPr>
+          <p:nvPr/>
+        </p:nvCxnSpPr>
+        <p:spPr>
+          <a:xfrm flipV="1">
+            <a:off x="9949247" y="2336701"/>
+            <a:ext cx="209144" cy="141158"/>
+          </a:xfrm>
+          <a:prstGeom prst="straightConnector1">
+            <a:avLst/>
+          </a:prstGeom>
+          <a:ln>
+            <a:solidFill>
+              <a:srgbClr val="FF0000"/>
+            </a:solidFill>
+            <a:tailEnd type="triangle"/>
+          </a:ln>
+        </p:spPr>
+        <p:style>
+          <a:lnRef idx="2">
+            <a:schemeClr val="accent1"/>
+          </a:lnRef>
+          <a:fillRef idx="0">
+            <a:schemeClr val="accent1"/>
+          </a:fillRef>
+          <a:effectRef idx="1">
+            <a:schemeClr val="accent1"/>
+          </a:effectRef>
+          <a:fontRef idx="minor">
+            <a:schemeClr val="tx1"/>
+          </a:fontRef>
+        </p:style>
+      </p:cxnSp>
+      <p:sp>
+        <p:nvSpPr>
+          <p:cNvPr id="13" name="TextBox 12">
+            <a:extLst>
+              <a:ext uri="{FF2B5EF4-FFF2-40B4-BE49-F238E27FC236}">
+                <a16:creationId xmlns:a16="http://schemas.microsoft.com/office/drawing/2014/main" id="{EEBEF976-EF42-5DE0-3DCA-B9892B5A8BE5}"/>
+              </a:ext>
+            </a:extLst>
+          </p:cNvPr>
+          <p:cNvSpPr txBox="1"/>
+          <p:nvPr/>
+        </p:nvSpPr>
+        <p:spPr>
+          <a:xfrm>
+            <a:off x="-31396" y="6661706"/>
+            <a:ext cx="4438651" cy="213007"/>
+          </a:xfrm>
+          <a:prstGeom prst="rect">
+            <a:avLst/>
+          </a:prstGeom>
+          <a:noFill/>
+        </p:spPr>
+        <p:txBody>
+          <a:bodyPr wrap="square" rtlCol="0">
+            <a:spAutoFit/>
+          </a:bodyPr>
+          <a:lstStyle/>
+          <a:p>
+            <a:pPr>
+              <a:lnSpc>
+                <a:spcPct val="150000"/>
+              </a:lnSpc>
+            </a:pPr>
+            <a:r>
+              <a:rPr lang="en-US" altLang="ko-KR" sz="600" dirty="0"/>
+              <a:t>IPC: </a:t>
+            </a:r>
+            <a:r>
+              <a:rPr lang="en-US" altLang="ko-KR" sz="600" dirty="0" err="1"/>
+              <a:t>InterProcess</a:t>
+            </a:r>
+            <a:r>
+              <a:rPr lang="en-US" altLang="ko-KR" sz="600" dirty="0"/>
+              <a:t> Communication</a:t>
+            </a:r>
+          </a:p>
+        </p:txBody>
+      </p:sp>
+      <p:sp>
+        <p:nvSpPr>
+          <p:cNvPr id="14" name="TextBox 13">
+            <a:extLst>
+              <a:ext uri="{FF2B5EF4-FFF2-40B4-BE49-F238E27FC236}">
+                <a16:creationId xmlns:a16="http://schemas.microsoft.com/office/drawing/2014/main" id="{1995996F-F342-8031-C6A1-ADF71112D1E5}"/>
+              </a:ext>
+            </a:extLst>
+          </p:cNvPr>
+          <p:cNvSpPr txBox="1"/>
+          <p:nvPr/>
+        </p:nvSpPr>
+        <p:spPr>
+          <a:xfrm>
+            <a:off x="311150" y="2477859"/>
+            <a:ext cx="4438651" cy="524246"/>
+          </a:xfrm>
+          <a:prstGeom prst="rect">
+            <a:avLst/>
+          </a:prstGeom>
+          <a:noFill/>
+        </p:spPr>
+        <p:txBody>
+          <a:bodyPr wrap="square" rtlCol="0">
+            <a:spAutoFit/>
+          </a:bodyPr>
+          <a:lstStyle/>
+          <a:p>
+            <a:pPr>
+              <a:lnSpc>
+                <a:spcPct val="150000"/>
+              </a:lnSpc>
+            </a:pPr>
+            <a:r>
+              <a:rPr lang="en-US" altLang="ko-KR" sz="1000" dirty="0"/>
+              <a:t>- </a:t>
+            </a:r>
+            <a:r>
+              <a:rPr lang="en-US" altLang="ko-KR" sz="1000" dirty="0" err="1"/>
+              <a:t>ContentResolver</a:t>
+            </a:r>
+            <a:r>
+              <a:rPr lang="en-US" altLang="ko-KR" sz="1000" dirty="0"/>
+              <a:t> </a:t>
+            </a:r>
+            <a:r>
+              <a:rPr lang="ko-KR" altLang="en-US" sz="1000" dirty="0"/>
+              <a:t>객체가 </a:t>
+            </a:r>
+            <a:r>
+              <a:rPr lang="en-US" altLang="ko-KR" sz="1000" dirty="0" err="1"/>
+              <a:t>ContentProvider</a:t>
+            </a:r>
+            <a:r>
+              <a:rPr lang="ko-KR" altLang="en-US" sz="1000" dirty="0"/>
+              <a:t>에 </a:t>
+            </a:r>
+            <a:r>
+              <a:rPr lang="en-US" altLang="ko-KR" sz="1000" dirty="0"/>
+              <a:t>data</a:t>
+            </a:r>
+            <a:r>
+              <a:rPr lang="ko-KR" altLang="en-US" sz="1000" dirty="0"/>
+              <a:t>를 요청하게 되고 </a:t>
+            </a:r>
+            <a:r>
+              <a:rPr lang="en-US" altLang="ko-KR" sz="1000" dirty="0" err="1"/>
+              <a:t>ContentProvider</a:t>
+            </a:r>
+            <a:r>
+              <a:rPr lang="ko-KR" altLang="en-US" sz="1000" dirty="0"/>
+              <a:t>는 요청된 작업을 </a:t>
+            </a:r>
+            <a:r>
+              <a:rPr lang="ko-KR" altLang="en-US" sz="1000" dirty="0" err="1"/>
+              <a:t>싱행하고</a:t>
+            </a:r>
+            <a:r>
+              <a:rPr lang="ko-KR" altLang="en-US" sz="1000" dirty="0"/>
+              <a:t> 결과를 반환하는 구조</a:t>
+            </a:r>
+            <a:endParaRPr lang="en-US" altLang="ko-KR" sz="1000" dirty="0"/>
+          </a:p>
+        </p:txBody>
+      </p:sp>
+      <p:sp>
+        <p:nvSpPr>
+          <p:cNvPr id="17" name="TextBox 16">
+            <a:extLst>
+              <a:ext uri="{FF2B5EF4-FFF2-40B4-BE49-F238E27FC236}">
+                <a16:creationId xmlns:a16="http://schemas.microsoft.com/office/drawing/2014/main" id="{B9C12BA8-B72C-16C3-A351-CEC1EC0724DD}"/>
+              </a:ext>
+            </a:extLst>
+          </p:cNvPr>
+          <p:cNvSpPr txBox="1"/>
+          <p:nvPr/>
+        </p:nvSpPr>
+        <p:spPr>
+          <a:xfrm>
+            <a:off x="11482980" y="6581001"/>
+            <a:ext cx="709020" cy="276999"/>
+          </a:xfrm>
+          <a:prstGeom prst="rect">
+            <a:avLst/>
+          </a:prstGeom>
+          <a:noFill/>
+        </p:spPr>
+        <p:txBody>
+          <a:bodyPr wrap="square" rtlCol="0">
+            <a:spAutoFit/>
+          </a:bodyPr>
+          <a:lstStyle/>
+          <a:p>
+            <a:pPr algn="r"/>
+            <a:r>
+              <a:rPr lang="en-US" altLang="ko-KR" sz="1200" dirty="0"/>
+              <a:t>Ch12</a:t>
+            </a:r>
+            <a:endParaRPr lang="ko-KR" altLang="en-US" sz="1200" dirty="0"/>
+          </a:p>
+        </p:txBody>
+      </p:sp>
+    </p:spTree>
+    <p:extLst>
+      <p:ext uri="{BB962C8B-B14F-4D97-AF65-F5344CB8AC3E}">
+        <p14:creationId xmlns:p14="http://schemas.microsoft.com/office/powerpoint/2010/main" val="664329439"/>
+      </p:ext>
+    </p:extLst>
+  </p:cSld>
+  <p:clrMapOvr>
+    <a:masterClrMapping/>
+  </p:clrMapOvr>
+</p:sld>
+</file>
+
+<file path=ppt/slides/slide13.xml><?xml version="1.0" encoding="utf-8"?>
+<p:sld xmlns:a="http://schemas.openxmlformats.org/drawingml/2006/main" xmlns:r="http://schemas.openxmlformats.org/officeDocument/2006/relationships" xmlns:p="http://schemas.openxmlformats.org/presentationml/2006/main">
+  <p:cSld>
+    <p:spTree>
+      <p:nvGrpSpPr>
+        <p:cNvPr id="1" name=""/>
+        <p:cNvGrpSpPr/>
+        <p:nvPr/>
+      </p:nvGrpSpPr>
+      <p:grpSpPr>
+        <a:xfrm>
+          <a:off x="0" y="0"/>
+          <a:ext cx="0" cy="0"/>
+          <a:chOff x="0" y="0"/>
+          <a:chExt cx="0" cy="0"/>
+        </a:xfrm>
+      </p:grpSpPr>
+      <p:sp>
+        <p:nvSpPr>
+          <p:cNvPr id="5" name="TextBox 4">
+            <a:extLst>
+              <a:ext uri="{FF2B5EF4-FFF2-40B4-BE49-F238E27FC236}">
+                <a16:creationId xmlns:a16="http://schemas.microsoft.com/office/drawing/2014/main" id="{78D9FF8D-6741-6CDE-7D28-42AB81CDC249}"/>
+              </a:ext>
+            </a:extLst>
+          </p:cNvPr>
+          <p:cNvSpPr txBox="1"/>
+          <p:nvPr/>
+        </p:nvSpPr>
+        <p:spPr>
+          <a:xfrm>
+            <a:off x="311150" y="211668"/>
+            <a:ext cx="3936110" cy="323165"/>
+          </a:xfrm>
+          <a:prstGeom prst="rect">
+            <a:avLst/>
+          </a:prstGeom>
+          <a:noFill/>
+        </p:spPr>
+        <p:txBody>
+          <a:bodyPr wrap="square" rtlCol="0">
+            <a:spAutoFit/>
+          </a:bodyPr>
+          <a:lstStyle/>
+          <a:p>
+            <a:r>
+              <a:rPr lang="ko-KR" altLang="en-US" sz="1500" dirty="0"/>
+              <a:t>외부 저장소 </a:t>
+            </a:r>
+            <a:r>
+              <a:rPr lang="en-US" altLang="ko-KR" sz="1500" dirty="0"/>
+              <a:t>(External Storage)</a:t>
+            </a:r>
+            <a:endParaRPr lang="ko-KR" altLang="en-US" sz="1500" dirty="0"/>
+          </a:p>
+        </p:txBody>
+      </p:sp>
+      <p:cxnSp>
+        <p:nvCxnSpPr>
+          <p:cNvPr id="7" name="직선 연결선 6">
+            <a:extLst>
+              <a:ext uri="{FF2B5EF4-FFF2-40B4-BE49-F238E27FC236}">
+                <a16:creationId xmlns:a16="http://schemas.microsoft.com/office/drawing/2014/main" id="{396ABC2F-46EF-B557-13D1-C557F1EE561D}"/>
+              </a:ext>
+            </a:extLst>
+          </p:cNvPr>
+          <p:cNvCxnSpPr/>
+          <p:nvPr/>
+        </p:nvCxnSpPr>
+        <p:spPr>
+          <a:xfrm>
+            <a:off x="311150" y="640665"/>
+            <a:ext cx="11499850" cy="0"/>
+          </a:xfrm>
+          <a:prstGeom prst="line">
+            <a:avLst/>
+          </a:prstGeom>
+        </p:spPr>
+        <p:style>
+          <a:lnRef idx="2">
+            <a:schemeClr val="accent1"/>
+          </a:lnRef>
+          <a:fillRef idx="0">
+            <a:schemeClr val="accent1"/>
+          </a:fillRef>
+          <a:effectRef idx="1">
+            <a:schemeClr val="accent1"/>
+          </a:effectRef>
+          <a:fontRef idx="minor">
+            <a:schemeClr val="tx1"/>
+          </a:fontRef>
+        </p:style>
+      </p:cxnSp>
+      <p:sp>
+        <p:nvSpPr>
+          <p:cNvPr id="2" name="TextBox 1">
+            <a:extLst>
+              <a:ext uri="{FF2B5EF4-FFF2-40B4-BE49-F238E27FC236}">
+                <a16:creationId xmlns:a16="http://schemas.microsoft.com/office/drawing/2014/main" id="{2EA40919-2997-094D-20D5-E3A896A60509}"/>
+              </a:ext>
+            </a:extLst>
+          </p:cNvPr>
+          <p:cNvSpPr txBox="1"/>
+          <p:nvPr/>
+        </p:nvSpPr>
+        <p:spPr>
+          <a:xfrm>
+            <a:off x="311150" y="962318"/>
+            <a:ext cx="4438651" cy="293414"/>
+          </a:xfrm>
+          <a:prstGeom prst="rect">
+            <a:avLst/>
+          </a:prstGeom>
+          <a:noFill/>
+        </p:spPr>
+        <p:txBody>
+          <a:bodyPr wrap="square" rtlCol="0">
+            <a:spAutoFit/>
+          </a:bodyPr>
+          <a:lstStyle/>
+          <a:p>
+            <a:pPr marL="171450" indent="-171450">
+              <a:lnSpc>
+                <a:spcPct val="150000"/>
+              </a:lnSpc>
+              <a:buFontTx/>
+              <a:buChar char="-"/>
+            </a:pPr>
+            <a:r>
+              <a:rPr lang="ko-KR" altLang="en-US" sz="1000" dirty="0"/>
+              <a:t>일반적으로 </a:t>
+            </a:r>
+            <a:r>
+              <a:rPr lang="ko-KR" altLang="en-US" sz="1000" dirty="0" err="1"/>
+              <a:t>착탈이</a:t>
+            </a:r>
+            <a:r>
+              <a:rPr lang="ko-KR" altLang="en-US" sz="1000" dirty="0"/>
+              <a:t> 가능한 </a:t>
+            </a:r>
+            <a:r>
+              <a:rPr lang="en-US" altLang="ko-KR" sz="1000" dirty="0"/>
+              <a:t>SD </a:t>
+            </a:r>
+            <a:r>
+              <a:rPr lang="ko-KR" altLang="en-US" sz="1000" dirty="0"/>
+              <a:t>카드를 뜻한다</a:t>
+            </a:r>
+            <a:r>
+              <a:rPr lang="en-US" altLang="ko-KR" sz="1000" dirty="0"/>
+              <a:t>.</a:t>
+            </a:r>
+          </a:p>
+        </p:txBody>
+      </p:sp>
+      <p:sp>
+        <p:nvSpPr>
+          <p:cNvPr id="13" name="TextBox 12">
+            <a:extLst>
+              <a:ext uri="{FF2B5EF4-FFF2-40B4-BE49-F238E27FC236}">
+                <a16:creationId xmlns:a16="http://schemas.microsoft.com/office/drawing/2014/main" id="{EEBEF976-EF42-5DE0-3DCA-B9892B5A8BE5}"/>
+              </a:ext>
+            </a:extLst>
+          </p:cNvPr>
+          <p:cNvSpPr txBox="1"/>
+          <p:nvPr/>
+        </p:nvSpPr>
+        <p:spPr>
+          <a:xfrm>
+            <a:off x="-31396" y="6661706"/>
+            <a:ext cx="4438651" cy="213007"/>
+          </a:xfrm>
+          <a:prstGeom prst="rect">
+            <a:avLst/>
+          </a:prstGeom>
+          <a:noFill/>
+        </p:spPr>
+        <p:txBody>
+          <a:bodyPr wrap="square" rtlCol="0">
+            <a:spAutoFit/>
+          </a:bodyPr>
+          <a:lstStyle/>
+          <a:p>
+            <a:pPr>
+              <a:lnSpc>
+                <a:spcPct val="150000"/>
+              </a:lnSpc>
+            </a:pPr>
+            <a:r>
+              <a:rPr lang="en-US" altLang="ko-KR" sz="600" dirty="0"/>
+              <a:t>IPC: </a:t>
+            </a:r>
+            <a:r>
+              <a:rPr lang="en-US" altLang="ko-KR" sz="600" dirty="0" err="1"/>
+              <a:t>InterProcess</a:t>
+            </a:r>
+            <a:r>
+              <a:rPr lang="en-US" altLang="ko-KR" sz="600" dirty="0"/>
+              <a:t> Communication</a:t>
+            </a:r>
+          </a:p>
+        </p:txBody>
+      </p:sp>
+      <p:sp>
+        <p:nvSpPr>
+          <p:cNvPr id="17" name="TextBox 16">
+            <a:extLst>
+              <a:ext uri="{FF2B5EF4-FFF2-40B4-BE49-F238E27FC236}">
+                <a16:creationId xmlns:a16="http://schemas.microsoft.com/office/drawing/2014/main" id="{0E57777E-E1FB-0A7A-E194-26A7E6F12719}"/>
+              </a:ext>
+            </a:extLst>
+          </p:cNvPr>
+          <p:cNvSpPr txBox="1"/>
+          <p:nvPr/>
+        </p:nvSpPr>
+        <p:spPr>
+          <a:xfrm>
+            <a:off x="11482980" y="6581001"/>
+            <a:ext cx="709020" cy="276999"/>
+          </a:xfrm>
+          <a:prstGeom prst="rect">
+            <a:avLst/>
+          </a:prstGeom>
+          <a:noFill/>
+        </p:spPr>
+        <p:txBody>
+          <a:bodyPr wrap="square" rtlCol="0">
+            <a:spAutoFit/>
+          </a:bodyPr>
+          <a:lstStyle/>
+          <a:p>
+            <a:pPr algn="r"/>
+            <a:r>
+              <a:rPr lang="en-US" altLang="ko-KR" sz="1200" dirty="0"/>
+              <a:t>Ch12</a:t>
+            </a:r>
+            <a:endParaRPr lang="ko-KR" altLang="en-US" sz="1200" dirty="0"/>
+          </a:p>
+        </p:txBody>
+      </p:sp>
+      <p:pic>
+        <p:nvPicPr>
+          <p:cNvPr id="20" name="그림 19">
+            <a:extLst>
+              <a:ext uri="{FF2B5EF4-FFF2-40B4-BE49-F238E27FC236}">
+                <a16:creationId xmlns:a16="http://schemas.microsoft.com/office/drawing/2014/main" id="{397BB9B8-F474-3B13-73B2-C32099338207}"/>
+              </a:ext>
+            </a:extLst>
+          </p:cNvPr>
+          <p:cNvPicPr>
+            <a:picLocks noChangeAspect="1"/>
+          </p:cNvPicPr>
+          <p:nvPr/>
+        </p:nvPicPr>
+        <p:blipFill>
+          <a:blip r:embed="rId3"/>
+          <a:stretch>
+            <a:fillRect/>
+          </a:stretch>
+        </p:blipFill>
+        <p:spPr>
+          <a:xfrm>
+            <a:off x="4749801" y="896701"/>
+            <a:ext cx="2859960" cy="5745274"/>
+          </a:xfrm>
+          <a:prstGeom prst="rect">
+            <a:avLst/>
+          </a:prstGeom>
+        </p:spPr>
+      </p:pic>
+      <p:pic>
+        <p:nvPicPr>
+          <p:cNvPr id="22" name="그림 21">
+            <a:extLst>
+              <a:ext uri="{FF2B5EF4-FFF2-40B4-BE49-F238E27FC236}">
+                <a16:creationId xmlns:a16="http://schemas.microsoft.com/office/drawing/2014/main" id="{D3649C2A-F46F-A64A-05F0-EC95DEBC6974}"/>
+              </a:ext>
+            </a:extLst>
+          </p:cNvPr>
+          <p:cNvPicPr>
+            <a:picLocks noChangeAspect="1"/>
+          </p:cNvPicPr>
+          <p:nvPr/>
+        </p:nvPicPr>
+        <p:blipFill>
+          <a:blip r:embed="rId4"/>
+          <a:stretch>
+            <a:fillRect/>
+          </a:stretch>
+        </p:blipFill>
+        <p:spPr>
+          <a:xfrm>
+            <a:off x="413609" y="1308633"/>
+            <a:ext cx="4212533" cy="581039"/>
+          </a:xfrm>
+          <a:prstGeom prst="rect">
+            <a:avLst/>
+          </a:prstGeom>
+        </p:spPr>
+      </p:pic>
+      <p:pic>
+        <p:nvPicPr>
+          <p:cNvPr id="23" name="그림 22">
+            <a:extLst>
+              <a:ext uri="{FF2B5EF4-FFF2-40B4-BE49-F238E27FC236}">
+                <a16:creationId xmlns:a16="http://schemas.microsoft.com/office/drawing/2014/main" id="{86C6154C-B98A-0FD0-75BB-8CF176C3889D}"/>
+              </a:ext>
+            </a:extLst>
+          </p:cNvPr>
+          <p:cNvPicPr>
+            <a:picLocks noChangeAspect="1"/>
+          </p:cNvPicPr>
+          <p:nvPr/>
+        </p:nvPicPr>
+        <p:blipFill>
+          <a:blip r:embed="rId5">
+            <a:extLst>
+              <a:ext uri="{28A0092B-C50C-407E-A947-70E740481C1C}">
+                <a14:useLocalDpi xmlns:a14="http://schemas.microsoft.com/office/drawing/2010/main" val="0"/>
+              </a:ext>
+            </a:extLst>
+          </a:blip>
+          <a:srcRect/>
+          <a:stretch/>
+        </p:blipFill>
+        <p:spPr>
+          <a:xfrm>
+            <a:off x="8254793" y="896701"/>
+            <a:ext cx="1620000" cy="2880000"/>
+          </a:xfrm>
+          <a:prstGeom prst="rect">
+            <a:avLst/>
+          </a:prstGeom>
+        </p:spPr>
+      </p:pic>
+      <p:pic>
+        <p:nvPicPr>
+          <p:cNvPr id="25" name="그림 24">
+            <a:extLst>
+              <a:ext uri="{FF2B5EF4-FFF2-40B4-BE49-F238E27FC236}">
+                <a16:creationId xmlns:a16="http://schemas.microsoft.com/office/drawing/2014/main" id="{763FFAAB-6DD8-28A6-00C8-ED5E990E77A2}"/>
+              </a:ext>
+            </a:extLst>
+          </p:cNvPr>
+          <p:cNvPicPr>
+            <a:picLocks noChangeAspect="1"/>
+          </p:cNvPicPr>
+          <p:nvPr/>
+        </p:nvPicPr>
+        <p:blipFill>
+          <a:blip r:embed="rId6"/>
+          <a:stretch>
+            <a:fillRect/>
+          </a:stretch>
+        </p:blipFill>
+        <p:spPr>
+          <a:xfrm>
+            <a:off x="8257189" y="3901180"/>
+            <a:ext cx="3521202" cy="779104"/>
+          </a:xfrm>
+          <a:prstGeom prst="rect">
+            <a:avLst/>
+          </a:prstGeom>
+        </p:spPr>
+      </p:pic>
+      <p:pic>
+        <p:nvPicPr>
+          <p:cNvPr id="27" name="그림 26">
+            <a:extLst>
+              <a:ext uri="{FF2B5EF4-FFF2-40B4-BE49-F238E27FC236}">
+                <a16:creationId xmlns:a16="http://schemas.microsoft.com/office/drawing/2014/main" id="{76D3DEC0-5ED1-7968-5D89-6D697EEA6918}"/>
+              </a:ext>
+            </a:extLst>
+          </p:cNvPr>
+          <p:cNvPicPr>
+            <a:picLocks noChangeAspect="1"/>
+          </p:cNvPicPr>
+          <p:nvPr/>
+        </p:nvPicPr>
+        <p:blipFill>
+          <a:blip r:embed="rId7"/>
+          <a:stretch>
+            <a:fillRect/>
+          </a:stretch>
+        </p:blipFill>
+        <p:spPr>
+          <a:xfrm>
+            <a:off x="8254793" y="5120682"/>
+            <a:ext cx="3523598" cy="418369"/>
+          </a:xfrm>
+          <a:prstGeom prst="rect">
+            <a:avLst/>
+          </a:prstGeom>
+        </p:spPr>
+      </p:pic>
+      <p:pic>
+        <p:nvPicPr>
+          <p:cNvPr id="28" name="그림 27">
+            <a:extLst>
+              <a:ext uri="{FF2B5EF4-FFF2-40B4-BE49-F238E27FC236}">
+                <a16:creationId xmlns:a16="http://schemas.microsoft.com/office/drawing/2014/main" id="{93813870-BFAE-DE5E-A34C-6E86C552C860}"/>
+              </a:ext>
+            </a:extLst>
+          </p:cNvPr>
+          <p:cNvPicPr>
+            <a:picLocks noChangeAspect="1"/>
+          </p:cNvPicPr>
+          <p:nvPr/>
+        </p:nvPicPr>
+        <p:blipFill>
+          <a:blip r:embed="rId5">
+            <a:extLst>
+              <a:ext uri="{28A0092B-C50C-407E-A947-70E740481C1C}">
+                <a14:useLocalDpi xmlns:a14="http://schemas.microsoft.com/office/drawing/2010/main" val="0"/>
+              </a:ext>
+            </a:extLst>
+          </a:blip>
+          <a:srcRect/>
+          <a:stretch/>
+        </p:blipFill>
+        <p:spPr>
+          <a:xfrm>
+            <a:off x="10016592" y="896701"/>
+            <a:ext cx="1620000" cy="2880000"/>
+          </a:xfrm>
+          <a:prstGeom prst="rect">
+            <a:avLst/>
+          </a:prstGeom>
+        </p:spPr>
+      </p:pic>
+    </p:spTree>
+    <p:extLst>
+      <p:ext uri="{BB962C8B-B14F-4D97-AF65-F5344CB8AC3E}">
+        <p14:creationId xmlns:p14="http://schemas.microsoft.com/office/powerpoint/2010/main" val="2841088190"/>
+      </p:ext>
+    </p:extLst>
+  </p:cSld>
+  <p:clrMapOvr>
+    <a:masterClrMapping/>
+  </p:clrMapOvr>
+</p:sld>
+</file>
+
+<file path=ppt/slides/slide14.xml><?xml version="1.0" encoding="utf-8"?>
+<p:sld xmlns:a="http://schemas.openxmlformats.org/drawingml/2006/main" xmlns:r="http://schemas.openxmlformats.org/officeDocument/2006/relationships" xmlns:p="http://schemas.openxmlformats.org/presentationml/2006/main">
+  <p:cSld>
+    <p:spTree>
+      <p:nvGrpSpPr>
+        <p:cNvPr id="1" name=""/>
+        <p:cNvGrpSpPr/>
+        <p:nvPr/>
+      </p:nvGrpSpPr>
+      <p:grpSpPr>
+        <a:xfrm>
+          <a:off x="0" y="0"/>
+          <a:ext cx="0" cy="0"/>
+          <a:chOff x="0" y="0"/>
+          <a:chExt cx="0" cy="0"/>
+        </a:xfrm>
+      </p:grpSpPr>
+      <p:sp>
+        <p:nvSpPr>
+          <p:cNvPr id="5" name="TextBox 4">
+            <a:extLst>
+              <a:ext uri="{FF2B5EF4-FFF2-40B4-BE49-F238E27FC236}">
+                <a16:creationId xmlns:a16="http://schemas.microsoft.com/office/drawing/2014/main" id="{78D9FF8D-6741-6CDE-7D28-42AB81CDC249}"/>
+              </a:ext>
+            </a:extLst>
+          </p:cNvPr>
+          <p:cNvSpPr txBox="1"/>
+          <p:nvPr/>
+        </p:nvSpPr>
+        <p:spPr>
+          <a:xfrm>
+            <a:off x="311150" y="211668"/>
+            <a:ext cx="3936110" cy="323165"/>
+          </a:xfrm>
+          <a:prstGeom prst="rect">
+            <a:avLst/>
+          </a:prstGeom>
+          <a:noFill/>
+        </p:spPr>
+        <p:txBody>
+          <a:bodyPr wrap="square" rtlCol="0">
+            <a:spAutoFit/>
+          </a:bodyPr>
+          <a:lstStyle/>
+          <a:p>
+            <a:r>
+              <a:rPr lang="ko-KR" altLang="en-US" sz="1500" dirty="0"/>
+              <a:t>외부 저장소에 공유 데이터 저장하기</a:t>
+            </a:r>
+          </a:p>
+        </p:txBody>
+      </p:sp>
+      <p:cxnSp>
+        <p:nvCxnSpPr>
+          <p:cNvPr id="7" name="직선 연결선 6">
+            <a:extLst>
+              <a:ext uri="{FF2B5EF4-FFF2-40B4-BE49-F238E27FC236}">
+                <a16:creationId xmlns:a16="http://schemas.microsoft.com/office/drawing/2014/main" id="{396ABC2F-46EF-B557-13D1-C557F1EE561D}"/>
+              </a:ext>
+            </a:extLst>
+          </p:cNvPr>
+          <p:cNvCxnSpPr/>
+          <p:nvPr/>
+        </p:nvCxnSpPr>
+        <p:spPr>
+          <a:xfrm>
+            <a:off x="311150" y="640665"/>
+            <a:ext cx="11499850" cy="0"/>
+          </a:xfrm>
+          <a:prstGeom prst="line">
+            <a:avLst/>
+          </a:prstGeom>
+        </p:spPr>
+        <p:style>
+          <a:lnRef idx="2">
+            <a:schemeClr val="accent1"/>
+          </a:lnRef>
+          <a:fillRef idx="0">
+            <a:schemeClr val="accent1"/>
+          </a:fillRef>
+          <a:effectRef idx="1">
+            <a:schemeClr val="accent1"/>
+          </a:effectRef>
+          <a:fontRef idx="minor">
+            <a:schemeClr val="tx1"/>
+          </a:fontRef>
+        </p:style>
+      </p:cxnSp>
+      <p:sp>
+        <p:nvSpPr>
+          <p:cNvPr id="2" name="TextBox 1">
+            <a:extLst>
+              <a:ext uri="{FF2B5EF4-FFF2-40B4-BE49-F238E27FC236}">
+                <a16:creationId xmlns:a16="http://schemas.microsoft.com/office/drawing/2014/main" id="{2EA40919-2997-094D-20D5-E3A896A60509}"/>
+              </a:ext>
+            </a:extLst>
+          </p:cNvPr>
+          <p:cNvSpPr txBox="1"/>
+          <p:nvPr/>
+        </p:nvSpPr>
+        <p:spPr>
+          <a:xfrm>
+            <a:off x="311150" y="962318"/>
+            <a:ext cx="4438651" cy="985911"/>
+          </a:xfrm>
+          <a:prstGeom prst="rect">
+            <a:avLst/>
+          </a:prstGeom>
+          <a:noFill/>
+        </p:spPr>
+        <p:txBody>
+          <a:bodyPr wrap="square" rtlCol="0">
+            <a:spAutoFit/>
+          </a:bodyPr>
+          <a:lstStyle/>
+          <a:p>
+            <a:pPr marL="171450" indent="-171450">
+              <a:lnSpc>
+                <a:spcPct val="150000"/>
+              </a:lnSpc>
+              <a:buFontTx/>
+              <a:buChar char="-"/>
+            </a:pPr>
+            <a:r>
+              <a:rPr lang="ko-KR" altLang="en-US" sz="1000" dirty="0"/>
+              <a:t>다른</a:t>
+            </a:r>
+            <a:r>
+              <a:rPr lang="en-US" altLang="ko-KR" sz="1000" dirty="0"/>
+              <a:t> application</a:t>
+            </a:r>
+            <a:r>
+              <a:rPr lang="ko-KR" altLang="en-US" sz="1000" dirty="0"/>
+              <a:t>에 </a:t>
+            </a:r>
+            <a:r>
+              <a:rPr lang="en-US" altLang="ko-KR" sz="1000" dirty="0"/>
+              <a:t>data</a:t>
+            </a:r>
+            <a:r>
+              <a:rPr lang="ko-KR" altLang="en-US" sz="1000" dirty="0"/>
+              <a:t>를 공급하는 역할</a:t>
+            </a:r>
+            <a:endParaRPr lang="en-US" altLang="ko-KR" sz="1000" dirty="0"/>
+          </a:p>
+          <a:p>
+            <a:pPr marL="171450" indent="-171450">
+              <a:lnSpc>
+                <a:spcPct val="150000"/>
+              </a:lnSpc>
+              <a:buFontTx/>
+              <a:buChar char="-"/>
+            </a:pPr>
+            <a:r>
+              <a:rPr lang="en-US" altLang="ko-KR" sz="1000" dirty="0"/>
+              <a:t>Data </a:t>
+            </a:r>
+            <a:r>
+              <a:rPr lang="ko-KR" altLang="en-US" sz="1000" dirty="0"/>
+              <a:t>공급을 </a:t>
+            </a:r>
+            <a:r>
+              <a:rPr lang="ko-KR" altLang="en-US" sz="1000" dirty="0" err="1"/>
+              <a:t>추상화하여</a:t>
+            </a:r>
+            <a:r>
+              <a:rPr lang="ko-KR" altLang="en-US" sz="1000" dirty="0"/>
+              <a:t> </a:t>
+            </a:r>
+            <a:r>
+              <a:rPr lang="en-US" altLang="ko-KR" sz="1000" dirty="0"/>
+              <a:t>data </a:t>
+            </a:r>
+            <a:r>
+              <a:rPr lang="ko-KR" altLang="en-US" sz="1000" dirty="0"/>
+              <a:t>계층과 </a:t>
+            </a:r>
+            <a:r>
+              <a:rPr lang="en-US" altLang="ko-KR" sz="1000" dirty="0"/>
+              <a:t>application </a:t>
+            </a:r>
+            <a:r>
+              <a:rPr lang="ko-KR" altLang="en-US" sz="1000" dirty="0"/>
+              <a:t>계층을 분리</a:t>
+            </a:r>
+            <a:endParaRPr lang="en-US" altLang="ko-KR" sz="1000" dirty="0"/>
+          </a:p>
+          <a:p>
+            <a:pPr marL="171450" indent="-171450">
+              <a:lnSpc>
+                <a:spcPct val="150000"/>
+              </a:lnSpc>
+              <a:buFontTx/>
+              <a:buChar char="-"/>
+            </a:pPr>
+            <a:r>
+              <a:rPr lang="ko-KR" altLang="en-US" sz="1000" dirty="0"/>
+              <a:t>다른 </a:t>
+            </a:r>
+            <a:r>
+              <a:rPr lang="en-US" altLang="ko-KR" sz="1000" dirty="0"/>
+              <a:t>application</a:t>
+            </a:r>
+            <a:r>
+              <a:rPr lang="ko-KR" altLang="en-US" sz="1000" dirty="0"/>
+              <a:t>이 </a:t>
+            </a:r>
+            <a:r>
+              <a:rPr lang="en-US" altLang="ko-KR" sz="1000" dirty="0"/>
+              <a:t>app data</a:t>
+            </a:r>
+            <a:r>
+              <a:rPr lang="ko-KR" altLang="en-US" sz="1000" dirty="0"/>
+              <a:t>에 안전하게 액세스하여 이를 수정할 수 있도록 허용</a:t>
+            </a:r>
+            <a:endParaRPr lang="en-US" altLang="ko-KR" sz="1000" dirty="0"/>
+          </a:p>
+        </p:txBody>
+      </p:sp>
+      <p:pic>
+        <p:nvPicPr>
+          <p:cNvPr id="16" name="그림 15">
+            <a:extLst>
+              <a:ext uri="{FF2B5EF4-FFF2-40B4-BE49-F238E27FC236}">
+                <a16:creationId xmlns:a16="http://schemas.microsoft.com/office/drawing/2014/main" id="{7C4BFE4D-EB8E-DC0B-BC2B-E8B42A4E25F7}"/>
+              </a:ext>
+            </a:extLst>
+          </p:cNvPr>
+          <p:cNvPicPr>
+            <a:picLocks noChangeAspect="1"/>
+          </p:cNvPicPr>
+          <p:nvPr/>
+        </p:nvPicPr>
+        <p:blipFill>
+          <a:blip r:embed="rId3">
+            <a:extLst>
+              <a:ext uri="{28A0092B-C50C-407E-A947-70E740481C1C}">
+                <a14:useLocalDpi xmlns:a14="http://schemas.microsoft.com/office/drawing/2010/main" val="0"/>
+              </a:ext>
+            </a:extLst>
+          </a:blip>
+          <a:srcRect/>
+          <a:stretch/>
+        </p:blipFill>
+        <p:spPr>
+          <a:xfrm>
+            <a:off x="10158391" y="896701"/>
+            <a:ext cx="1620000" cy="2880000"/>
+          </a:xfrm>
+          <a:prstGeom prst="rect">
+            <a:avLst/>
+          </a:prstGeom>
+        </p:spPr>
+      </p:pic>
+      <p:pic>
+        <p:nvPicPr>
+          <p:cNvPr id="4" name="그림 3">
+            <a:extLst>
+              <a:ext uri="{FF2B5EF4-FFF2-40B4-BE49-F238E27FC236}">
+                <a16:creationId xmlns:a16="http://schemas.microsoft.com/office/drawing/2014/main" id="{BDF09E38-DC04-394E-59E0-2364BB35707C}"/>
+              </a:ext>
+            </a:extLst>
+          </p:cNvPr>
+          <p:cNvPicPr>
+            <a:picLocks noChangeAspect="1"/>
+          </p:cNvPicPr>
+          <p:nvPr/>
+        </p:nvPicPr>
+        <p:blipFill>
+          <a:blip r:embed="rId4"/>
+          <a:stretch>
+            <a:fillRect/>
+          </a:stretch>
+        </p:blipFill>
+        <p:spPr>
+          <a:xfrm>
+            <a:off x="4804707" y="4136822"/>
+            <a:ext cx="5144541" cy="1930310"/>
+          </a:xfrm>
+          <a:prstGeom prst="rect">
+            <a:avLst/>
+          </a:prstGeom>
+        </p:spPr>
+      </p:pic>
+      <p:pic>
+        <p:nvPicPr>
+          <p:cNvPr id="9" name="그림 8">
+            <a:extLst>
+              <a:ext uri="{FF2B5EF4-FFF2-40B4-BE49-F238E27FC236}">
+                <a16:creationId xmlns:a16="http://schemas.microsoft.com/office/drawing/2014/main" id="{B0CC6C7E-CD6F-34D5-8877-E1F83A9E75D9}"/>
+              </a:ext>
+            </a:extLst>
+          </p:cNvPr>
+          <p:cNvPicPr>
+            <a:picLocks noChangeAspect="1"/>
+          </p:cNvPicPr>
+          <p:nvPr/>
+        </p:nvPicPr>
+        <p:blipFill>
+          <a:blip r:embed="rId5"/>
+          <a:stretch>
+            <a:fillRect/>
+          </a:stretch>
+        </p:blipFill>
+        <p:spPr>
+          <a:xfrm>
+            <a:off x="4804707" y="896701"/>
+            <a:ext cx="5144541" cy="2736458"/>
+          </a:xfrm>
+          <a:prstGeom prst="rect">
+            <a:avLst/>
+          </a:prstGeom>
+        </p:spPr>
+      </p:pic>
+      <p:sp>
+        <p:nvSpPr>
+          <p:cNvPr id="3" name="직사각형 2">
+            <a:extLst>
+              <a:ext uri="{FF2B5EF4-FFF2-40B4-BE49-F238E27FC236}">
+                <a16:creationId xmlns:a16="http://schemas.microsoft.com/office/drawing/2014/main" id="{79FB360F-A14D-F015-CC2F-82C7F5E143DC}"/>
+              </a:ext>
+            </a:extLst>
+          </p:cNvPr>
+          <p:cNvSpPr/>
+          <p:nvPr/>
+        </p:nvSpPr>
+        <p:spPr>
+          <a:xfrm>
+            <a:off x="4980350" y="2247544"/>
+            <a:ext cx="2366600" cy="463905"/>
+          </a:xfrm>
+          <a:prstGeom prst="rect">
+            <a:avLst/>
+          </a:prstGeom>
+          <a:noFill/>
+          <a:ln w="9525">
+            <a:solidFill>
+              <a:srgbClr val="FF0000"/>
+            </a:solidFill>
+          </a:ln>
+        </p:spPr>
+        <p:style>
+          <a:lnRef idx="2">
+            <a:schemeClr val="accent1">
+              <a:shade val="15000"/>
+            </a:schemeClr>
+          </a:lnRef>
+          <a:fillRef idx="1">
+            <a:schemeClr val="accent1"/>
+          </a:fillRef>
+          <a:effectRef idx="0">
+            <a:schemeClr val="accent1"/>
+          </a:effectRef>
+          <a:fontRef idx="minor">
+            <a:schemeClr val="lt1"/>
+          </a:fontRef>
+        </p:style>
+        <p:txBody>
+          <a:bodyPr rtlCol="0" anchor="ctr"/>
+          <a:lstStyle/>
+          <a:p>
+            <a:pPr algn="ctr"/>
+            <a:endParaRPr lang="ko-KR" altLang="en-US"/>
+          </a:p>
+        </p:txBody>
+      </p:sp>
+      <p:sp>
+        <p:nvSpPr>
+          <p:cNvPr id="6" name="직사각형 5">
+            <a:extLst>
+              <a:ext uri="{FF2B5EF4-FFF2-40B4-BE49-F238E27FC236}">
+                <a16:creationId xmlns:a16="http://schemas.microsoft.com/office/drawing/2014/main" id="{39F3C11E-3306-BEB5-2F2B-3B2548AFEE9B}"/>
+              </a:ext>
+            </a:extLst>
+          </p:cNvPr>
+          <p:cNvSpPr/>
+          <p:nvPr/>
+        </p:nvSpPr>
+        <p:spPr>
+          <a:xfrm>
+            <a:off x="5107350" y="5089276"/>
+            <a:ext cx="3020650" cy="581274"/>
+          </a:xfrm>
+          <a:prstGeom prst="rect">
+            <a:avLst/>
+          </a:prstGeom>
+          <a:noFill/>
+          <a:ln w="9525">
+            <a:solidFill>
+              <a:srgbClr val="FF0000"/>
+            </a:solidFill>
+          </a:ln>
+        </p:spPr>
+        <p:style>
+          <a:lnRef idx="2">
+            <a:schemeClr val="accent1">
+              <a:shade val="15000"/>
+            </a:schemeClr>
+          </a:lnRef>
+          <a:fillRef idx="1">
+            <a:schemeClr val="accent1"/>
+          </a:fillRef>
+          <a:effectRef idx="0">
+            <a:schemeClr val="accent1"/>
+          </a:effectRef>
+          <a:fontRef idx="minor">
+            <a:schemeClr val="lt1"/>
+          </a:fontRef>
+        </p:style>
+        <p:txBody>
+          <a:bodyPr rtlCol="0" anchor="ctr"/>
+          <a:lstStyle/>
+          <a:p>
+            <a:pPr algn="ctr"/>
+            <a:endParaRPr lang="ko-KR" altLang="en-US"/>
+          </a:p>
+        </p:txBody>
+      </p:sp>
+      <p:sp>
+        <p:nvSpPr>
+          <p:cNvPr id="8" name="TextBox 7">
+            <a:extLst>
+              <a:ext uri="{FF2B5EF4-FFF2-40B4-BE49-F238E27FC236}">
+                <a16:creationId xmlns:a16="http://schemas.microsoft.com/office/drawing/2014/main" id="{D79BEEBE-AB53-E983-479C-4BC6145EBFF7}"/>
+              </a:ext>
+            </a:extLst>
+          </p:cNvPr>
+          <p:cNvSpPr txBox="1"/>
+          <p:nvPr/>
+        </p:nvSpPr>
+        <p:spPr>
+          <a:xfrm>
+            <a:off x="7346950" y="2118223"/>
+            <a:ext cx="564090" cy="293414"/>
+          </a:xfrm>
+          <a:prstGeom prst="rect">
+            <a:avLst/>
+          </a:prstGeom>
+          <a:noFill/>
+        </p:spPr>
+        <p:txBody>
+          <a:bodyPr wrap="square" rtlCol="0">
+            <a:spAutoFit/>
+          </a:bodyPr>
+          <a:lstStyle/>
+          <a:p>
+            <a:pPr>
+              <a:lnSpc>
+                <a:spcPct val="150000"/>
+              </a:lnSpc>
+            </a:pPr>
+            <a:r>
+              <a:rPr lang="ko-KR" altLang="en-US" sz="1000">
+                <a:solidFill>
+                  <a:srgbClr val="FF0000"/>
+                </a:solidFill>
+              </a:rPr>
+              <a:t>필수</a:t>
+            </a:r>
+            <a:endParaRPr lang="en-US" altLang="ko-KR" sz="1000" dirty="0">
+              <a:solidFill>
+                <a:srgbClr val="FF0000"/>
+              </a:solidFill>
+            </a:endParaRPr>
+          </a:p>
+        </p:txBody>
+      </p:sp>
+      <p:sp>
+        <p:nvSpPr>
+          <p:cNvPr id="10" name="직사각형 9">
+            <a:extLst>
+              <a:ext uri="{FF2B5EF4-FFF2-40B4-BE49-F238E27FC236}">
+                <a16:creationId xmlns:a16="http://schemas.microsoft.com/office/drawing/2014/main" id="{99D6AEF4-BB08-6CE3-2386-15D5576B9137}"/>
+              </a:ext>
+            </a:extLst>
+          </p:cNvPr>
+          <p:cNvSpPr/>
+          <p:nvPr/>
+        </p:nvSpPr>
+        <p:spPr>
+          <a:xfrm>
+            <a:off x="4804707" y="1450519"/>
+            <a:ext cx="5144540" cy="2054680"/>
+          </a:xfrm>
+          <a:prstGeom prst="rect">
+            <a:avLst/>
+          </a:prstGeom>
+          <a:noFill/>
+          <a:ln w="9525">
+            <a:solidFill>
+              <a:srgbClr val="FF0000"/>
+            </a:solidFill>
+          </a:ln>
+        </p:spPr>
+        <p:style>
+          <a:lnRef idx="2">
+            <a:schemeClr val="accent1">
+              <a:shade val="15000"/>
+            </a:schemeClr>
+          </a:lnRef>
+          <a:fillRef idx="1">
+            <a:schemeClr val="accent1"/>
+          </a:fillRef>
+          <a:effectRef idx="0">
+            <a:schemeClr val="accent1"/>
+          </a:effectRef>
+          <a:fontRef idx="minor">
+            <a:schemeClr val="lt1"/>
+          </a:fontRef>
+        </p:style>
+        <p:txBody>
+          <a:bodyPr rtlCol="0" anchor="ctr"/>
+          <a:lstStyle/>
+          <a:p>
+            <a:pPr algn="ctr"/>
+            <a:endParaRPr lang="ko-KR" altLang="en-US"/>
+          </a:p>
+        </p:txBody>
+      </p:sp>
+      <p:cxnSp>
+        <p:nvCxnSpPr>
+          <p:cNvPr id="12" name="직선 화살표 연결선 11">
+            <a:extLst>
+              <a:ext uri="{FF2B5EF4-FFF2-40B4-BE49-F238E27FC236}">
+                <a16:creationId xmlns:a16="http://schemas.microsoft.com/office/drawing/2014/main" id="{3FA5188A-FFFB-786D-0626-E7B5A0F1E1A6}"/>
+              </a:ext>
+            </a:extLst>
+          </p:cNvPr>
+          <p:cNvCxnSpPr>
+            <a:cxnSpLocks/>
+          </p:cNvCxnSpPr>
+          <p:nvPr/>
+        </p:nvCxnSpPr>
+        <p:spPr>
+          <a:xfrm flipV="1">
+            <a:off x="7823200" y="3505199"/>
+            <a:ext cx="546100" cy="1584077"/>
+          </a:xfrm>
+          <a:prstGeom prst="straightConnector1">
+            <a:avLst/>
+          </a:prstGeom>
+          <a:ln>
+            <a:solidFill>
+              <a:srgbClr val="FF0000"/>
+            </a:solidFill>
+            <a:tailEnd type="triangle"/>
+          </a:ln>
+        </p:spPr>
+        <p:style>
+          <a:lnRef idx="2">
+            <a:schemeClr val="accent1"/>
+          </a:lnRef>
+          <a:fillRef idx="0">
+            <a:schemeClr val="accent1"/>
+          </a:fillRef>
+          <a:effectRef idx="1">
+            <a:schemeClr val="accent1"/>
+          </a:effectRef>
+          <a:fontRef idx="minor">
+            <a:schemeClr val="tx1"/>
+          </a:fontRef>
+        </p:style>
+      </p:cxnSp>
+      <p:cxnSp>
+        <p:nvCxnSpPr>
+          <p:cNvPr id="15" name="직선 화살표 연결선 14">
+            <a:extLst>
+              <a:ext uri="{FF2B5EF4-FFF2-40B4-BE49-F238E27FC236}">
+                <a16:creationId xmlns:a16="http://schemas.microsoft.com/office/drawing/2014/main" id="{06693D8A-6150-B6E0-13AF-294417A80B66}"/>
+              </a:ext>
+            </a:extLst>
+          </p:cNvPr>
+          <p:cNvCxnSpPr>
+            <a:cxnSpLocks/>
+            <a:stCxn id="10" idx="3"/>
+            <a:endCxn id="16" idx="1"/>
+          </p:cNvCxnSpPr>
+          <p:nvPr/>
+        </p:nvCxnSpPr>
+        <p:spPr>
+          <a:xfrm flipV="1">
+            <a:off x="9949247" y="2336701"/>
+            <a:ext cx="209144" cy="141158"/>
+          </a:xfrm>
+          <a:prstGeom prst="straightConnector1">
+            <a:avLst/>
+          </a:prstGeom>
+          <a:ln>
+            <a:solidFill>
+              <a:srgbClr val="FF0000"/>
+            </a:solidFill>
+            <a:tailEnd type="triangle"/>
+          </a:ln>
+        </p:spPr>
+        <p:style>
+          <a:lnRef idx="2">
+            <a:schemeClr val="accent1"/>
+          </a:lnRef>
+          <a:fillRef idx="0">
+            <a:schemeClr val="accent1"/>
+          </a:fillRef>
+          <a:effectRef idx="1">
+            <a:schemeClr val="accent1"/>
+          </a:effectRef>
+          <a:fontRef idx="minor">
+            <a:schemeClr val="tx1"/>
+          </a:fontRef>
+        </p:style>
+      </p:cxnSp>
+      <p:sp>
+        <p:nvSpPr>
+          <p:cNvPr id="13" name="TextBox 12">
+            <a:extLst>
+              <a:ext uri="{FF2B5EF4-FFF2-40B4-BE49-F238E27FC236}">
+                <a16:creationId xmlns:a16="http://schemas.microsoft.com/office/drawing/2014/main" id="{EEBEF976-EF42-5DE0-3DCA-B9892B5A8BE5}"/>
+              </a:ext>
+            </a:extLst>
+          </p:cNvPr>
+          <p:cNvSpPr txBox="1"/>
+          <p:nvPr/>
+        </p:nvSpPr>
+        <p:spPr>
+          <a:xfrm>
+            <a:off x="-31396" y="6661706"/>
+            <a:ext cx="4438651" cy="213007"/>
+          </a:xfrm>
+          <a:prstGeom prst="rect">
+            <a:avLst/>
+          </a:prstGeom>
+          <a:noFill/>
+        </p:spPr>
+        <p:txBody>
+          <a:bodyPr wrap="square" rtlCol="0">
+            <a:spAutoFit/>
+          </a:bodyPr>
+          <a:lstStyle/>
+          <a:p>
+            <a:pPr>
+              <a:lnSpc>
+                <a:spcPct val="150000"/>
+              </a:lnSpc>
+            </a:pPr>
+            <a:r>
+              <a:rPr lang="en-US" altLang="ko-KR" sz="600" dirty="0"/>
+              <a:t>IPC: </a:t>
+            </a:r>
+            <a:r>
+              <a:rPr lang="en-US" altLang="ko-KR" sz="600" dirty="0" err="1"/>
+              <a:t>InterProcess</a:t>
+            </a:r>
+            <a:r>
+              <a:rPr lang="en-US" altLang="ko-KR" sz="600" dirty="0"/>
+              <a:t> Communication</a:t>
+            </a:r>
+          </a:p>
+        </p:txBody>
+      </p:sp>
+      <p:sp>
+        <p:nvSpPr>
+          <p:cNvPr id="14" name="TextBox 13">
+            <a:extLst>
+              <a:ext uri="{FF2B5EF4-FFF2-40B4-BE49-F238E27FC236}">
+                <a16:creationId xmlns:a16="http://schemas.microsoft.com/office/drawing/2014/main" id="{1995996F-F342-8031-C6A1-ADF71112D1E5}"/>
+              </a:ext>
+            </a:extLst>
+          </p:cNvPr>
+          <p:cNvSpPr txBox="1"/>
+          <p:nvPr/>
+        </p:nvSpPr>
+        <p:spPr>
+          <a:xfrm>
+            <a:off x="311150" y="2477859"/>
+            <a:ext cx="4438651" cy="524246"/>
+          </a:xfrm>
+          <a:prstGeom prst="rect">
+            <a:avLst/>
+          </a:prstGeom>
+          <a:noFill/>
+        </p:spPr>
+        <p:txBody>
+          <a:bodyPr wrap="square" rtlCol="0">
+            <a:spAutoFit/>
+          </a:bodyPr>
+          <a:lstStyle/>
+          <a:p>
+            <a:pPr>
+              <a:lnSpc>
+                <a:spcPct val="150000"/>
+              </a:lnSpc>
+            </a:pPr>
+            <a:r>
+              <a:rPr lang="en-US" altLang="ko-KR" sz="1000" dirty="0"/>
+              <a:t>- </a:t>
+            </a:r>
+            <a:r>
+              <a:rPr lang="en-US" altLang="ko-KR" sz="1000" dirty="0" err="1"/>
+              <a:t>ContentResolver</a:t>
+            </a:r>
+            <a:r>
+              <a:rPr lang="en-US" altLang="ko-KR" sz="1000" dirty="0"/>
+              <a:t> </a:t>
+            </a:r>
+            <a:r>
+              <a:rPr lang="ko-KR" altLang="en-US" sz="1000" dirty="0"/>
+              <a:t>객체가 </a:t>
+            </a:r>
+            <a:r>
+              <a:rPr lang="en-US" altLang="ko-KR" sz="1000" dirty="0" err="1"/>
+              <a:t>ContentProvider</a:t>
+            </a:r>
+            <a:r>
+              <a:rPr lang="ko-KR" altLang="en-US" sz="1000" dirty="0"/>
+              <a:t>에 </a:t>
+            </a:r>
+            <a:r>
+              <a:rPr lang="en-US" altLang="ko-KR" sz="1000" dirty="0"/>
+              <a:t>data</a:t>
+            </a:r>
+            <a:r>
+              <a:rPr lang="ko-KR" altLang="en-US" sz="1000" dirty="0"/>
+              <a:t>를 요청하게 되고 </a:t>
+            </a:r>
+            <a:r>
+              <a:rPr lang="en-US" altLang="ko-KR" sz="1000" dirty="0" err="1"/>
+              <a:t>ContentProvider</a:t>
+            </a:r>
+            <a:r>
+              <a:rPr lang="ko-KR" altLang="en-US" sz="1000" dirty="0"/>
+              <a:t>는 요청된 작업을 </a:t>
+            </a:r>
+            <a:r>
+              <a:rPr lang="ko-KR" altLang="en-US" sz="1000" dirty="0" err="1"/>
+              <a:t>싱행하고</a:t>
+            </a:r>
+            <a:r>
+              <a:rPr lang="ko-KR" altLang="en-US" sz="1000" dirty="0"/>
+              <a:t> 결과를 반환하는 구조</a:t>
+            </a:r>
+            <a:endParaRPr lang="en-US" altLang="ko-KR" sz="1000" dirty="0"/>
+          </a:p>
+        </p:txBody>
+      </p:sp>
+      <p:sp>
+        <p:nvSpPr>
+          <p:cNvPr id="17" name="TextBox 16">
+            <a:extLst>
+              <a:ext uri="{FF2B5EF4-FFF2-40B4-BE49-F238E27FC236}">
+                <a16:creationId xmlns:a16="http://schemas.microsoft.com/office/drawing/2014/main" id="{0E57777E-E1FB-0A7A-E194-26A7E6F12719}"/>
+              </a:ext>
+            </a:extLst>
+          </p:cNvPr>
+          <p:cNvSpPr txBox="1"/>
+          <p:nvPr/>
+        </p:nvSpPr>
+        <p:spPr>
+          <a:xfrm>
+            <a:off x="11482980" y="6581001"/>
+            <a:ext cx="709020" cy="276999"/>
+          </a:xfrm>
+          <a:prstGeom prst="rect">
+            <a:avLst/>
+          </a:prstGeom>
+          <a:noFill/>
+        </p:spPr>
+        <p:txBody>
+          <a:bodyPr wrap="square" rtlCol="0">
+            <a:spAutoFit/>
+          </a:bodyPr>
+          <a:lstStyle/>
+          <a:p>
+            <a:pPr algn="r"/>
+            <a:r>
+              <a:rPr lang="en-US" altLang="ko-KR" sz="1200" dirty="0"/>
+              <a:t>Ch12</a:t>
+            </a:r>
+            <a:endParaRPr lang="ko-KR" altLang="en-US" sz="1200" dirty="0"/>
+          </a:p>
+        </p:txBody>
+      </p:sp>
+    </p:spTree>
+    <p:extLst>
+      <p:ext uri="{BB962C8B-B14F-4D97-AF65-F5344CB8AC3E}">
+        <p14:creationId xmlns:p14="http://schemas.microsoft.com/office/powerpoint/2010/main" val="3126683212"/>
+      </p:ext>
+    </p:extLst>
+  </p:cSld>
+  <p:clrMapOvr>
+    <a:masterClrMapping/>
+  </p:clrMapOvr>
+</p:sld>
+</file>
+
+<file path=ppt/slides/slide15.xml><?xml version="1.0" encoding="utf-8"?>
+<p:sld xmlns:a="http://schemas.openxmlformats.org/drawingml/2006/main" xmlns:r="http://schemas.openxmlformats.org/officeDocument/2006/relationships" xmlns:p="http://schemas.openxmlformats.org/presentationml/2006/main">
+  <p:cSld>
+    <p:spTree>
+      <p:nvGrpSpPr>
+        <p:cNvPr id="1" name=""/>
+        <p:cNvGrpSpPr/>
+        <p:nvPr/>
+      </p:nvGrpSpPr>
+      <p:grpSpPr>
+        <a:xfrm>
+          <a:off x="0" y="0"/>
+          <a:ext cx="0" cy="0"/>
+          <a:chOff x="0" y="0"/>
+          <a:chExt cx="0" cy="0"/>
+        </a:xfrm>
+      </p:grpSpPr>
+      <p:sp>
+        <p:nvSpPr>
+          <p:cNvPr id="5" name="TextBox 4">
+            <a:extLst>
+              <a:ext uri="{FF2B5EF4-FFF2-40B4-BE49-F238E27FC236}">
+                <a16:creationId xmlns:a16="http://schemas.microsoft.com/office/drawing/2014/main" id="{78D9FF8D-6741-6CDE-7D28-42AB81CDC249}"/>
+              </a:ext>
+            </a:extLst>
+          </p:cNvPr>
+          <p:cNvSpPr txBox="1"/>
+          <p:nvPr/>
+        </p:nvSpPr>
+        <p:spPr>
+          <a:xfrm>
+            <a:off x="311150" y="211668"/>
+            <a:ext cx="3936110" cy="323165"/>
+          </a:xfrm>
+          <a:prstGeom prst="rect">
+            <a:avLst/>
+          </a:prstGeom>
+          <a:noFill/>
+        </p:spPr>
+        <p:txBody>
+          <a:bodyPr wrap="square" rtlCol="0">
+            <a:spAutoFit/>
+          </a:bodyPr>
+          <a:lstStyle/>
+          <a:p>
+            <a:r>
+              <a:rPr lang="ko-KR" altLang="en-US" sz="1500" dirty="0"/>
+              <a:t>공유 프레퍼런스 </a:t>
+            </a:r>
+            <a:r>
+              <a:rPr lang="en-US" altLang="ko-KR" sz="1500" dirty="0"/>
+              <a:t>(Shared Preferences)</a:t>
+            </a:r>
+            <a:endParaRPr lang="ko-KR" altLang="en-US" sz="1500" dirty="0"/>
+          </a:p>
+        </p:txBody>
+      </p:sp>
+      <p:cxnSp>
+        <p:nvCxnSpPr>
+          <p:cNvPr id="7" name="직선 연결선 6">
+            <a:extLst>
+              <a:ext uri="{FF2B5EF4-FFF2-40B4-BE49-F238E27FC236}">
+                <a16:creationId xmlns:a16="http://schemas.microsoft.com/office/drawing/2014/main" id="{396ABC2F-46EF-B557-13D1-C557F1EE561D}"/>
+              </a:ext>
+            </a:extLst>
+          </p:cNvPr>
+          <p:cNvCxnSpPr/>
+          <p:nvPr/>
+        </p:nvCxnSpPr>
+        <p:spPr>
+          <a:xfrm>
+            <a:off x="311150" y="640665"/>
+            <a:ext cx="11499850" cy="0"/>
+          </a:xfrm>
+          <a:prstGeom prst="line">
+            <a:avLst/>
+          </a:prstGeom>
+        </p:spPr>
+        <p:style>
+          <a:lnRef idx="2">
+            <a:schemeClr val="accent1"/>
+          </a:lnRef>
+          <a:fillRef idx="0">
+            <a:schemeClr val="accent1"/>
+          </a:fillRef>
+          <a:effectRef idx="1">
+            <a:schemeClr val="accent1"/>
+          </a:effectRef>
+          <a:fontRef idx="minor">
+            <a:schemeClr val="tx1"/>
+          </a:fontRef>
+        </p:style>
+      </p:cxnSp>
+      <p:sp>
+        <p:nvSpPr>
+          <p:cNvPr id="2" name="TextBox 1">
+            <a:extLst>
+              <a:ext uri="{FF2B5EF4-FFF2-40B4-BE49-F238E27FC236}">
+                <a16:creationId xmlns:a16="http://schemas.microsoft.com/office/drawing/2014/main" id="{2EA40919-2997-094D-20D5-E3A896A60509}"/>
+              </a:ext>
+            </a:extLst>
+          </p:cNvPr>
+          <p:cNvSpPr txBox="1"/>
+          <p:nvPr/>
+        </p:nvSpPr>
+        <p:spPr>
+          <a:xfrm>
+            <a:off x="311150" y="962318"/>
+            <a:ext cx="4438651" cy="985911"/>
+          </a:xfrm>
+          <a:prstGeom prst="rect">
+            <a:avLst/>
+          </a:prstGeom>
+          <a:noFill/>
+        </p:spPr>
+        <p:txBody>
+          <a:bodyPr wrap="square" rtlCol="0">
+            <a:spAutoFit/>
+          </a:bodyPr>
+          <a:lstStyle/>
+          <a:p>
+            <a:pPr marL="171450" indent="-171450">
+              <a:lnSpc>
+                <a:spcPct val="150000"/>
+              </a:lnSpc>
+              <a:buFontTx/>
+              <a:buChar char="-"/>
+            </a:pPr>
+            <a:r>
+              <a:rPr lang="ko-KR" altLang="en-US" sz="1000" dirty="0"/>
+              <a:t>다른</a:t>
+            </a:r>
+            <a:r>
+              <a:rPr lang="en-US" altLang="ko-KR" sz="1000" dirty="0"/>
+              <a:t> application</a:t>
+            </a:r>
+            <a:r>
+              <a:rPr lang="ko-KR" altLang="en-US" sz="1000" dirty="0"/>
+              <a:t>에 </a:t>
+            </a:r>
+            <a:r>
+              <a:rPr lang="en-US" altLang="ko-KR" sz="1000" dirty="0"/>
+              <a:t>data</a:t>
+            </a:r>
+            <a:r>
+              <a:rPr lang="ko-KR" altLang="en-US" sz="1000" dirty="0"/>
+              <a:t>를 공급하는 역할</a:t>
+            </a:r>
+            <a:endParaRPr lang="en-US" altLang="ko-KR" sz="1000" dirty="0"/>
+          </a:p>
+          <a:p>
+            <a:pPr marL="171450" indent="-171450">
+              <a:lnSpc>
+                <a:spcPct val="150000"/>
+              </a:lnSpc>
+              <a:buFontTx/>
+              <a:buChar char="-"/>
+            </a:pPr>
+            <a:r>
+              <a:rPr lang="en-US" altLang="ko-KR" sz="1000" dirty="0"/>
+              <a:t>Data </a:t>
+            </a:r>
+            <a:r>
+              <a:rPr lang="ko-KR" altLang="en-US" sz="1000" dirty="0"/>
+              <a:t>공급을 </a:t>
+            </a:r>
+            <a:r>
+              <a:rPr lang="ko-KR" altLang="en-US" sz="1000" dirty="0" err="1"/>
+              <a:t>추상화하여</a:t>
+            </a:r>
+            <a:r>
+              <a:rPr lang="ko-KR" altLang="en-US" sz="1000" dirty="0"/>
+              <a:t> </a:t>
+            </a:r>
+            <a:r>
+              <a:rPr lang="en-US" altLang="ko-KR" sz="1000" dirty="0"/>
+              <a:t>data </a:t>
+            </a:r>
+            <a:r>
+              <a:rPr lang="ko-KR" altLang="en-US" sz="1000" dirty="0"/>
+              <a:t>계층과 </a:t>
+            </a:r>
+            <a:r>
+              <a:rPr lang="en-US" altLang="ko-KR" sz="1000" dirty="0"/>
+              <a:t>application </a:t>
+            </a:r>
+            <a:r>
+              <a:rPr lang="ko-KR" altLang="en-US" sz="1000" dirty="0"/>
+              <a:t>계층을 분리</a:t>
+            </a:r>
+            <a:endParaRPr lang="en-US" altLang="ko-KR" sz="1000" dirty="0"/>
+          </a:p>
+          <a:p>
+            <a:pPr marL="171450" indent="-171450">
+              <a:lnSpc>
+                <a:spcPct val="150000"/>
+              </a:lnSpc>
+              <a:buFontTx/>
+              <a:buChar char="-"/>
+            </a:pPr>
+            <a:r>
+              <a:rPr lang="ko-KR" altLang="en-US" sz="1000" dirty="0"/>
+              <a:t>다른 </a:t>
+            </a:r>
+            <a:r>
+              <a:rPr lang="en-US" altLang="ko-KR" sz="1000" dirty="0"/>
+              <a:t>application</a:t>
+            </a:r>
+            <a:r>
+              <a:rPr lang="ko-KR" altLang="en-US" sz="1000" dirty="0"/>
+              <a:t>이 </a:t>
+            </a:r>
+            <a:r>
+              <a:rPr lang="en-US" altLang="ko-KR" sz="1000" dirty="0"/>
+              <a:t>app data</a:t>
+            </a:r>
+            <a:r>
+              <a:rPr lang="ko-KR" altLang="en-US" sz="1000" dirty="0"/>
+              <a:t>에 안전하게 액세스하여 이를 수정할 수 있도록 허용</a:t>
+            </a:r>
+            <a:endParaRPr lang="en-US" altLang="ko-KR" sz="1000" dirty="0"/>
+          </a:p>
+        </p:txBody>
+      </p:sp>
+      <p:pic>
+        <p:nvPicPr>
+          <p:cNvPr id="16" name="그림 15">
+            <a:extLst>
+              <a:ext uri="{FF2B5EF4-FFF2-40B4-BE49-F238E27FC236}">
+                <a16:creationId xmlns:a16="http://schemas.microsoft.com/office/drawing/2014/main" id="{7C4BFE4D-EB8E-DC0B-BC2B-E8B42A4E25F7}"/>
+              </a:ext>
+            </a:extLst>
+          </p:cNvPr>
+          <p:cNvPicPr>
+            <a:picLocks noChangeAspect="1"/>
+          </p:cNvPicPr>
+          <p:nvPr/>
+        </p:nvPicPr>
+        <p:blipFill>
+          <a:blip r:embed="rId3">
+            <a:extLst>
+              <a:ext uri="{28A0092B-C50C-407E-A947-70E740481C1C}">
+                <a14:useLocalDpi xmlns:a14="http://schemas.microsoft.com/office/drawing/2010/main" val="0"/>
+              </a:ext>
+            </a:extLst>
+          </a:blip>
+          <a:srcRect/>
+          <a:stretch/>
+        </p:blipFill>
+        <p:spPr>
+          <a:xfrm>
+            <a:off x="10158391" y="896701"/>
+            <a:ext cx="1620000" cy="2880000"/>
+          </a:xfrm>
+          <a:prstGeom prst="rect">
+            <a:avLst/>
+          </a:prstGeom>
+        </p:spPr>
+      </p:pic>
+      <p:pic>
+        <p:nvPicPr>
+          <p:cNvPr id="4" name="그림 3">
+            <a:extLst>
+              <a:ext uri="{FF2B5EF4-FFF2-40B4-BE49-F238E27FC236}">
+                <a16:creationId xmlns:a16="http://schemas.microsoft.com/office/drawing/2014/main" id="{BDF09E38-DC04-394E-59E0-2364BB35707C}"/>
+              </a:ext>
+            </a:extLst>
+          </p:cNvPr>
+          <p:cNvPicPr>
+            <a:picLocks noChangeAspect="1"/>
+          </p:cNvPicPr>
+          <p:nvPr/>
+        </p:nvPicPr>
+        <p:blipFill>
+          <a:blip r:embed="rId4"/>
+          <a:stretch>
+            <a:fillRect/>
+          </a:stretch>
+        </p:blipFill>
+        <p:spPr>
+          <a:xfrm>
+            <a:off x="4804707" y="4136822"/>
+            <a:ext cx="5144541" cy="1930310"/>
+          </a:xfrm>
+          <a:prstGeom prst="rect">
+            <a:avLst/>
+          </a:prstGeom>
+        </p:spPr>
+      </p:pic>
+      <p:pic>
+        <p:nvPicPr>
+          <p:cNvPr id="9" name="그림 8">
+            <a:extLst>
+              <a:ext uri="{FF2B5EF4-FFF2-40B4-BE49-F238E27FC236}">
+                <a16:creationId xmlns:a16="http://schemas.microsoft.com/office/drawing/2014/main" id="{B0CC6C7E-CD6F-34D5-8877-E1F83A9E75D9}"/>
+              </a:ext>
+            </a:extLst>
+          </p:cNvPr>
+          <p:cNvPicPr>
+            <a:picLocks noChangeAspect="1"/>
+          </p:cNvPicPr>
+          <p:nvPr/>
+        </p:nvPicPr>
+        <p:blipFill>
+          <a:blip r:embed="rId5"/>
+          <a:stretch>
+            <a:fillRect/>
+          </a:stretch>
+        </p:blipFill>
+        <p:spPr>
+          <a:xfrm>
+            <a:off x="4804707" y="896701"/>
+            <a:ext cx="5144541" cy="2736458"/>
+          </a:xfrm>
+          <a:prstGeom prst="rect">
+            <a:avLst/>
+          </a:prstGeom>
+        </p:spPr>
+      </p:pic>
+      <p:sp>
+        <p:nvSpPr>
+          <p:cNvPr id="3" name="직사각형 2">
+            <a:extLst>
+              <a:ext uri="{FF2B5EF4-FFF2-40B4-BE49-F238E27FC236}">
+                <a16:creationId xmlns:a16="http://schemas.microsoft.com/office/drawing/2014/main" id="{79FB360F-A14D-F015-CC2F-82C7F5E143DC}"/>
+              </a:ext>
+            </a:extLst>
+          </p:cNvPr>
+          <p:cNvSpPr/>
+          <p:nvPr/>
+        </p:nvSpPr>
+        <p:spPr>
+          <a:xfrm>
+            <a:off x="4980350" y="2247544"/>
+            <a:ext cx="2366600" cy="463905"/>
+          </a:xfrm>
+          <a:prstGeom prst="rect">
+            <a:avLst/>
+          </a:prstGeom>
+          <a:noFill/>
+          <a:ln w="9525">
+            <a:solidFill>
+              <a:srgbClr val="FF0000"/>
+            </a:solidFill>
+          </a:ln>
+        </p:spPr>
+        <p:style>
+          <a:lnRef idx="2">
+            <a:schemeClr val="accent1">
+              <a:shade val="15000"/>
+            </a:schemeClr>
+          </a:lnRef>
+          <a:fillRef idx="1">
+            <a:schemeClr val="accent1"/>
+          </a:fillRef>
+          <a:effectRef idx="0">
+            <a:schemeClr val="accent1"/>
+          </a:effectRef>
+          <a:fontRef idx="minor">
+            <a:schemeClr val="lt1"/>
+          </a:fontRef>
+        </p:style>
+        <p:txBody>
+          <a:bodyPr rtlCol="0" anchor="ctr"/>
+          <a:lstStyle/>
+          <a:p>
+            <a:pPr algn="ctr"/>
+            <a:endParaRPr lang="ko-KR" altLang="en-US"/>
+          </a:p>
+        </p:txBody>
+      </p:sp>
+      <p:sp>
+        <p:nvSpPr>
+          <p:cNvPr id="6" name="직사각형 5">
+            <a:extLst>
+              <a:ext uri="{FF2B5EF4-FFF2-40B4-BE49-F238E27FC236}">
+                <a16:creationId xmlns:a16="http://schemas.microsoft.com/office/drawing/2014/main" id="{39F3C11E-3306-BEB5-2F2B-3B2548AFEE9B}"/>
+              </a:ext>
+            </a:extLst>
+          </p:cNvPr>
+          <p:cNvSpPr/>
+          <p:nvPr/>
+        </p:nvSpPr>
+        <p:spPr>
+          <a:xfrm>
+            <a:off x="5107350" y="5089276"/>
+            <a:ext cx="3020650" cy="581274"/>
+          </a:xfrm>
+          <a:prstGeom prst="rect">
+            <a:avLst/>
+          </a:prstGeom>
+          <a:noFill/>
+          <a:ln w="9525">
+            <a:solidFill>
+              <a:srgbClr val="FF0000"/>
+            </a:solidFill>
+          </a:ln>
+        </p:spPr>
+        <p:style>
+          <a:lnRef idx="2">
+            <a:schemeClr val="accent1">
+              <a:shade val="15000"/>
+            </a:schemeClr>
+          </a:lnRef>
+          <a:fillRef idx="1">
+            <a:schemeClr val="accent1"/>
+          </a:fillRef>
+          <a:effectRef idx="0">
+            <a:schemeClr val="accent1"/>
+          </a:effectRef>
+          <a:fontRef idx="minor">
+            <a:schemeClr val="lt1"/>
+          </a:fontRef>
+        </p:style>
+        <p:txBody>
+          <a:bodyPr rtlCol="0" anchor="ctr"/>
+          <a:lstStyle/>
+          <a:p>
+            <a:pPr algn="ctr"/>
+            <a:endParaRPr lang="ko-KR" altLang="en-US"/>
+          </a:p>
+        </p:txBody>
+      </p:sp>
+      <p:sp>
+        <p:nvSpPr>
+          <p:cNvPr id="8" name="TextBox 7">
+            <a:extLst>
+              <a:ext uri="{FF2B5EF4-FFF2-40B4-BE49-F238E27FC236}">
+                <a16:creationId xmlns:a16="http://schemas.microsoft.com/office/drawing/2014/main" id="{D79BEEBE-AB53-E983-479C-4BC6145EBFF7}"/>
+              </a:ext>
+            </a:extLst>
+          </p:cNvPr>
+          <p:cNvSpPr txBox="1"/>
+          <p:nvPr/>
+        </p:nvSpPr>
+        <p:spPr>
+          <a:xfrm>
+            <a:off x="7346950" y="2118223"/>
+            <a:ext cx="564090" cy="293414"/>
+          </a:xfrm>
+          <a:prstGeom prst="rect">
+            <a:avLst/>
+          </a:prstGeom>
+          <a:noFill/>
+        </p:spPr>
+        <p:txBody>
+          <a:bodyPr wrap="square" rtlCol="0">
+            <a:spAutoFit/>
+          </a:bodyPr>
+          <a:lstStyle/>
+          <a:p>
+            <a:pPr>
+              <a:lnSpc>
+                <a:spcPct val="150000"/>
+              </a:lnSpc>
+            </a:pPr>
+            <a:r>
+              <a:rPr lang="ko-KR" altLang="en-US" sz="1000">
+                <a:solidFill>
+                  <a:srgbClr val="FF0000"/>
+                </a:solidFill>
+              </a:rPr>
+              <a:t>필수</a:t>
+            </a:r>
+            <a:endParaRPr lang="en-US" altLang="ko-KR" sz="1000" dirty="0">
+              <a:solidFill>
+                <a:srgbClr val="FF0000"/>
+              </a:solidFill>
+            </a:endParaRPr>
+          </a:p>
+        </p:txBody>
+      </p:sp>
+      <p:sp>
+        <p:nvSpPr>
+          <p:cNvPr id="10" name="직사각형 9">
+            <a:extLst>
+              <a:ext uri="{FF2B5EF4-FFF2-40B4-BE49-F238E27FC236}">
+                <a16:creationId xmlns:a16="http://schemas.microsoft.com/office/drawing/2014/main" id="{99D6AEF4-BB08-6CE3-2386-15D5576B9137}"/>
+              </a:ext>
+            </a:extLst>
+          </p:cNvPr>
+          <p:cNvSpPr/>
+          <p:nvPr/>
+        </p:nvSpPr>
+        <p:spPr>
+          <a:xfrm>
+            <a:off x="4804707" y="1450519"/>
+            <a:ext cx="5144540" cy="2054680"/>
+          </a:xfrm>
+          <a:prstGeom prst="rect">
+            <a:avLst/>
+          </a:prstGeom>
+          <a:noFill/>
+          <a:ln w="9525">
+            <a:solidFill>
+              <a:srgbClr val="FF0000"/>
+            </a:solidFill>
+          </a:ln>
+        </p:spPr>
+        <p:style>
+          <a:lnRef idx="2">
+            <a:schemeClr val="accent1">
+              <a:shade val="15000"/>
+            </a:schemeClr>
+          </a:lnRef>
+          <a:fillRef idx="1">
+            <a:schemeClr val="accent1"/>
+          </a:fillRef>
+          <a:effectRef idx="0">
+            <a:schemeClr val="accent1"/>
+          </a:effectRef>
+          <a:fontRef idx="minor">
+            <a:schemeClr val="lt1"/>
+          </a:fontRef>
+        </p:style>
+        <p:txBody>
+          <a:bodyPr rtlCol="0" anchor="ctr"/>
+          <a:lstStyle/>
+          <a:p>
+            <a:pPr algn="ctr"/>
+            <a:endParaRPr lang="ko-KR" altLang="en-US"/>
+          </a:p>
+        </p:txBody>
+      </p:sp>
+      <p:cxnSp>
+        <p:nvCxnSpPr>
+          <p:cNvPr id="12" name="직선 화살표 연결선 11">
+            <a:extLst>
+              <a:ext uri="{FF2B5EF4-FFF2-40B4-BE49-F238E27FC236}">
+                <a16:creationId xmlns:a16="http://schemas.microsoft.com/office/drawing/2014/main" id="{3FA5188A-FFFB-786D-0626-E7B5A0F1E1A6}"/>
+              </a:ext>
+            </a:extLst>
+          </p:cNvPr>
+          <p:cNvCxnSpPr>
+            <a:cxnSpLocks/>
+          </p:cNvCxnSpPr>
+          <p:nvPr/>
+        </p:nvCxnSpPr>
+        <p:spPr>
+          <a:xfrm flipV="1">
+            <a:off x="7823200" y="3505199"/>
+            <a:ext cx="546100" cy="1584077"/>
+          </a:xfrm>
+          <a:prstGeom prst="straightConnector1">
+            <a:avLst/>
+          </a:prstGeom>
+          <a:ln>
+            <a:solidFill>
+              <a:srgbClr val="FF0000"/>
+            </a:solidFill>
+            <a:tailEnd type="triangle"/>
+          </a:ln>
+        </p:spPr>
+        <p:style>
+          <a:lnRef idx="2">
+            <a:schemeClr val="accent1"/>
+          </a:lnRef>
+          <a:fillRef idx="0">
+            <a:schemeClr val="accent1"/>
+          </a:fillRef>
+          <a:effectRef idx="1">
+            <a:schemeClr val="accent1"/>
+          </a:effectRef>
+          <a:fontRef idx="minor">
+            <a:schemeClr val="tx1"/>
+          </a:fontRef>
+        </p:style>
+      </p:cxnSp>
+      <p:cxnSp>
+        <p:nvCxnSpPr>
+          <p:cNvPr id="15" name="직선 화살표 연결선 14">
+            <a:extLst>
+              <a:ext uri="{FF2B5EF4-FFF2-40B4-BE49-F238E27FC236}">
+                <a16:creationId xmlns:a16="http://schemas.microsoft.com/office/drawing/2014/main" id="{06693D8A-6150-B6E0-13AF-294417A80B66}"/>
+              </a:ext>
+            </a:extLst>
+          </p:cNvPr>
+          <p:cNvCxnSpPr>
+            <a:cxnSpLocks/>
+            <a:stCxn id="10" idx="3"/>
+            <a:endCxn id="16" idx="1"/>
+          </p:cNvCxnSpPr>
+          <p:nvPr/>
+        </p:nvCxnSpPr>
+        <p:spPr>
+          <a:xfrm flipV="1">
+            <a:off x="9949247" y="2336701"/>
+            <a:ext cx="209144" cy="141158"/>
+          </a:xfrm>
+          <a:prstGeom prst="straightConnector1">
+            <a:avLst/>
+          </a:prstGeom>
+          <a:ln>
+            <a:solidFill>
+              <a:srgbClr val="FF0000"/>
+            </a:solidFill>
+            <a:tailEnd type="triangle"/>
+          </a:ln>
+        </p:spPr>
+        <p:style>
+          <a:lnRef idx="2">
+            <a:schemeClr val="accent1"/>
+          </a:lnRef>
+          <a:fillRef idx="0">
+            <a:schemeClr val="accent1"/>
+          </a:fillRef>
+          <a:effectRef idx="1">
+            <a:schemeClr val="accent1"/>
+          </a:effectRef>
+          <a:fontRef idx="minor">
+            <a:schemeClr val="tx1"/>
+          </a:fontRef>
+        </p:style>
+      </p:cxnSp>
+      <p:sp>
+        <p:nvSpPr>
+          <p:cNvPr id="13" name="TextBox 12">
+            <a:extLst>
+              <a:ext uri="{FF2B5EF4-FFF2-40B4-BE49-F238E27FC236}">
+                <a16:creationId xmlns:a16="http://schemas.microsoft.com/office/drawing/2014/main" id="{EEBEF976-EF42-5DE0-3DCA-B9892B5A8BE5}"/>
+              </a:ext>
+            </a:extLst>
+          </p:cNvPr>
+          <p:cNvSpPr txBox="1"/>
+          <p:nvPr/>
+        </p:nvSpPr>
+        <p:spPr>
+          <a:xfrm>
+            <a:off x="-31396" y="6661706"/>
+            <a:ext cx="4438651" cy="213007"/>
+          </a:xfrm>
+          <a:prstGeom prst="rect">
+            <a:avLst/>
+          </a:prstGeom>
+          <a:noFill/>
+        </p:spPr>
+        <p:txBody>
+          <a:bodyPr wrap="square" rtlCol="0">
+            <a:spAutoFit/>
+          </a:bodyPr>
+          <a:lstStyle/>
+          <a:p>
+            <a:pPr>
+              <a:lnSpc>
+                <a:spcPct val="150000"/>
+              </a:lnSpc>
+            </a:pPr>
+            <a:r>
+              <a:rPr lang="en-US" altLang="ko-KR" sz="600" dirty="0"/>
+              <a:t>IPC: </a:t>
+            </a:r>
+            <a:r>
+              <a:rPr lang="en-US" altLang="ko-KR" sz="600" dirty="0" err="1"/>
+              <a:t>InterProcess</a:t>
+            </a:r>
+            <a:r>
+              <a:rPr lang="en-US" altLang="ko-KR" sz="600" dirty="0"/>
+              <a:t> Communication</a:t>
+            </a:r>
+          </a:p>
+        </p:txBody>
+      </p:sp>
+      <p:sp>
+        <p:nvSpPr>
+          <p:cNvPr id="14" name="TextBox 13">
+            <a:extLst>
+              <a:ext uri="{FF2B5EF4-FFF2-40B4-BE49-F238E27FC236}">
+                <a16:creationId xmlns:a16="http://schemas.microsoft.com/office/drawing/2014/main" id="{1995996F-F342-8031-C6A1-ADF71112D1E5}"/>
+              </a:ext>
+            </a:extLst>
+          </p:cNvPr>
+          <p:cNvSpPr txBox="1"/>
+          <p:nvPr/>
+        </p:nvSpPr>
+        <p:spPr>
+          <a:xfrm>
+            <a:off x="311150" y="2477859"/>
+            <a:ext cx="4438651" cy="524246"/>
+          </a:xfrm>
+          <a:prstGeom prst="rect">
+            <a:avLst/>
+          </a:prstGeom>
+          <a:noFill/>
+        </p:spPr>
+        <p:txBody>
+          <a:bodyPr wrap="square" rtlCol="0">
+            <a:spAutoFit/>
+          </a:bodyPr>
+          <a:lstStyle/>
+          <a:p>
+            <a:pPr>
+              <a:lnSpc>
+                <a:spcPct val="150000"/>
+              </a:lnSpc>
+            </a:pPr>
+            <a:r>
+              <a:rPr lang="en-US" altLang="ko-KR" sz="1000" dirty="0"/>
+              <a:t>- </a:t>
+            </a:r>
+            <a:r>
+              <a:rPr lang="en-US" altLang="ko-KR" sz="1000" dirty="0" err="1"/>
+              <a:t>ContentResolver</a:t>
+            </a:r>
+            <a:r>
+              <a:rPr lang="en-US" altLang="ko-KR" sz="1000" dirty="0"/>
+              <a:t> </a:t>
+            </a:r>
+            <a:r>
+              <a:rPr lang="ko-KR" altLang="en-US" sz="1000" dirty="0"/>
+              <a:t>객체가 </a:t>
+            </a:r>
+            <a:r>
+              <a:rPr lang="en-US" altLang="ko-KR" sz="1000" dirty="0" err="1"/>
+              <a:t>ContentProvider</a:t>
+            </a:r>
+            <a:r>
+              <a:rPr lang="ko-KR" altLang="en-US" sz="1000" dirty="0"/>
+              <a:t>에 </a:t>
+            </a:r>
+            <a:r>
+              <a:rPr lang="en-US" altLang="ko-KR" sz="1000" dirty="0"/>
+              <a:t>data</a:t>
+            </a:r>
+            <a:r>
+              <a:rPr lang="ko-KR" altLang="en-US" sz="1000" dirty="0"/>
+              <a:t>를 요청하게 되고 </a:t>
+            </a:r>
+            <a:r>
+              <a:rPr lang="en-US" altLang="ko-KR" sz="1000" dirty="0" err="1"/>
+              <a:t>ContentProvider</a:t>
+            </a:r>
+            <a:r>
+              <a:rPr lang="ko-KR" altLang="en-US" sz="1000" dirty="0"/>
+              <a:t>는 요청된 작업을 </a:t>
+            </a:r>
+            <a:r>
+              <a:rPr lang="ko-KR" altLang="en-US" sz="1000" dirty="0" err="1"/>
+              <a:t>싱행하고</a:t>
+            </a:r>
+            <a:r>
+              <a:rPr lang="ko-KR" altLang="en-US" sz="1000" dirty="0"/>
+              <a:t> 결과를 반환하는 구조</a:t>
+            </a:r>
+            <a:endParaRPr lang="en-US" altLang="ko-KR" sz="1000" dirty="0"/>
+          </a:p>
+        </p:txBody>
+      </p:sp>
+      <p:sp>
+        <p:nvSpPr>
+          <p:cNvPr id="17" name="TextBox 16">
+            <a:extLst>
+              <a:ext uri="{FF2B5EF4-FFF2-40B4-BE49-F238E27FC236}">
+                <a16:creationId xmlns:a16="http://schemas.microsoft.com/office/drawing/2014/main" id="{0E57777E-E1FB-0A7A-E194-26A7E6F12719}"/>
+              </a:ext>
+            </a:extLst>
+          </p:cNvPr>
+          <p:cNvSpPr txBox="1"/>
+          <p:nvPr/>
+        </p:nvSpPr>
+        <p:spPr>
+          <a:xfrm>
+            <a:off x="11482980" y="6581001"/>
+            <a:ext cx="709020" cy="276999"/>
+          </a:xfrm>
+          <a:prstGeom prst="rect">
+            <a:avLst/>
+          </a:prstGeom>
+          <a:noFill/>
+        </p:spPr>
+        <p:txBody>
+          <a:bodyPr wrap="square" rtlCol="0">
+            <a:spAutoFit/>
+          </a:bodyPr>
+          <a:lstStyle/>
+          <a:p>
+            <a:pPr algn="r"/>
+            <a:r>
+              <a:rPr lang="en-US" altLang="ko-KR" sz="1200" dirty="0"/>
+              <a:t>Ch12</a:t>
+            </a:r>
+            <a:endParaRPr lang="ko-KR" altLang="en-US" sz="1200" dirty="0"/>
+          </a:p>
+        </p:txBody>
+      </p:sp>
+    </p:spTree>
+    <p:extLst>
+      <p:ext uri="{BB962C8B-B14F-4D97-AF65-F5344CB8AC3E}">
+        <p14:creationId xmlns:p14="http://schemas.microsoft.com/office/powerpoint/2010/main" val="11171681"/>
+      </p:ext>
+    </p:extLst>
+  </p:cSld>
+  <p:clrMapOvr>
+    <a:masterClrMapping/>
+  </p:clrMapOvr>
+</p:sld>
+</file>
+
+<file path=ppt/slides/slide16.xml><?xml version="1.0" encoding="utf-8"?>
+<p:sld xmlns:a="http://schemas.openxmlformats.org/drawingml/2006/main" xmlns:r="http://schemas.openxmlformats.org/officeDocument/2006/relationships" xmlns:p="http://schemas.openxmlformats.org/presentationml/2006/main">
+  <p:cSld>
+    <p:spTree>
+      <p:nvGrpSpPr>
+        <p:cNvPr id="1" name=""/>
+        <p:cNvGrpSpPr/>
+        <p:nvPr/>
+      </p:nvGrpSpPr>
+      <p:grpSpPr>
+        <a:xfrm>
+          <a:off x="0" y="0"/>
+          <a:ext cx="0" cy="0"/>
+          <a:chOff x="0" y="0"/>
+          <a:chExt cx="0" cy="0"/>
+        </a:xfrm>
+      </p:grpSpPr>
+      <p:sp>
+        <p:nvSpPr>
+          <p:cNvPr id="5" name="TextBox 4">
+            <a:extLst>
+              <a:ext uri="{FF2B5EF4-FFF2-40B4-BE49-F238E27FC236}">
+                <a16:creationId xmlns:a16="http://schemas.microsoft.com/office/drawing/2014/main" id="{78D9FF8D-6741-6CDE-7D28-42AB81CDC249}"/>
+              </a:ext>
+            </a:extLst>
+          </p:cNvPr>
+          <p:cNvSpPr txBox="1"/>
+          <p:nvPr/>
+        </p:nvSpPr>
+        <p:spPr>
+          <a:xfrm>
+            <a:off x="311150" y="211668"/>
+            <a:ext cx="3936110" cy="323165"/>
+          </a:xfrm>
+          <a:prstGeom prst="rect">
+            <a:avLst/>
+          </a:prstGeom>
+          <a:noFill/>
+        </p:spPr>
+        <p:txBody>
+          <a:bodyPr wrap="square" rtlCol="0">
+            <a:spAutoFit/>
+          </a:bodyPr>
+          <a:lstStyle/>
+          <a:p>
+            <a:r>
+              <a:rPr lang="ko-KR" altLang="en-US" sz="1500" dirty="0"/>
+              <a:t>공유 프레퍼런스 </a:t>
+            </a:r>
+            <a:r>
+              <a:rPr lang="en-US" altLang="ko-KR" sz="1500" dirty="0"/>
+              <a:t>(Shared Preferences)</a:t>
+            </a:r>
+            <a:endParaRPr lang="ko-KR" altLang="en-US" sz="1500" dirty="0"/>
+          </a:p>
+        </p:txBody>
+      </p:sp>
+      <p:cxnSp>
+        <p:nvCxnSpPr>
+          <p:cNvPr id="7" name="직선 연결선 6">
+            <a:extLst>
+              <a:ext uri="{FF2B5EF4-FFF2-40B4-BE49-F238E27FC236}">
+                <a16:creationId xmlns:a16="http://schemas.microsoft.com/office/drawing/2014/main" id="{396ABC2F-46EF-B557-13D1-C557F1EE561D}"/>
+              </a:ext>
+            </a:extLst>
+          </p:cNvPr>
+          <p:cNvCxnSpPr/>
+          <p:nvPr/>
+        </p:nvCxnSpPr>
+        <p:spPr>
+          <a:xfrm>
+            <a:off x="311150" y="640665"/>
+            <a:ext cx="11499850" cy="0"/>
+          </a:xfrm>
+          <a:prstGeom prst="line">
+            <a:avLst/>
+          </a:prstGeom>
+        </p:spPr>
+        <p:style>
+          <a:lnRef idx="2">
+            <a:schemeClr val="accent1"/>
+          </a:lnRef>
+          <a:fillRef idx="0">
+            <a:schemeClr val="accent1"/>
+          </a:fillRef>
+          <a:effectRef idx="1">
+            <a:schemeClr val="accent1"/>
+          </a:effectRef>
+          <a:fontRef idx="minor">
+            <a:schemeClr val="tx1"/>
+          </a:fontRef>
+        </p:style>
+      </p:cxnSp>
+      <p:sp>
+        <p:nvSpPr>
+          <p:cNvPr id="2" name="TextBox 1">
+            <a:extLst>
+              <a:ext uri="{FF2B5EF4-FFF2-40B4-BE49-F238E27FC236}">
+                <a16:creationId xmlns:a16="http://schemas.microsoft.com/office/drawing/2014/main" id="{2EA40919-2997-094D-20D5-E3A896A60509}"/>
+              </a:ext>
+            </a:extLst>
+          </p:cNvPr>
+          <p:cNvSpPr txBox="1"/>
+          <p:nvPr/>
+        </p:nvSpPr>
+        <p:spPr>
+          <a:xfrm>
+            <a:off x="311150" y="962318"/>
+            <a:ext cx="4438651" cy="985911"/>
+          </a:xfrm>
+          <a:prstGeom prst="rect">
+            <a:avLst/>
+          </a:prstGeom>
+          <a:noFill/>
+        </p:spPr>
+        <p:txBody>
+          <a:bodyPr wrap="square" rtlCol="0">
+            <a:spAutoFit/>
+          </a:bodyPr>
+          <a:lstStyle/>
+          <a:p>
+            <a:pPr marL="171450" indent="-171450">
+              <a:lnSpc>
+                <a:spcPct val="150000"/>
+              </a:lnSpc>
+              <a:buFontTx/>
+              <a:buChar char="-"/>
+            </a:pPr>
+            <a:r>
+              <a:rPr lang="ko-KR" altLang="en-US" sz="1000" dirty="0"/>
+              <a:t>다른</a:t>
+            </a:r>
+            <a:r>
+              <a:rPr lang="en-US" altLang="ko-KR" sz="1000" dirty="0"/>
+              <a:t> application</a:t>
+            </a:r>
+            <a:r>
+              <a:rPr lang="ko-KR" altLang="en-US" sz="1000" dirty="0"/>
+              <a:t>에 </a:t>
+            </a:r>
+            <a:r>
+              <a:rPr lang="en-US" altLang="ko-KR" sz="1000" dirty="0"/>
+              <a:t>data</a:t>
+            </a:r>
+            <a:r>
+              <a:rPr lang="ko-KR" altLang="en-US" sz="1000" dirty="0"/>
+              <a:t>를 공급하는 역할</a:t>
+            </a:r>
+            <a:endParaRPr lang="en-US" altLang="ko-KR" sz="1000" dirty="0"/>
+          </a:p>
+          <a:p>
+            <a:pPr marL="171450" indent="-171450">
+              <a:lnSpc>
+                <a:spcPct val="150000"/>
+              </a:lnSpc>
+              <a:buFontTx/>
+              <a:buChar char="-"/>
+            </a:pPr>
+            <a:r>
+              <a:rPr lang="en-US" altLang="ko-KR" sz="1000" dirty="0"/>
+              <a:t>Data </a:t>
+            </a:r>
+            <a:r>
+              <a:rPr lang="ko-KR" altLang="en-US" sz="1000" dirty="0"/>
+              <a:t>공급을 </a:t>
+            </a:r>
+            <a:r>
+              <a:rPr lang="ko-KR" altLang="en-US" sz="1000" dirty="0" err="1"/>
+              <a:t>추상화하여</a:t>
+            </a:r>
+            <a:r>
+              <a:rPr lang="ko-KR" altLang="en-US" sz="1000" dirty="0"/>
+              <a:t> </a:t>
+            </a:r>
+            <a:r>
+              <a:rPr lang="en-US" altLang="ko-KR" sz="1000" dirty="0"/>
+              <a:t>data </a:t>
+            </a:r>
+            <a:r>
+              <a:rPr lang="ko-KR" altLang="en-US" sz="1000" dirty="0"/>
+              <a:t>계층과 </a:t>
+            </a:r>
+            <a:r>
+              <a:rPr lang="en-US" altLang="ko-KR" sz="1000" dirty="0"/>
+              <a:t>application </a:t>
+            </a:r>
+            <a:r>
+              <a:rPr lang="ko-KR" altLang="en-US" sz="1000" dirty="0"/>
+              <a:t>계층을 분리</a:t>
+            </a:r>
+            <a:endParaRPr lang="en-US" altLang="ko-KR" sz="1000" dirty="0"/>
+          </a:p>
+          <a:p>
+            <a:pPr marL="171450" indent="-171450">
+              <a:lnSpc>
+                <a:spcPct val="150000"/>
+              </a:lnSpc>
+              <a:buFontTx/>
+              <a:buChar char="-"/>
+            </a:pPr>
+            <a:r>
+              <a:rPr lang="ko-KR" altLang="en-US" sz="1000" dirty="0"/>
+              <a:t>다른 </a:t>
+            </a:r>
+            <a:r>
+              <a:rPr lang="en-US" altLang="ko-KR" sz="1000" dirty="0"/>
+              <a:t>application</a:t>
+            </a:r>
+            <a:r>
+              <a:rPr lang="ko-KR" altLang="en-US" sz="1000" dirty="0"/>
+              <a:t>이 </a:t>
+            </a:r>
+            <a:r>
+              <a:rPr lang="en-US" altLang="ko-KR" sz="1000" dirty="0"/>
+              <a:t>app data</a:t>
+            </a:r>
+            <a:r>
+              <a:rPr lang="ko-KR" altLang="en-US" sz="1000" dirty="0"/>
+              <a:t>에 안전하게 액세스하여 이를 수정할 수 있도록 허용</a:t>
+            </a:r>
+            <a:endParaRPr lang="en-US" altLang="ko-KR" sz="1000" dirty="0"/>
+          </a:p>
+        </p:txBody>
+      </p:sp>
+      <p:pic>
+        <p:nvPicPr>
+          <p:cNvPr id="16" name="그림 15">
+            <a:extLst>
+              <a:ext uri="{FF2B5EF4-FFF2-40B4-BE49-F238E27FC236}">
+                <a16:creationId xmlns:a16="http://schemas.microsoft.com/office/drawing/2014/main" id="{7C4BFE4D-EB8E-DC0B-BC2B-E8B42A4E25F7}"/>
+              </a:ext>
+            </a:extLst>
+          </p:cNvPr>
+          <p:cNvPicPr>
+            <a:picLocks noChangeAspect="1"/>
+          </p:cNvPicPr>
+          <p:nvPr/>
+        </p:nvPicPr>
+        <p:blipFill>
+          <a:blip r:embed="rId3">
+            <a:extLst>
+              <a:ext uri="{28A0092B-C50C-407E-A947-70E740481C1C}">
+                <a14:useLocalDpi xmlns:a14="http://schemas.microsoft.com/office/drawing/2010/main" val="0"/>
+              </a:ext>
+            </a:extLst>
+          </a:blip>
+          <a:srcRect/>
+          <a:stretch/>
+        </p:blipFill>
+        <p:spPr>
+          <a:xfrm>
+            <a:off x="10158391" y="896701"/>
+            <a:ext cx="1620000" cy="2880000"/>
+          </a:xfrm>
+          <a:prstGeom prst="rect">
+            <a:avLst/>
+          </a:prstGeom>
+        </p:spPr>
+      </p:pic>
+      <p:pic>
+        <p:nvPicPr>
+          <p:cNvPr id="4" name="그림 3">
+            <a:extLst>
+              <a:ext uri="{FF2B5EF4-FFF2-40B4-BE49-F238E27FC236}">
+                <a16:creationId xmlns:a16="http://schemas.microsoft.com/office/drawing/2014/main" id="{BDF09E38-DC04-394E-59E0-2364BB35707C}"/>
+              </a:ext>
+            </a:extLst>
+          </p:cNvPr>
+          <p:cNvPicPr>
+            <a:picLocks noChangeAspect="1"/>
+          </p:cNvPicPr>
+          <p:nvPr/>
+        </p:nvPicPr>
+        <p:blipFill>
+          <a:blip r:embed="rId4"/>
+          <a:stretch>
+            <a:fillRect/>
+          </a:stretch>
+        </p:blipFill>
+        <p:spPr>
+          <a:xfrm>
+            <a:off x="4804707" y="4136822"/>
+            <a:ext cx="5144541" cy="1930310"/>
+          </a:xfrm>
+          <a:prstGeom prst="rect">
+            <a:avLst/>
+          </a:prstGeom>
+        </p:spPr>
+      </p:pic>
+      <p:pic>
+        <p:nvPicPr>
+          <p:cNvPr id="9" name="그림 8">
+            <a:extLst>
+              <a:ext uri="{FF2B5EF4-FFF2-40B4-BE49-F238E27FC236}">
+                <a16:creationId xmlns:a16="http://schemas.microsoft.com/office/drawing/2014/main" id="{B0CC6C7E-CD6F-34D5-8877-E1F83A9E75D9}"/>
+              </a:ext>
+            </a:extLst>
+          </p:cNvPr>
+          <p:cNvPicPr>
+            <a:picLocks noChangeAspect="1"/>
+          </p:cNvPicPr>
+          <p:nvPr/>
+        </p:nvPicPr>
+        <p:blipFill>
+          <a:blip r:embed="rId5"/>
+          <a:stretch>
+            <a:fillRect/>
+          </a:stretch>
+        </p:blipFill>
+        <p:spPr>
+          <a:xfrm>
+            <a:off x="4804707" y="896701"/>
+            <a:ext cx="5144541" cy="2736458"/>
+          </a:xfrm>
+          <a:prstGeom prst="rect">
+            <a:avLst/>
+          </a:prstGeom>
+        </p:spPr>
+      </p:pic>
+      <p:sp>
+        <p:nvSpPr>
+          <p:cNvPr id="3" name="직사각형 2">
+            <a:extLst>
+              <a:ext uri="{FF2B5EF4-FFF2-40B4-BE49-F238E27FC236}">
+                <a16:creationId xmlns:a16="http://schemas.microsoft.com/office/drawing/2014/main" id="{79FB360F-A14D-F015-CC2F-82C7F5E143DC}"/>
+              </a:ext>
+            </a:extLst>
+          </p:cNvPr>
+          <p:cNvSpPr/>
+          <p:nvPr/>
+        </p:nvSpPr>
+        <p:spPr>
+          <a:xfrm>
+            <a:off x="4980350" y="2247544"/>
+            <a:ext cx="2366600" cy="463905"/>
+          </a:xfrm>
+          <a:prstGeom prst="rect">
+            <a:avLst/>
+          </a:prstGeom>
+          <a:noFill/>
+          <a:ln w="9525">
+            <a:solidFill>
+              <a:srgbClr val="FF0000"/>
+            </a:solidFill>
+          </a:ln>
+        </p:spPr>
+        <p:style>
+          <a:lnRef idx="2">
+            <a:schemeClr val="accent1">
+              <a:shade val="15000"/>
+            </a:schemeClr>
+          </a:lnRef>
+          <a:fillRef idx="1">
+            <a:schemeClr val="accent1"/>
+          </a:fillRef>
+          <a:effectRef idx="0">
+            <a:schemeClr val="accent1"/>
+          </a:effectRef>
+          <a:fontRef idx="minor">
+            <a:schemeClr val="lt1"/>
+          </a:fontRef>
+        </p:style>
+        <p:txBody>
+          <a:bodyPr rtlCol="0" anchor="ctr"/>
+          <a:lstStyle/>
+          <a:p>
+            <a:pPr algn="ctr"/>
+            <a:endParaRPr lang="ko-KR" altLang="en-US"/>
+          </a:p>
+        </p:txBody>
+      </p:sp>
+      <p:sp>
+        <p:nvSpPr>
+          <p:cNvPr id="6" name="직사각형 5">
+            <a:extLst>
+              <a:ext uri="{FF2B5EF4-FFF2-40B4-BE49-F238E27FC236}">
+                <a16:creationId xmlns:a16="http://schemas.microsoft.com/office/drawing/2014/main" id="{39F3C11E-3306-BEB5-2F2B-3B2548AFEE9B}"/>
+              </a:ext>
+            </a:extLst>
+          </p:cNvPr>
+          <p:cNvSpPr/>
+          <p:nvPr/>
+        </p:nvSpPr>
+        <p:spPr>
+          <a:xfrm>
+            <a:off x="5107350" y="5089276"/>
+            <a:ext cx="3020650" cy="581274"/>
+          </a:xfrm>
+          <a:prstGeom prst="rect">
+            <a:avLst/>
+          </a:prstGeom>
+          <a:noFill/>
+          <a:ln w="9525">
+            <a:solidFill>
+              <a:srgbClr val="FF0000"/>
+            </a:solidFill>
+          </a:ln>
+        </p:spPr>
+        <p:style>
+          <a:lnRef idx="2">
+            <a:schemeClr val="accent1">
+              <a:shade val="15000"/>
+            </a:schemeClr>
+          </a:lnRef>
+          <a:fillRef idx="1">
+            <a:schemeClr val="accent1"/>
+          </a:fillRef>
+          <a:effectRef idx="0">
+            <a:schemeClr val="accent1"/>
+          </a:effectRef>
+          <a:fontRef idx="minor">
+            <a:schemeClr val="lt1"/>
+          </a:fontRef>
+        </p:style>
+        <p:txBody>
+          <a:bodyPr rtlCol="0" anchor="ctr"/>
+          <a:lstStyle/>
+          <a:p>
+            <a:pPr algn="ctr"/>
+            <a:endParaRPr lang="ko-KR" altLang="en-US"/>
+          </a:p>
+        </p:txBody>
+      </p:sp>
+      <p:sp>
+        <p:nvSpPr>
+          <p:cNvPr id="8" name="TextBox 7">
+            <a:extLst>
+              <a:ext uri="{FF2B5EF4-FFF2-40B4-BE49-F238E27FC236}">
+                <a16:creationId xmlns:a16="http://schemas.microsoft.com/office/drawing/2014/main" id="{D79BEEBE-AB53-E983-479C-4BC6145EBFF7}"/>
+              </a:ext>
+            </a:extLst>
+          </p:cNvPr>
+          <p:cNvSpPr txBox="1"/>
+          <p:nvPr/>
+        </p:nvSpPr>
+        <p:spPr>
+          <a:xfrm>
+            <a:off x="7346950" y="2118223"/>
+            <a:ext cx="564090" cy="293414"/>
+          </a:xfrm>
+          <a:prstGeom prst="rect">
+            <a:avLst/>
+          </a:prstGeom>
+          <a:noFill/>
+        </p:spPr>
+        <p:txBody>
+          <a:bodyPr wrap="square" rtlCol="0">
+            <a:spAutoFit/>
+          </a:bodyPr>
+          <a:lstStyle/>
+          <a:p>
+            <a:pPr>
+              <a:lnSpc>
+                <a:spcPct val="150000"/>
+              </a:lnSpc>
+            </a:pPr>
+            <a:r>
+              <a:rPr lang="ko-KR" altLang="en-US" sz="1000">
+                <a:solidFill>
+                  <a:srgbClr val="FF0000"/>
+                </a:solidFill>
+              </a:rPr>
+              <a:t>필수</a:t>
+            </a:r>
+            <a:endParaRPr lang="en-US" altLang="ko-KR" sz="1000" dirty="0">
+              <a:solidFill>
+                <a:srgbClr val="FF0000"/>
+              </a:solidFill>
+            </a:endParaRPr>
+          </a:p>
+        </p:txBody>
+      </p:sp>
+      <p:sp>
+        <p:nvSpPr>
+          <p:cNvPr id="10" name="직사각형 9">
+            <a:extLst>
+              <a:ext uri="{FF2B5EF4-FFF2-40B4-BE49-F238E27FC236}">
+                <a16:creationId xmlns:a16="http://schemas.microsoft.com/office/drawing/2014/main" id="{99D6AEF4-BB08-6CE3-2386-15D5576B9137}"/>
+              </a:ext>
+            </a:extLst>
+          </p:cNvPr>
+          <p:cNvSpPr/>
+          <p:nvPr/>
+        </p:nvSpPr>
+        <p:spPr>
+          <a:xfrm>
+            <a:off x="4804707" y="1450519"/>
+            <a:ext cx="5144540" cy="2054680"/>
+          </a:xfrm>
+          <a:prstGeom prst="rect">
+            <a:avLst/>
+          </a:prstGeom>
+          <a:noFill/>
+          <a:ln w="9525">
+            <a:solidFill>
+              <a:srgbClr val="FF0000"/>
+            </a:solidFill>
+          </a:ln>
+        </p:spPr>
+        <p:style>
+          <a:lnRef idx="2">
+            <a:schemeClr val="accent1">
+              <a:shade val="15000"/>
+            </a:schemeClr>
+          </a:lnRef>
+          <a:fillRef idx="1">
+            <a:schemeClr val="accent1"/>
+          </a:fillRef>
+          <a:effectRef idx="0">
+            <a:schemeClr val="accent1"/>
+          </a:effectRef>
+          <a:fontRef idx="minor">
+            <a:schemeClr val="lt1"/>
+          </a:fontRef>
+        </p:style>
+        <p:txBody>
+          <a:bodyPr rtlCol="0" anchor="ctr"/>
+          <a:lstStyle/>
+          <a:p>
+            <a:pPr algn="ctr"/>
+            <a:endParaRPr lang="ko-KR" altLang="en-US"/>
+          </a:p>
+        </p:txBody>
+      </p:sp>
+      <p:cxnSp>
+        <p:nvCxnSpPr>
+          <p:cNvPr id="12" name="직선 화살표 연결선 11">
+            <a:extLst>
+              <a:ext uri="{FF2B5EF4-FFF2-40B4-BE49-F238E27FC236}">
+                <a16:creationId xmlns:a16="http://schemas.microsoft.com/office/drawing/2014/main" id="{3FA5188A-FFFB-786D-0626-E7B5A0F1E1A6}"/>
+              </a:ext>
+            </a:extLst>
+          </p:cNvPr>
+          <p:cNvCxnSpPr>
+            <a:cxnSpLocks/>
+          </p:cNvCxnSpPr>
+          <p:nvPr/>
+        </p:nvCxnSpPr>
+        <p:spPr>
+          <a:xfrm flipV="1">
+            <a:off x="7823200" y="3505199"/>
+            <a:ext cx="546100" cy="1584077"/>
+          </a:xfrm>
+          <a:prstGeom prst="straightConnector1">
+            <a:avLst/>
+          </a:prstGeom>
+          <a:ln>
+            <a:solidFill>
+              <a:srgbClr val="FF0000"/>
+            </a:solidFill>
+            <a:tailEnd type="triangle"/>
+          </a:ln>
+        </p:spPr>
+        <p:style>
+          <a:lnRef idx="2">
+            <a:schemeClr val="accent1"/>
+          </a:lnRef>
+          <a:fillRef idx="0">
+            <a:schemeClr val="accent1"/>
+          </a:fillRef>
+          <a:effectRef idx="1">
+            <a:schemeClr val="accent1"/>
+          </a:effectRef>
+          <a:fontRef idx="minor">
+            <a:schemeClr val="tx1"/>
+          </a:fontRef>
+        </p:style>
+      </p:cxnSp>
+      <p:cxnSp>
+        <p:nvCxnSpPr>
+          <p:cNvPr id="15" name="직선 화살표 연결선 14">
+            <a:extLst>
+              <a:ext uri="{FF2B5EF4-FFF2-40B4-BE49-F238E27FC236}">
+                <a16:creationId xmlns:a16="http://schemas.microsoft.com/office/drawing/2014/main" id="{06693D8A-6150-B6E0-13AF-294417A80B66}"/>
+              </a:ext>
+            </a:extLst>
+          </p:cNvPr>
+          <p:cNvCxnSpPr>
+            <a:cxnSpLocks/>
+            <a:stCxn id="10" idx="3"/>
+            <a:endCxn id="16" idx="1"/>
+          </p:cNvCxnSpPr>
+          <p:nvPr/>
+        </p:nvCxnSpPr>
+        <p:spPr>
+          <a:xfrm flipV="1">
+            <a:off x="9949247" y="2336701"/>
+            <a:ext cx="209144" cy="141158"/>
+          </a:xfrm>
+          <a:prstGeom prst="straightConnector1">
+            <a:avLst/>
+          </a:prstGeom>
+          <a:ln>
+            <a:solidFill>
+              <a:srgbClr val="FF0000"/>
+            </a:solidFill>
+            <a:tailEnd type="triangle"/>
+          </a:ln>
+        </p:spPr>
+        <p:style>
+          <a:lnRef idx="2">
+            <a:schemeClr val="accent1"/>
+          </a:lnRef>
+          <a:fillRef idx="0">
+            <a:schemeClr val="accent1"/>
+          </a:fillRef>
+          <a:effectRef idx="1">
+            <a:schemeClr val="accent1"/>
+          </a:effectRef>
+          <a:fontRef idx="minor">
+            <a:schemeClr val="tx1"/>
+          </a:fontRef>
+        </p:style>
+      </p:cxnSp>
+      <p:sp>
+        <p:nvSpPr>
+          <p:cNvPr id="13" name="TextBox 12">
+            <a:extLst>
+              <a:ext uri="{FF2B5EF4-FFF2-40B4-BE49-F238E27FC236}">
+                <a16:creationId xmlns:a16="http://schemas.microsoft.com/office/drawing/2014/main" id="{EEBEF976-EF42-5DE0-3DCA-B9892B5A8BE5}"/>
+              </a:ext>
+            </a:extLst>
+          </p:cNvPr>
+          <p:cNvSpPr txBox="1"/>
+          <p:nvPr/>
+        </p:nvSpPr>
+        <p:spPr>
+          <a:xfrm>
+            <a:off x="-31396" y="6661706"/>
+            <a:ext cx="4438651" cy="213007"/>
+          </a:xfrm>
+          <a:prstGeom prst="rect">
+            <a:avLst/>
+          </a:prstGeom>
+          <a:noFill/>
+        </p:spPr>
+        <p:txBody>
+          <a:bodyPr wrap="square" rtlCol="0">
+            <a:spAutoFit/>
+          </a:bodyPr>
+          <a:lstStyle/>
+          <a:p>
+            <a:pPr>
+              <a:lnSpc>
+                <a:spcPct val="150000"/>
+              </a:lnSpc>
+            </a:pPr>
+            <a:r>
+              <a:rPr lang="en-US" altLang="ko-KR" sz="600" dirty="0"/>
+              <a:t>IPC: </a:t>
+            </a:r>
+            <a:r>
+              <a:rPr lang="en-US" altLang="ko-KR" sz="600" dirty="0" err="1"/>
+              <a:t>InterProcess</a:t>
+            </a:r>
+            <a:r>
+              <a:rPr lang="en-US" altLang="ko-KR" sz="600" dirty="0"/>
+              <a:t> Communication</a:t>
+            </a:r>
+          </a:p>
+        </p:txBody>
+      </p:sp>
+      <p:sp>
+        <p:nvSpPr>
+          <p:cNvPr id="14" name="TextBox 13">
+            <a:extLst>
+              <a:ext uri="{FF2B5EF4-FFF2-40B4-BE49-F238E27FC236}">
+                <a16:creationId xmlns:a16="http://schemas.microsoft.com/office/drawing/2014/main" id="{1995996F-F342-8031-C6A1-ADF71112D1E5}"/>
+              </a:ext>
+            </a:extLst>
+          </p:cNvPr>
+          <p:cNvSpPr txBox="1"/>
+          <p:nvPr/>
+        </p:nvSpPr>
+        <p:spPr>
+          <a:xfrm>
+            <a:off x="311150" y="2477859"/>
+            <a:ext cx="4438651" cy="524246"/>
+          </a:xfrm>
+          <a:prstGeom prst="rect">
+            <a:avLst/>
+          </a:prstGeom>
+          <a:noFill/>
+        </p:spPr>
+        <p:txBody>
+          <a:bodyPr wrap="square" rtlCol="0">
+            <a:spAutoFit/>
+          </a:bodyPr>
+          <a:lstStyle/>
+          <a:p>
+            <a:pPr>
+              <a:lnSpc>
+                <a:spcPct val="150000"/>
+              </a:lnSpc>
+            </a:pPr>
+            <a:r>
+              <a:rPr lang="en-US" altLang="ko-KR" sz="1000" dirty="0"/>
+              <a:t>- </a:t>
+            </a:r>
+            <a:r>
+              <a:rPr lang="en-US" altLang="ko-KR" sz="1000" dirty="0" err="1"/>
+              <a:t>ContentResolver</a:t>
+            </a:r>
+            <a:r>
+              <a:rPr lang="en-US" altLang="ko-KR" sz="1000" dirty="0"/>
+              <a:t> </a:t>
+            </a:r>
+            <a:r>
+              <a:rPr lang="ko-KR" altLang="en-US" sz="1000" dirty="0"/>
+              <a:t>객체가 </a:t>
+            </a:r>
+            <a:r>
+              <a:rPr lang="en-US" altLang="ko-KR" sz="1000" dirty="0" err="1"/>
+              <a:t>ContentProvider</a:t>
+            </a:r>
+            <a:r>
+              <a:rPr lang="ko-KR" altLang="en-US" sz="1000" dirty="0"/>
+              <a:t>에 </a:t>
+            </a:r>
+            <a:r>
+              <a:rPr lang="en-US" altLang="ko-KR" sz="1000" dirty="0"/>
+              <a:t>data</a:t>
+            </a:r>
+            <a:r>
+              <a:rPr lang="ko-KR" altLang="en-US" sz="1000" dirty="0"/>
+              <a:t>를 요청하게 되고 </a:t>
+            </a:r>
+            <a:r>
+              <a:rPr lang="en-US" altLang="ko-KR" sz="1000" dirty="0" err="1"/>
+              <a:t>ContentProvider</a:t>
+            </a:r>
+            <a:r>
+              <a:rPr lang="ko-KR" altLang="en-US" sz="1000" dirty="0"/>
+              <a:t>는 요청된 작업을 </a:t>
+            </a:r>
+            <a:r>
+              <a:rPr lang="ko-KR" altLang="en-US" sz="1000" dirty="0" err="1"/>
+              <a:t>싱행하고</a:t>
+            </a:r>
+            <a:r>
+              <a:rPr lang="ko-KR" altLang="en-US" sz="1000" dirty="0"/>
+              <a:t> 결과를 반환하는 구조</a:t>
+            </a:r>
+            <a:endParaRPr lang="en-US" altLang="ko-KR" sz="1000" dirty="0"/>
+          </a:p>
+        </p:txBody>
+      </p:sp>
+      <p:sp>
+        <p:nvSpPr>
+          <p:cNvPr id="17" name="TextBox 16">
+            <a:extLst>
+              <a:ext uri="{FF2B5EF4-FFF2-40B4-BE49-F238E27FC236}">
+                <a16:creationId xmlns:a16="http://schemas.microsoft.com/office/drawing/2014/main" id="{0E57777E-E1FB-0A7A-E194-26A7E6F12719}"/>
+              </a:ext>
+            </a:extLst>
+          </p:cNvPr>
+          <p:cNvSpPr txBox="1"/>
+          <p:nvPr/>
+        </p:nvSpPr>
+        <p:spPr>
+          <a:xfrm>
+            <a:off x="11482980" y="6581001"/>
+            <a:ext cx="709020" cy="276999"/>
+          </a:xfrm>
+          <a:prstGeom prst="rect">
+            <a:avLst/>
+          </a:prstGeom>
+          <a:noFill/>
+        </p:spPr>
+        <p:txBody>
+          <a:bodyPr wrap="square" rtlCol="0">
+            <a:spAutoFit/>
+          </a:bodyPr>
+          <a:lstStyle/>
+          <a:p>
+            <a:pPr algn="r"/>
+            <a:r>
+              <a:rPr lang="en-US" altLang="ko-KR" sz="1200" dirty="0"/>
+              <a:t>Ch12</a:t>
+            </a:r>
+            <a:endParaRPr lang="ko-KR" altLang="en-US" sz="1200" dirty="0"/>
+          </a:p>
+        </p:txBody>
+      </p:sp>
+    </p:spTree>
+    <p:extLst>
+      <p:ext uri="{BB962C8B-B14F-4D97-AF65-F5344CB8AC3E}">
+        <p14:creationId xmlns:p14="http://schemas.microsoft.com/office/powerpoint/2010/main" val="239380529"/>
+      </p:ext>
+    </p:extLst>
+  </p:cSld>
+  <p:clrMapOvr>
+    <a:masterClrMapping/>
+  </p:clrMapOvr>
+</p:sld>
+</file>
+
+<file path=ppt/slides/slide17.xml><?xml version="1.0" encoding="utf-8"?>
+<p:sld xmlns:a="http://schemas.openxmlformats.org/drawingml/2006/main" xmlns:r="http://schemas.openxmlformats.org/officeDocument/2006/relationships" xmlns:p="http://schemas.openxmlformats.org/presentationml/2006/main">
+  <p:cSld>
+    <p:spTree>
+      <p:nvGrpSpPr>
+        <p:cNvPr id="1" name=""/>
+        <p:cNvGrpSpPr/>
+        <p:nvPr/>
+      </p:nvGrpSpPr>
+      <p:grpSpPr>
+        <a:xfrm>
+          <a:off x="0" y="0"/>
+          <a:ext cx="0" cy="0"/>
+          <a:chOff x="0" y="0"/>
+          <a:chExt cx="0" cy="0"/>
+        </a:xfrm>
+      </p:grpSpPr>
+      <p:sp>
+        <p:nvSpPr>
+          <p:cNvPr id="5" name="TextBox 4">
+            <a:extLst>
+              <a:ext uri="{FF2B5EF4-FFF2-40B4-BE49-F238E27FC236}">
+                <a16:creationId xmlns:a16="http://schemas.microsoft.com/office/drawing/2014/main" id="{78D9FF8D-6741-6CDE-7D28-42AB81CDC249}"/>
+              </a:ext>
+            </a:extLst>
+          </p:cNvPr>
+          <p:cNvSpPr txBox="1"/>
+          <p:nvPr/>
+        </p:nvSpPr>
+        <p:spPr>
+          <a:xfrm>
+            <a:off x="311150" y="211668"/>
+            <a:ext cx="3936110" cy="323165"/>
+          </a:xfrm>
+          <a:prstGeom prst="rect">
+            <a:avLst/>
+          </a:prstGeom>
+          <a:noFill/>
+        </p:spPr>
+        <p:txBody>
+          <a:bodyPr wrap="square" rtlCol="0">
+            <a:spAutoFit/>
+          </a:bodyPr>
+          <a:lstStyle/>
+          <a:p>
+            <a:r>
+              <a:rPr lang="ko-KR" altLang="en-US" sz="1500" dirty="0"/>
+              <a:t>데이터베이스 </a:t>
+            </a:r>
+            <a:r>
+              <a:rPr lang="en-US" altLang="ko-KR" sz="1500" dirty="0"/>
+              <a:t>(Database)</a:t>
+            </a:r>
+            <a:endParaRPr lang="ko-KR" altLang="en-US" sz="1500" dirty="0"/>
+          </a:p>
+        </p:txBody>
+      </p:sp>
+      <p:cxnSp>
+        <p:nvCxnSpPr>
+          <p:cNvPr id="7" name="직선 연결선 6">
+            <a:extLst>
+              <a:ext uri="{FF2B5EF4-FFF2-40B4-BE49-F238E27FC236}">
+                <a16:creationId xmlns:a16="http://schemas.microsoft.com/office/drawing/2014/main" id="{396ABC2F-46EF-B557-13D1-C557F1EE561D}"/>
+              </a:ext>
+            </a:extLst>
+          </p:cNvPr>
+          <p:cNvCxnSpPr/>
+          <p:nvPr/>
+        </p:nvCxnSpPr>
+        <p:spPr>
+          <a:xfrm>
+            <a:off x="311150" y="640665"/>
+            <a:ext cx="11499850" cy="0"/>
+          </a:xfrm>
+          <a:prstGeom prst="line">
+            <a:avLst/>
+          </a:prstGeom>
+        </p:spPr>
+        <p:style>
+          <a:lnRef idx="2">
+            <a:schemeClr val="accent1"/>
+          </a:lnRef>
+          <a:fillRef idx="0">
+            <a:schemeClr val="accent1"/>
+          </a:fillRef>
+          <a:effectRef idx="1">
+            <a:schemeClr val="accent1"/>
+          </a:effectRef>
+          <a:fontRef idx="minor">
+            <a:schemeClr val="tx1"/>
+          </a:fontRef>
+        </p:style>
+      </p:cxnSp>
+      <p:sp>
+        <p:nvSpPr>
+          <p:cNvPr id="2" name="TextBox 1">
+            <a:extLst>
+              <a:ext uri="{FF2B5EF4-FFF2-40B4-BE49-F238E27FC236}">
+                <a16:creationId xmlns:a16="http://schemas.microsoft.com/office/drawing/2014/main" id="{2EA40919-2997-094D-20D5-E3A896A60509}"/>
+              </a:ext>
+            </a:extLst>
+          </p:cNvPr>
+          <p:cNvSpPr txBox="1"/>
+          <p:nvPr/>
+        </p:nvSpPr>
+        <p:spPr>
+          <a:xfrm>
+            <a:off x="311150" y="962318"/>
+            <a:ext cx="4438651" cy="985911"/>
+          </a:xfrm>
+          <a:prstGeom prst="rect">
+            <a:avLst/>
+          </a:prstGeom>
+          <a:noFill/>
+        </p:spPr>
+        <p:txBody>
+          <a:bodyPr wrap="square" rtlCol="0">
+            <a:spAutoFit/>
+          </a:bodyPr>
+          <a:lstStyle/>
+          <a:p>
+            <a:pPr marL="171450" indent="-171450">
+              <a:lnSpc>
+                <a:spcPct val="150000"/>
+              </a:lnSpc>
+              <a:buFontTx/>
+              <a:buChar char="-"/>
+            </a:pPr>
+            <a:r>
+              <a:rPr lang="ko-KR" altLang="en-US" sz="1000" dirty="0"/>
+              <a:t>다른</a:t>
+            </a:r>
+            <a:r>
+              <a:rPr lang="en-US" altLang="ko-KR" sz="1000" dirty="0"/>
+              <a:t> application</a:t>
+            </a:r>
+            <a:r>
+              <a:rPr lang="ko-KR" altLang="en-US" sz="1000" dirty="0"/>
+              <a:t>에 </a:t>
+            </a:r>
+            <a:r>
+              <a:rPr lang="en-US" altLang="ko-KR" sz="1000" dirty="0"/>
+              <a:t>data</a:t>
+            </a:r>
+            <a:r>
+              <a:rPr lang="ko-KR" altLang="en-US" sz="1000" dirty="0"/>
+              <a:t>를 공급하는 역할</a:t>
+            </a:r>
+            <a:endParaRPr lang="en-US" altLang="ko-KR" sz="1000" dirty="0"/>
+          </a:p>
+          <a:p>
+            <a:pPr marL="171450" indent="-171450">
+              <a:lnSpc>
+                <a:spcPct val="150000"/>
+              </a:lnSpc>
+              <a:buFontTx/>
+              <a:buChar char="-"/>
+            </a:pPr>
+            <a:r>
+              <a:rPr lang="en-US" altLang="ko-KR" sz="1000" dirty="0"/>
+              <a:t>Data </a:t>
+            </a:r>
+            <a:r>
+              <a:rPr lang="ko-KR" altLang="en-US" sz="1000" dirty="0"/>
+              <a:t>공급을 </a:t>
+            </a:r>
+            <a:r>
+              <a:rPr lang="ko-KR" altLang="en-US" sz="1000" dirty="0" err="1"/>
+              <a:t>추상화하여</a:t>
+            </a:r>
+            <a:r>
+              <a:rPr lang="ko-KR" altLang="en-US" sz="1000" dirty="0"/>
+              <a:t> </a:t>
+            </a:r>
+            <a:r>
+              <a:rPr lang="en-US" altLang="ko-KR" sz="1000" dirty="0"/>
+              <a:t>data </a:t>
+            </a:r>
+            <a:r>
+              <a:rPr lang="ko-KR" altLang="en-US" sz="1000" dirty="0"/>
+              <a:t>계층과 </a:t>
+            </a:r>
+            <a:r>
+              <a:rPr lang="en-US" altLang="ko-KR" sz="1000" dirty="0"/>
+              <a:t>application </a:t>
+            </a:r>
+            <a:r>
+              <a:rPr lang="ko-KR" altLang="en-US" sz="1000" dirty="0"/>
+              <a:t>계층을 분리</a:t>
+            </a:r>
+            <a:endParaRPr lang="en-US" altLang="ko-KR" sz="1000" dirty="0"/>
+          </a:p>
+          <a:p>
+            <a:pPr marL="171450" indent="-171450">
+              <a:lnSpc>
+                <a:spcPct val="150000"/>
+              </a:lnSpc>
+              <a:buFontTx/>
+              <a:buChar char="-"/>
+            </a:pPr>
+            <a:r>
+              <a:rPr lang="ko-KR" altLang="en-US" sz="1000" dirty="0"/>
+              <a:t>다른 </a:t>
+            </a:r>
+            <a:r>
+              <a:rPr lang="en-US" altLang="ko-KR" sz="1000" dirty="0"/>
+              <a:t>application</a:t>
+            </a:r>
+            <a:r>
+              <a:rPr lang="ko-KR" altLang="en-US" sz="1000" dirty="0"/>
+              <a:t>이 </a:t>
+            </a:r>
+            <a:r>
+              <a:rPr lang="en-US" altLang="ko-KR" sz="1000" dirty="0"/>
+              <a:t>app data</a:t>
+            </a:r>
+            <a:r>
+              <a:rPr lang="ko-KR" altLang="en-US" sz="1000" dirty="0"/>
+              <a:t>에 안전하게 액세스하여 이를 수정할 수 있도록 허용</a:t>
+            </a:r>
+            <a:endParaRPr lang="en-US" altLang="ko-KR" sz="1000" dirty="0"/>
+          </a:p>
+        </p:txBody>
+      </p:sp>
+      <p:pic>
+        <p:nvPicPr>
+          <p:cNvPr id="16" name="그림 15">
+            <a:extLst>
+              <a:ext uri="{FF2B5EF4-FFF2-40B4-BE49-F238E27FC236}">
+                <a16:creationId xmlns:a16="http://schemas.microsoft.com/office/drawing/2014/main" id="{7C4BFE4D-EB8E-DC0B-BC2B-E8B42A4E25F7}"/>
+              </a:ext>
+            </a:extLst>
+          </p:cNvPr>
+          <p:cNvPicPr>
+            <a:picLocks noChangeAspect="1"/>
+          </p:cNvPicPr>
+          <p:nvPr/>
+        </p:nvPicPr>
+        <p:blipFill>
+          <a:blip r:embed="rId3">
+            <a:extLst>
+              <a:ext uri="{28A0092B-C50C-407E-A947-70E740481C1C}">
+                <a14:useLocalDpi xmlns:a14="http://schemas.microsoft.com/office/drawing/2010/main" val="0"/>
+              </a:ext>
+            </a:extLst>
+          </a:blip>
+          <a:srcRect/>
+          <a:stretch/>
+        </p:blipFill>
+        <p:spPr>
+          <a:xfrm>
+            <a:off x="10158391" y="896701"/>
+            <a:ext cx="1620000" cy="2880000"/>
+          </a:xfrm>
+          <a:prstGeom prst="rect">
+            <a:avLst/>
+          </a:prstGeom>
+        </p:spPr>
+      </p:pic>
+      <p:pic>
+        <p:nvPicPr>
+          <p:cNvPr id="4" name="그림 3">
+            <a:extLst>
+              <a:ext uri="{FF2B5EF4-FFF2-40B4-BE49-F238E27FC236}">
+                <a16:creationId xmlns:a16="http://schemas.microsoft.com/office/drawing/2014/main" id="{BDF09E38-DC04-394E-59E0-2364BB35707C}"/>
+              </a:ext>
+            </a:extLst>
+          </p:cNvPr>
+          <p:cNvPicPr>
+            <a:picLocks noChangeAspect="1"/>
+          </p:cNvPicPr>
+          <p:nvPr/>
+        </p:nvPicPr>
+        <p:blipFill>
+          <a:blip r:embed="rId4"/>
+          <a:stretch>
+            <a:fillRect/>
+          </a:stretch>
+        </p:blipFill>
+        <p:spPr>
+          <a:xfrm>
+            <a:off x="4804707" y="4136822"/>
+            <a:ext cx="5144541" cy="1930310"/>
+          </a:xfrm>
+          <a:prstGeom prst="rect">
+            <a:avLst/>
+          </a:prstGeom>
+        </p:spPr>
+      </p:pic>
+      <p:pic>
+        <p:nvPicPr>
+          <p:cNvPr id="9" name="그림 8">
+            <a:extLst>
+              <a:ext uri="{FF2B5EF4-FFF2-40B4-BE49-F238E27FC236}">
+                <a16:creationId xmlns:a16="http://schemas.microsoft.com/office/drawing/2014/main" id="{B0CC6C7E-CD6F-34D5-8877-E1F83A9E75D9}"/>
+              </a:ext>
+            </a:extLst>
+          </p:cNvPr>
+          <p:cNvPicPr>
+            <a:picLocks noChangeAspect="1"/>
+          </p:cNvPicPr>
+          <p:nvPr/>
+        </p:nvPicPr>
+        <p:blipFill>
+          <a:blip r:embed="rId5"/>
+          <a:stretch>
+            <a:fillRect/>
+          </a:stretch>
+        </p:blipFill>
+        <p:spPr>
+          <a:xfrm>
+            <a:off x="4804707" y="896701"/>
+            <a:ext cx="5144541" cy="2736458"/>
+          </a:xfrm>
+          <a:prstGeom prst="rect">
+            <a:avLst/>
+          </a:prstGeom>
+        </p:spPr>
+      </p:pic>
+      <p:sp>
+        <p:nvSpPr>
+          <p:cNvPr id="3" name="직사각형 2">
+            <a:extLst>
+              <a:ext uri="{FF2B5EF4-FFF2-40B4-BE49-F238E27FC236}">
+                <a16:creationId xmlns:a16="http://schemas.microsoft.com/office/drawing/2014/main" id="{79FB360F-A14D-F015-CC2F-82C7F5E143DC}"/>
+              </a:ext>
+            </a:extLst>
+          </p:cNvPr>
+          <p:cNvSpPr/>
+          <p:nvPr/>
+        </p:nvSpPr>
+        <p:spPr>
+          <a:xfrm>
+            <a:off x="4980350" y="2247544"/>
+            <a:ext cx="2366600" cy="463905"/>
+          </a:xfrm>
+          <a:prstGeom prst="rect">
+            <a:avLst/>
+          </a:prstGeom>
+          <a:noFill/>
+          <a:ln w="9525">
+            <a:solidFill>
+              <a:srgbClr val="FF0000"/>
+            </a:solidFill>
+          </a:ln>
+        </p:spPr>
+        <p:style>
+          <a:lnRef idx="2">
+            <a:schemeClr val="accent1">
+              <a:shade val="15000"/>
+            </a:schemeClr>
+          </a:lnRef>
+          <a:fillRef idx="1">
+            <a:schemeClr val="accent1"/>
+          </a:fillRef>
+          <a:effectRef idx="0">
+            <a:schemeClr val="accent1"/>
+          </a:effectRef>
+          <a:fontRef idx="minor">
+            <a:schemeClr val="lt1"/>
+          </a:fontRef>
+        </p:style>
+        <p:txBody>
+          <a:bodyPr rtlCol="0" anchor="ctr"/>
+          <a:lstStyle/>
+          <a:p>
+            <a:pPr algn="ctr"/>
+            <a:endParaRPr lang="ko-KR" altLang="en-US"/>
+          </a:p>
+        </p:txBody>
+      </p:sp>
+      <p:sp>
+        <p:nvSpPr>
+          <p:cNvPr id="6" name="직사각형 5">
+            <a:extLst>
+              <a:ext uri="{FF2B5EF4-FFF2-40B4-BE49-F238E27FC236}">
+                <a16:creationId xmlns:a16="http://schemas.microsoft.com/office/drawing/2014/main" id="{39F3C11E-3306-BEB5-2F2B-3B2548AFEE9B}"/>
+              </a:ext>
+            </a:extLst>
+          </p:cNvPr>
+          <p:cNvSpPr/>
+          <p:nvPr/>
+        </p:nvSpPr>
+        <p:spPr>
+          <a:xfrm>
+            <a:off x="5107350" y="5089276"/>
+            <a:ext cx="3020650" cy="581274"/>
+          </a:xfrm>
+          <a:prstGeom prst="rect">
+            <a:avLst/>
+          </a:prstGeom>
+          <a:noFill/>
+          <a:ln w="9525">
+            <a:solidFill>
+              <a:srgbClr val="FF0000"/>
+            </a:solidFill>
+          </a:ln>
+        </p:spPr>
+        <p:style>
+          <a:lnRef idx="2">
+            <a:schemeClr val="accent1">
+              <a:shade val="15000"/>
+            </a:schemeClr>
+          </a:lnRef>
+          <a:fillRef idx="1">
+            <a:schemeClr val="accent1"/>
+          </a:fillRef>
+          <a:effectRef idx="0">
+            <a:schemeClr val="accent1"/>
+          </a:effectRef>
+          <a:fontRef idx="minor">
+            <a:schemeClr val="lt1"/>
+          </a:fontRef>
+        </p:style>
+        <p:txBody>
+          <a:bodyPr rtlCol="0" anchor="ctr"/>
+          <a:lstStyle/>
+          <a:p>
+            <a:pPr algn="ctr"/>
+            <a:endParaRPr lang="ko-KR" altLang="en-US"/>
+          </a:p>
+        </p:txBody>
+      </p:sp>
+      <p:sp>
+        <p:nvSpPr>
+          <p:cNvPr id="8" name="TextBox 7">
+            <a:extLst>
+              <a:ext uri="{FF2B5EF4-FFF2-40B4-BE49-F238E27FC236}">
+                <a16:creationId xmlns:a16="http://schemas.microsoft.com/office/drawing/2014/main" id="{D79BEEBE-AB53-E983-479C-4BC6145EBFF7}"/>
+              </a:ext>
+            </a:extLst>
+          </p:cNvPr>
+          <p:cNvSpPr txBox="1"/>
+          <p:nvPr/>
+        </p:nvSpPr>
+        <p:spPr>
+          <a:xfrm>
+            <a:off x="7346950" y="2118223"/>
+            <a:ext cx="564090" cy="293414"/>
+          </a:xfrm>
+          <a:prstGeom prst="rect">
+            <a:avLst/>
+          </a:prstGeom>
+          <a:noFill/>
+        </p:spPr>
+        <p:txBody>
+          <a:bodyPr wrap="square" rtlCol="0">
+            <a:spAutoFit/>
+          </a:bodyPr>
+          <a:lstStyle/>
+          <a:p>
+            <a:pPr>
+              <a:lnSpc>
+                <a:spcPct val="150000"/>
+              </a:lnSpc>
+            </a:pPr>
+            <a:r>
+              <a:rPr lang="ko-KR" altLang="en-US" sz="1000">
+                <a:solidFill>
+                  <a:srgbClr val="FF0000"/>
+                </a:solidFill>
+              </a:rPr>
+              <a:t>필수</a:t>
+            </a:r>
+            <a:endParaRPr lang="en-US" altLang="ko-KR" sz="1000" dirty="0">
+              <a:solidFill>
+                <a:srgbClr val="FF0000"/>
+              </a:solidFill>
+            </a:endParaRPr>
+          </a:p>
+        </p:txBody>
+      </p:sp>
+      <p:sp>
+        <p:nvSpPr>
+          <p:cNvPr id="10" name="직사각형 9">
+            <a:extLst>
+              <a:ext uri="{FF2B5EF4-FFF2-40B4-BE49-F238E27FC236}">
+                <a16:creationId xmlns:a16="http://schemas.microsoft.com/office/drawing/2014/main" id="{99D6AEF4-BB08-6CE3-2386-15D5576B9137}"/>
+              </a:ext>
+            </a:extLst>
+          </p:cNvPr>
+          <p:cNvSpPr/>
+          <p:nvPr/>
+        </p:nvSpPr>
+        <p:spPr>
+          <a:xfrm>
+            <a:off x="4804707" y="1450519"/>
+            <a:ext cx="5144540" cy="2054680"/>
+          </a:xfrm>
+          <a:prstGeom prst="rect">
+            <a:avLst/>
+          </a:prstGeom>
+          <a:noFill/>
+          <a:ln w="9525">
+            <a:solidFill>
+              <a:srgbClr val="FF0000"/>
+            </a:solidFill>
+          </a:ln>
+        </p:spPr>
+        <p:style>
+          <a:lnRef idx="2">
+            <a:schemeClr val="accent1">
+              <a:shade val="15000"/>
+            </a:schemeClr>
+          </a:lnRef>
+          <a:fillRef idx="1">
+            <a:schemeClr val="accent1"/>
+          </a:fillRef>
+          <a:effectRef idx="0">
+            <a:schemeClr val="accent1"/>
+          </a:effectRef>
+          <a:fontRef idx="minor">
+            <a:schemeClr val="lt1"/>
+          </a:fontRef>
+        </p:style>
+        <p:txBody>
+          <a:bodyPr rtlCol="0" anchor="ctr"/>
+          <a:lstStyle/>
+          <a:p>
+            <a:pPr algn="ctr"/>
+            <a:endParaRPr lang="ko-KR" altLang="en-US"/>
+          </a:p>
+        </p:txBody>
+      </p:sp>
+      <p:cxnSp>
+        <p:nvCxnSpPr>
+          <p:cNvPr id="12" name="직선 화살표 연결선 11">
+            <a:extLst>
+              <a:ext uri="{FF2B5EF4-FFF2-40B4-BE49-F238E27FC236}">
+                <a16:creationId xmlns:a16="http://schemas.microsoft.com/office/drawing/2014/main" id="{3FA5188A-FFFB-786D-0626-E7B5A0F1E1A6}"/>
+              </a:ext>
+            </a:extLst>
+          </p:cNvPr>
+          <p:cNvCxnSpPr>
+            <a:cxnSpLocks/>
+          </p:cNvCxnSpPr>
+          <p:nvPr/>
+        </p:nvCxnSpPr>
+        <p:spPr>
+          <a:xfrm flipV="1">
+            <a:off x="7823200" y="3505199"/>
+            <a:ext cx="546100" cy="1584077"/>
+          </a:xfrm>
+          <a:prstGeom prst="straightConnector1">
+            <a:avLst/>
+          </a:prstGeom>
+          <a:ln>
+            <a:solidFill>
+              <a:srgbClr val="FF0000"/>
+            </a:solidFill>
+            <a:tailEnd type="triangle"/>
+          </a:ln>
+        </p:spPr>
+        <p:style>
+          <a:lnRef idx="2">
+            <a:schemeClr val="accent1"/>
+          </a:lnRef>
+          <a:fillRef idx="0">
+            <a:schemeClr val="accent1"/>
+          </a:fillRef>
+          <a:effectRef idx="1">
+            <a:schemeClr val="accent1"/>
+          </a:effectRef>
+          <a:fontRef idx="minor">
+            <a:schemeClr val="tx1"/>
+          </a:fontRef>
+        </p:style>
+      </p:cxnSp>
+      <p:cxnSp>
+        <p:nvCxnSpPr>
+          <p:cNvPr id="15" name="직선 화살표 연결선 14">
+            <a:extLst>
+              <a:ext uri="{FF2B5EF4-FFF2-40B4-BE49-F238E27FC236}">
+                <a16:creationId xmlns:a16="http://schemas.microsoft.com/office/drawing/2014/main" id="{06693D8A-6150-B6E0-13AF-294417A80B66}"/>
+              </a:ext>
+            </a:extLst>
+          </p:cNvPr>
+          <p:cNvCxnSpPr>
+            <a:cxnSpLocks/>
+            <a:stCxn id="10" idx="3"/>
+            <a:endCxn id="16" idx="1"/>
+          </p:cNvCxnSpPr>
+          <p:nvPr/>
+        </p:nvCxnSpPr>
+        <p:spPr>
+          <a:xfrm flipV="1">
+            <a:off x="9949247" y="2336701"/>
+            <a:ext cx="209144" cy="141158"/>
+          </a:xfrm>
+          <a:prstGeom prst="straightConnector1">
+            <a:avLst/>
+          </a:prstGeom>
+          <a:ln>
+            <a:solidFill>
+              <a:srgbClr val="FF0000"/>
+            </a:solidFill>
+            <a:tailEnd type="triangle"/>
+          </a:ln>
+        </p:spPr>
+        <p:style>
+          <a:lnRef idx="2">
+            <a:schemeClr val="accent1"/>
+          </a:lnRef>
+          <a:fillRef idx="0">
+            <a:schemeClr val="accent1"/>
+          </a:fillRef>
+          <a:effectRef idx="1">
+            <a:schemeClr val="accent1"/>
+          </a:effectRef>
+          <a:fontRef idx="minor">
+            <a:schemeClr val="tx1"/>
+          </a:fontRef>
+        </p:style>
+      </p:cxnSp>
+      <p:sp>
+        <p:nvSpPr>
+          <p:cNvPr id="13" name="TextBox 12">
+            <a:extLst>
+              <a:ext uri="{FF2B5EF4-FFF2-40B4-BE49-F238E27FC236}">
+                <a16:creationId xmlns:a16="http://schemas.microsoft.com/office/drawing/2014/main" id="{EEBEF976-EF42-5DE0-3DCA-B9892B5A8BE5}"/>
+              </a:ext>
+            </a:extLst>
+          </p:cNvPr>
+          <p:cNvSpPr txBox="1"/>
+          <p:nvPr/>
+        </p:nvSpPr>
+        <p:spPr>
+          <a:xfrm>
+            <a:off x="-31396" y="6661706"/>
+            <a:ext cx="4438651" cy="213007"/>
+          </a:xfrm>
+          <a:prstGeom prst="rect">
+            <a:avLst/>
+          </a:prstGeom>
+          <a:noFill/>
+        </p:spPr>
+        <p:txBody>
+          <a:bodyPr wrap="square" rtlCol="0">
+            <a:spAutoFit/>
+          </a:bodyPr>
+          <a:lstStyle/>
+          <a:p>
+            <a:pPr>
+              <a:lnSpc>
+                <a:spcPct val="150000"/>
+              </a:lnSpc>
+            </a:pPr>
+            <a:r>
+              <a:rPr lang="en-US" altLang="ko-KR" sz="600" dirty="0"/>
+              <a:t>IPC: </a:t>
+            </a:r>
+            <a:r>
+              <a:rPr lang="en-US" altLang="ko-KR" sz="600" dirty="0" err="1"/>
+              <a:t>InterProcess</a:t>
+            </a:r>
+            <a:r>
+              <a:rPr lang="en-US" altLang="ko-KR" sz="600" dirty="0"/>
+              <a:t> Communication</a:t>
+            </a:r>
+          </a:p>
+        </p:txBody>
+      </p:sp>
+      <p:sp>
+        <p:nvSpPr>
+          <p:cNvPr id="14" name="TextBox 13">
+            <a:extLst>
+              <a:ext uri="{FF2B5EF4-FFF2-40B4-BE49-F238E27FC236}">
+                <a16:creationId xmlns:a16="http://schemas.microsoft.com/office/drawing/2014/main" id="{1995996F-F342-8031-C6A1-ADF71112D1E5}"/>
+              </a:ext>
+            </a:extLst>
+          </p:cNvPr>
+          <p:cNvSpPr txBox="1"/>
+          <p:nvPr/>
+        </p:nvSpPr>
+        <p:spPr>
+          <a:xfrm>
+            <a:off x="311150" y="2477859"/>
+            <a:ext cx="4438651" cy="524246"/>
+          </a:xfrm>
+          <a:prstGeom prst="rect">
+            <a:avLst/>
+          </a:prstGeom>
+          <a:noFill/>
+        </p:spPr>
+        <p:txBody>
+          <a:bodyPr wrap="square" rtlCol="0">
+            <a:spAutoFit/>
+          </a:bodyPr>
+          <a:lstStyle/>
+          <a:p>
+            <a:pPr>
+              <a:lnSpc>
+                <a:spcPct val="150000"/>
+              </a:lnSpc>
+            </a:pPr>
+            <a:r>
+              <a:rPr lang="en-US" altLang="ko-KR" sz="1000" dirty="0"/>
+              <a:t>- </a:t>
+            </a:r>
+            <a:r>
+              <a:rPr lang="en-US" altLang="ko-KR" sz="1000" dirty="0" err="1"/>
+              <a:t>ContentResolver</a:t>
+            </a:r>
+            <a:r>
+              <a:rPr lang="en-US" altLang="ko-KR" sz="1000" dirty="0"/>
+              <a:t> </a:t>
+            </a:r>
+            <a:r>
+              <a:rPr lang="ko-KR" altLang="en-US" sz="1000" dirty="0"/>
+              <a:t>객체가 </a:t>
+            </a:r>
+            <a:r>
+              <a:rPr lang="en-US" altLang="ko-KR" sz="1000" dirty="0" err="1"/>
+              <a:t>ContentProvider</a:t>
+            </a:r>
+            <a:r>
+              <a:rPr lang="ko-KR" altLang="en-US" sz="1000" dirty="0"/>
+              <a:t>에 </a:t>
+            </a:r>
+            <a:r>
+              <a:rPr lang="en-US" altLang="ko-KR" sz="1000" dirty="0"/>
+              <a:t>data</a:t>
+            </a:r>
+            <a:r>
+              <a:rPr lang="ko-KR" altLang="en-US" sz="1000" dirty="0"/>
+              <a:t>를 요청하게 되고 </a:t>
+            </a:r>
+            <a:r>
+              <a:rPr lang="en-US" altLang="ko-KR" sz="1000" dirty="0" err="1"/>
+              <a:t>ContentProvider</a:t>
+            </a:r>
+            <a:r>
+              <a:rPr lang="ko-KR" altLang="en-US" sz="1000" dirty="0"/>
+              <a:t>는 요청된 작업을 </a:t>
+            </a:r>
+            <a:r>
+              <a:rPr lang="ko-KR" altLang="en-US" sz="1000" dirty="0" err="1"/>
+              <a:t>싱행하고</a:t>
+            </a:r>
+            <a:r>
+              <a:rPr lang="ko-KR" altLang="en-US" sz="1000" dirty="0"/>
+              <a:t> 결과를 반환하는 구조</a:t>
+            </a:r>
+            <a:endParaRPr lang="en-US" altLang="ko-KR" sz="1000" dirty="0"/>
+          </a:p>
+        </p:txBody>
+      </p:sp>
+      <p:sp>
+        <p:nvSpPr>
+          <p:cNvPr id="17" name="TextBox 16">
+            <a:extLst>
+              <a:ext uri="{FF2B5EF4-FFF2-40B4-BE49-F238E27FC236}">
+                <a16:creationId xmlns:a16="http://schemas.microsoft.com/office/drawing/2014/main" id="{0E57777E-E1FB-0A7A-E194-26A7E6F12719}"/>
+              </a:ext>
+            </a:extLst>
+          </p:cNvPr>
+          <p:cNvSpPr txBox="1"/>
+          <p:nvPr/>
+        </p:nvSpPr>
+        <p:spPr>
+          <a:xfrm>
+            <a:off x="11482980" y="6581001"/>
+            <a:ext cx="709020" cy="276999"/>
+          </a:xfrm>
+          <a:prstGeom prst="rect">
+            <a:avLst/>
+          </a:prstGeom>
+          <a:noFill/>
+        </p:spPr>
+        <p:txBody>
+          <a:bodyPr wrap="square" rtlCol="0">
+            <a:spAutoFit/>
+          </a:bodyPr>
+          <a:lstStyle/>
+          <a:p>
+            <a:pPr algn="r"/>
+            <a:r>
+              <a:rPr lang="en-US" altLang="ko-KR" sz="1200" dirty="0"/>
+              <a:t>Ch12</a:t>
+            </a:r>
+            <a:endParaRPr lang="ko-KR" altLang="en-US" sz="1200" dirty="0"/>
+          </a:p>
+        </p:txBody>
+      </p:sp>
+    </p:spTree>
+    <p:extLst>
+      <p:ext uri="{BB962C8B-B14F-4D97-AF65-F5344CB8AC3E}">
+        <p14:creationId xmlns:p14="http://schemas.microsoft.com/office/powerpoint/2010/main" val="2529620709"/>
+      </p:ext>
+    </p:extLst>
+  </p:cSld>
+  <p:clrMapOvr>
+    <a:masterClrMapping/>
+  </p:clrMapOvr>
+</p:sld>
+</file>
+
+<file path=ppt/slides/slide18.xml><?xml version="1.0" encoding="utf-8"?>
+<p:sld xmlns:a="http://schemas.openxmlformats.org/drawingml/2006/main" xmlns:r="http://schemas.openxmlformats.org/officeDocument/2006/relationships" xmlns:p="http://schemas.openxmlformats.org/presentationml/2006/main">
+  <p:cSld>
+    <p:spTree>
+      <p:nvGrpSpPr>
+        <p:cNvPr id="1" name=""/>
+        <p:cNvGrpSpPr/>
+        <p:nvPr/>
+      </p:nvGrpSpPr>
+      <p:grpSpPr>
+        <a:xfrm>
+          <a:off x="0" y="0"/>
+          <a:ext cx="0" cy="0"/>
+          <a:chOff x="0" y="0"/>
+          <a:chExt cx="0" cy="0"/>
+        </a:xfrm>
+      </p:grpSpPr>
+      <p:sp>
+        <p:nvSpPr>
+          <p:cNvPr id="5" name="TextBox 4">
+            <a:extLst>
+              <a:ext uri="{FF2B5EF4-FFF2-40B4-BE49-F238E27FC236}">
+                <a16:creationId xmlns:a16="http://schemas.microsoft.com/office/drawing/2014/main" id="{78D9FF8D-6741-6CDE-7D28-42AB81CDC249}"/>
+              </a:ext>
+            </a:extLst>
+          </p:cNvPr>
+          <p:cNvSpPr txBox="1"/>
+          <p:nvPr/>
+        </p:nvSpPr>
+        <p:spPr>
+          <a:xfrm>
+            <a:off x="311150" y="211668"/>
+            <a:ext cx="3936110" cy="323165"/>
+          </a:xfrm>
+          <a:prstGeom prst="rect">
+            <a:avLst/>
+          </a:prstGeom>
+          <a:noFill/>
+        </p:spPr>
+        <p:txBody>
+          <a:bodyPr wrap="square" rtlCol="0">
+            <a:spAutoFit/>
+          </a:bodyPr>
+          <a:lstStyle/>
+          <a:p>
+            <a:r>
+              <a:rPr lang="ko-KR" altLang="en-US" sz="1500" dirty="0"/>
+              <a:t>데이터베이스와</a:t>
+            </a:r>
+            <a:r>
+              <a:rPr lang="en-US" altLang="ko-KR" sz="1500" dirty="0"/>
+              <a:t> </a:t>
+            </a:r>
+            <a:r>
+              <a:rPr lang="ko-KR" altLang="en-US" sz="1500" dirty="0"/>
+              <a:t>어댑터</a:t>
+            </a:r>
+          </a:p>
+        </p:txBody>
+      </p:sp>
+      <p:cxnSp>
+        <p:nvCxnSpPr>
+          <p:cNvPr id="7" name="직선 연결선 6">
+            <a:extLst>
+              <a:ext uri="{FF2B5EF4-FFF2-40B4-BE49-F238E27FC236}">
+                <a16:creationId xmlns:a16="http://schemas.microsoft.com/office/drawing/2014/main" id="{396ABC2F-46EF-B557-13D1-C557F1EE561D}"/>
+              </a:ext>
+            </a:extLst>
+          </p:cNvPr>
+          <p:cNvCxnSpPr/>
+          <p:nvPr/>
+        </p:nvCxnSpPr>
+        <p:spPr>
+          <a:xfrm>
+            <a:off x="311150" y="640665"/>
+            <a:ext cx="11499850" cy="0"/>
+          </a:xfrm>
+          <a:prstGeom prst="line">
+            <a:avLst/>
+          </a:prstGeom>
+        </p:spPr>
+        <p:style>
+          <a:lnRef idx="2">
+            <a:schemeClr val="accent1"/>
+          </a:lnRef>
+          <a:fillRef idx="0">
+            <a:schemeClr val="accent1"/>
+          </a:fillRef>
+          <a:effectRef idx="1">
+            <a:schemeClr val="accent1"/>
+          </a:effectRef>
+          <a:fontRef idx="minor">
+            <a:schemeClr val="tx1"/>
+          </a:fontRef>
+        </p:style>
+      </p:cxnSp>
+      <p:sp>
+        <p:nvSpPr>
+          <p:cNvPr id="2" name="TextBox 1">
+            <a:extLst>
+              <a:ext uri="{FF2B5EF4-FFF2-40B4-BE49-F238E27FC236}">
+                <a16:creationId xmlns:a16="http://schemas.microsoft.com/office/drawing/2014/main" id="{2EA40919-2997-094D-20D5-E3A896A60509}"/>
+              </a:ext>
+            </a:extLst>
+          </p:cNvPr>
+          <p:cNvSpPr txBox="1"/>
+          <p:nvPr/>
+        </p:nvSpPr>
+        <p:spPr>
+          <a:xfrm>
+            <a:off x="311150" y="962318"/>
+            <a:ext cx="4438651" cy="985911"/>
+          </a:xfrm>
+          <a:prstGeom prst="rect">
+            <a:avLst/>
+          </a:prstGeom>
+          <a:noFill/>
+        </p:spPr>
+        <p:txBody>
+          <a:bodyPr wrap="square" rtlCol="0">
+            <a:spAutoFit/>
+          </a:bodyPr>
+          <a:lstStyle/>
+          <a:p>
+            <a:pPr marL="171450" indent="-171450">
+              <a:lnSpc>
+                <a:spcPct val="150000"/>
+              </a:lnSpc>
+              <a:buFontTx/>
+              <a:buChar char="-"/>
+            </a:pPr>
+            <a:r>
+              <a:rPr lang="ko-KR" altLang="en-US" sz="1000" dirty="0"/>
+              <a:t>다른</a:t>
+            </a:r>
+            <a:r>
+              <a:rPr lang="en-US" altLang="ko-KR" sz="1000" dirty="0"/>
+              <a:t> application</a:t>
+            </a:r>
+            <a:r>
+              <a:rPr lang="ko-KR" altLang="en-US" sz="1000" dirty="0"/>
+              <a:t>에 </a:t>
+            </a:r>
+            <a:r>
+              <a:rPr lang="en-US" altLang="ko-KR" sz="1000" dirty="0"/>
+              <a:t>data</a:t>
+            </a:r>
+            <a:r>
+              <a:rPr lang="ko-KR" altLang="en-US" sz="1000" dirty="0"/>
+              <a:t>를 공급하는 역할</a:t>
+            </a:r>
+            <a:endParaRPr lang="en-US" altLang="ko-KR" sz="1000" dirty="0"/>
+          </a:p>
+          <a:p>
+            <a:pPr marL="171450" indent="-171450">
+              <a:lnSpc>
+                <a:spcPct val="150000"/>
+              </a:lnSpc>
+              <a:buFontTx/>
+              <a:buChar char="-"/>
+            </a:pPr>
+            <a:r>
+              <a:rPr lang="en-US" altLang="ko-KR" sz="1000" dirty="0"/>
+              <a:t>Data </a:t>
+            </a:r>
+            <a:r>
+              <a:rPr lang="ko-KR" altLang="en-US" sz="1000" dirty="0"/>
+              <a:t>공급을 </a:t>
+            </a:r>
+            <a:r>
+              <a:rPr lang="ko-KR" altLang="en-US" sz="1000" dirty="0" err="1"/>
+              <a:t>추상화하여</a:t>
+            </a:r>
+            <a:r>
+              <a:rPr lang="ko-KR" altLang="en-US" sz="1000" dirty="0"/>
+              <a:t> </a:t>
+            </a:r>
+            <a:r>
+              <a:rPr lang="en-US" altLang="ko-KR" sz="1000" dirty="0"/>
+              <a:t>data </a:t>
+            </a:r>
+            <a:r>
+              <a:rPr lang="ko-KR" altLang="en-US" sz="1000" dirty="0"/>
+              <a:t>계층과 </a:t>
+            </a:r>
+            <a:r>
+              <a:rPr lang="en-US" altLang="ko-KR" sz="1000" dirty="0"/>
+              <a:t>application </a:t>
+            </a:r>
+            <a:r>
+              <a:rPr lang="ko-KR" altLang="en-US" sz="1000" dirty="0"/>
+              <a:t>계층을 분리</a:t>
+            </a:r>
+            <a:endParaRPr lang="en-US" altLang="ko-KR" sz="1000" dirty="0"/>
+          </a:p>
+          <a:p>
+            <a:pPr marL="171450" indent="-171450">
+              <a:lnSpc>
+                <a:spcPct val="150000"/>
+              </a:lnSpc>
+              <a:buFontTx/>
+              <a:buChar char="-"/>
+            </a:pPr>
+            <a:r>
+              <a:rPr lang="ko-KR" altLang="en-US" sz="1000" dirty="0"/>
+              <a:t>다른 </a:t>
+            </a:r>
+            <a:r>
+              <a:rPr lang="en-US" altLang="ko-KR" sz="1000" dirty="0"/>
+              <a:t>application</a:t>
+            </a:r>
+            <a:r>
+              <a:rPr lang="ko-KR" altLang="en-US" sz="1000" dirty="0"/>
+              <a:t>이 </a:t>
+            </a:r>
+            <a:r>
+              <a:rPr lang="en-US" altLang="ko-KR" sz="1000" dirty="0"/>
+              <a:t>app data</a:t>
+            </a:r>
+            <a:r>
+              <a:rPr lang="ko-KR" altLang="en-US" sz="1000" dirty="0"/>
+              <a:t>에 안전하게 액세스하여 이를 수정할 수 있도록 허용</a:t>
+            </a:r>
+            <a:endParaRPr lang="en-US" altLang="ko-KR" sz="1000" dirty="0"/>
+          </a:p>
+        </p:txBody>
+      </p:sp>
+      <p:pic>
+        <p:nvPicPr>
+          <p:cNvPr id="16" name="그림 15">
+            <a:extLst>
+              <a:ext uri="{FF2B5EF4-FFF2-40B4-BE49-F238E27FC236}">
+                <a16:creationId xmlns:a16="http://schemas.microsoft.com/office/drawing/2014/main" id="{7C4BFE4D-EB8E-DC0B-BC2B-E8B42A4E25F7}"/>
+              </a:ext>
+            </a:extLst>
+          </p:cNvPr>
+          <p:cNvPicPr>
+            <a:picLocks noChangeAspect="1"/>
+          </p:cNvPicPr>
+          <p:nvPr/>
+        </p:nvPicPr>
+        <p:blipFill>
+          <a:blip r:embed="rId3">
+            <a:extLst>
+              <a:ext uri="{28A0092B-C50C-407E-A947-70E740481C1C}">
+                <a14:useLocalDpi xmlns:a14="http://schemas.microsoft.com/office/drawing/2010/main" val="0"/>
+              </a:ext>
+            </a:extLst>
+          </a:blip>
+          <a:srcRect/>
+          <a:stretch/>
+        </p:blipFill>
+        <p:spPr>
+          <a:xfrm>
+            <a:off x="10158391" y="896701"/>
+            <a:ext cx="1620000" cy="2880000"/>
+          </a:xfrm>
+          <a:prstGeom prst="rect">
+            <a:avLst/>
+          </a:prstGeom>
+        </p:spPr>
+      </p:pic>
+      <p:pic>
+        <p:nvPicPr>
+          <p:cNvPr id="4" name="그림 3">
+            <a:extLst>
+              <a:ext uri="{FF2B5EF4-FFF2-40B4-BE49-F238E27FC236}">
+                <a16:creationId xmlns:a16="http://schemas.microsoft.com/office/drawing/2014/main" id="{BDF09E38-DC04-394E-59E0-2364BB35707C}"/>
+              </a:ext>
+            </a:extLst>
+          </p:cNvPr>
+          <p:cNvPicPr>
+            <a:picLocks noChangeAspect="1"/>
+          </p:cNvPicPr>
+          <p:nvPr/>
+        </p:nvPicPr>
+        <p:blipFill>
+          <a:blip r:embed="rId4"/>
+          <a:stretch>
+            <a:fillRect/>
+          </a:stretch>
+        </p:blipFill>
+        <p:spPr>
+          <a:xfrm>
+            <a:off x="4804707" y="4136822"/>
+            <a:ext cx="5144541" cy="1930310"/>
+          </a:xfrm>
+          <a:prstGeom prst="rect">
+            <a:avLst/>
+          </a:prstGeom>
+        </p:spPr>
+      </p:pic>
+      <p:pic>
+        <p:nvPicPr>
+          <p:cNvPr id="9" name="그림 8">
+            <a:extLst>
+              <a:ext uri="{FF2B5EF4-FFF2-40B4-BE49-F238E27FC236}">
+                <a16:creationId xmlns:a16="http://schemas.microsoft.com/office/drawing/2014/main" id="{B0CC6C7E-CD6F-34D5-8877-E1F83A9E75D9}"/>
+              </a:ext>
+            </a:extLst>
+          </p:cNvPr>
+          <p:cNvPicPr>
+            <a:picLocks noChangeAspect="1"/>
+          </p:cNvPicPr>
+          <p:nvPr/>
+        </p:nvPicPr>
+        <p:blipFill>
+          <a:blip r:embed="rId5"/>
+          <a:stretch>
+            <a:fillRect/>
+          </a:stretch>
+        </p:blipFill>
+        <p:spPr>
+          <a:xfrm>
+            <a:off x="4804707" y="896701"/>
+            <a:ext cx="5144541" cy="2736458"/>
+          </a:xfrm>
+          <a:prstGeom prst="rect">
+            <a:avLst/>
+          </a:prstGeom>
+        </p:spPr>
+      </p:pic>
+      <p:sp>
+        <p:nvSpPr>
+          <p:cNvPr id="3" name="직사각형 2">
+            <a:extLst>
+              <a:ext uri="{FF2B5EF4-FFF2-40B4-BE49-F238E27FC236}">
+                <a16:creationId xmlns:a16="http://schemas.microsoft.com/office/drawing/2014/main" id="{79FB360F-A14D-F015-CC2F-82C7F5E143DC}"/>
+              </a:ext>
+            </a:extLst>
+          </p:cNvPr>
+          <p:cNvSpPr/>
+          <p:nvPr/>
+        </p:nvSpPr>
+        <p:spPr>
+          <a:xfrm>
+            <a:off x="4980350" y="2247544"/>
+            <a:ext cx="2366600" cy="463905"/>
+          </a:xfrm>
+          <a:prstGeom prst="rect">
+            <a:avLst/>
+          </a:prstGeom>
+          <a:noFill/>
+          <a:ln w="9525">
+            <a:solidFill>
+              <a:srgbClr val="FF0000"/>
+            </a:solidFill>
+          </a:ln>
+        </p:spPr>
+        <p:style>
+          <a:lnRef idx="2">
+            <a:schemeClr val="accent1">
+              <a:shade val="15000"/>
+            </a:schemeClr>
+          </a:lnRef>
+          <a:fillRef idx="1">
+            <a:schemeClr val="accent1"/>
+          </a:fillRef>
+          <a:effectRef idx="0">
+            <a:schemeClr val="accent1"/>
+          </a:effectRef>
+          <a:fontRef idx="minor">
+            <a:schemeClr val="lt1"/>
+          </a:fontRef>
+        </p:style>
+        <p:txBody>
+          <a:bodyPr rtlCol="0" anchor="ctr"/>
+          <a:lstStyle/>
+          <a:p>
+            <a:pPr algn="ctr"/>
+            <a:endParaRPr lang="ko-KR" altLang="en-US"/>
+          </a:p>
+        </p:txBody>
+      </p:sp>
+      <p:sp>
+        <p:nvSpPr>
+          <p:cNvPr id="6" name="직사각형 5">
+            <a:extLst>
+              <a:ext uri="{FF2B5EF4-FFF2-40B4-BE49-F238E27FC236}">
+                <a16:creationId xmlns:a16="http://schemas.microsoft.com/office/drawing/2014/main" id="{39F3C11E-3306-BEB5-2F2B-3B2548AFEE9B}"/>
+              </a:ext>
+            </a:extLst>
+          </p:cNvPr>
+          <p:cNvSpPr/>
+          <p:nvPr/>
+        </p:nvSpPr>
+        <p:spPr>
+          <a:xfrm>
+            <a:off x="5107350" y="5089276"/>
+            <a:ext cx="3020650" cy="581274"/>
+          </a:xfrm>
+          <a:prstGeom prst="rect">
+            <a:avLst/>
+          </a:prstGeom>
+          <a:noFill/>
+          <a:ln w="9525">
+            <a:solidFill>
+              <a:srgbClr val="FF0000"/>
+            </a:solidFill>
+          </a:ln>
+        </p:spPr>
+        <p:style>
+          <a:lnRef idx="2">
+            <a:schemeClr val="accent1">
+              <a:shade val="15000"/>
+            </a:schemeClr>
+          </a:lnRef>
+          <a:fillRef idx="1">
+            <a:schemeClr val="accent1"/>
+          </a:fillRef>
+          <a:effectRef idx="0">
+            <a:schemeClr val="accent1"/>
+          </a:effectRef>
+          <a:fontRef idx="minor">
+            <a:schemeClr val="lt1"/>
+          </a:fontRef>
+        </p:style>
+        <p:txBody>
+          <a:bodyPr rtlCol="0" anchor="ctr"/>
+          <a:lstStyle/>
+          <a:p>
+            <a:pPr algn="ctr"/>
+            <a:endParaRPr lang="ko-KR" altLang="en-US"/>
+          </a:p>
+        </p:txBody>
+      </p:sp>
+      <p:sp>
+        <p:nvSpPr>
+          <p:cNvPr id="8" name="TextBox 7">
+            <a:extLst>
+              <a:ext uri="{FF2B5EF4-FFF2-40B4-BE49-F238E27FC236}">
+                <a16:creationId xmlns:a16="http://schemas.microsoft.com/office/drawing/2014/main" id="{D79BEEBE-AB53-E983-479C-4BC6145EBFF7}"/>
+              </a:ext>
+            </a:extLst>
+          </p:cNvPr>
+          <p:cNvSpPr txBox="1"/>
+          <p:nvPr/>
+        </p:nvSpPr>
+        <p:spPr>
+          <a:xfrm>
+            <a:off x="7346950" y="2118223"/>
+            <a:ext cx="564090" cy="293414"/>
+          </a:xfrm>
+          <a:prstGeom prst="rect">
+            <a:avLst/>
+          </a:prstGeom>
+          <a:noFill/>
+        </p:spPr>
+        <p:txBody>
+          <a:bodyPr wrap="square" rtlCol="0">
+            <a:spAutoFit/>
+          </a:bodyPr>
+          <a:lstStyle/>
+          <a:p>
+            <a:pPr>
+              <a:lnSpc>
+                <a:spcPct val="150000"/>
+              </a:lnSpc>
+            </a:pPr>
+            <a:r>
+              <a:rPr lang="ko-KR" altLang="en-US" sz="1000">
+                <a:solidFill>
+                  <a:srgbClr val="FF0000"/>
+                </a:solidFill>
+              </a:rPr>
+              <a:t>필수</a:t>
+            </a:r>
+            <a:endParaRPr lang="en-US" altLang="ko-KR" sz="1000" dirty="0">
+              <a:solidFill>
+                <a:srgbClr val="FF0000"/>
+              </a:solidFill>
+            </a:endParaRPr>
+          </a:p>
+        </p:txBody>
+      </p:sp>
+      <p:sp>
+        <p:nvSpPr>
+          <p:cNvPr id="10" name="직사각형 9">
+            <a:extLst>
+              <a:ext uri="{FF2B5EF4-FFF2-40B4-BE49-F238E27FC236}">
+                <a16:creationId xmlns:a16="http://schemas.microsoft.com/office/drawing/2014/main" id="{99D6AEF4-BB08-6CE3-2386-15D5576B9137}"/>
+              </a:ext>
+            </a:extLst>
+          </p:cNvPr>
+          <p:cNvSpPr/>
+          <p:nvPr/>
+        </p:nvSpPr>
+        <p:spPr>
+          <a:xfrm>
+            <a:off x="4804707" y="1450519"/>
+            <a:ext cx="5144540" cy="2054680"/>
+          </a:xfrm>
+          <a:prstGeom prst="rect">
+            <a:avLst/>
+          </a:prstGeom>
+          <a:noFill/>
+          <a:ln w="9525">
+            <a:solidFill>
+              <a:srgbClr val="FF0000"/>
+            </a:solidFill>
+          </a:ln>
+        </p:spPr>
+        <p:style>
+          <a:lnRef idx="2">
+            <a:schemeClr val="accent1">
+              <a:shade val="15000"/>
+            </a:schemeClr>
+          </a:lnRef>
+          <a:fillRef idx="1">
+            <a:schemeClr val="accent1"/>
+          </a:fillRef>
+          <a:effectRef idx="0">
+            <a:schemeClr val="accent1"/>
+          </a:effectRef>
+          <a:fontRef idx="minor">
+            <a:schemeClr val="lt1"/>
+          </a:fontRef>
+        </p:style>
+        <p:txBody>
+          <a:bodyPr rtlCol="0" anchor="ctr"/>
+          <a:lstStyle/>
+          <a:p>
+            <a:pPr algn="ctr"/>
+            <a:endParaRPr lang="ko-KR" altLang="en-US"/>
+          </a:p>
+        </p:txBody>
+      </p:sp>
+      <p:cxnSp>
+        <p:nvCxnSpPr>
+          <p:cNvPr id="12" name="직선 화살표 연결선 11">
+            <a:extLst>
+              <a:ext uri="{FF2B5EF4-FFF2-40B4-BE49-F238E27FC236}">
+                <a16:creationId xmlns:a16="http://schemas.microsoft.com/office/drawing/2014/main" id="{3FA5188A-FFFB-786D-0626-E7B5A0F1E1A6}"/>
+              </a:ext>
+            </a:extLst>
+          </p:cNvPr>
+          <p:cNvCxnSpPr>
+            <a:cxnSpLocks/>
+          </p:cNvCxnSpPr>
+          <p:nvPr/>
+        </p:nvCxnSpPr>
+        <p:spPr>
+          <a:xfrm flipV="1">
+            <a:off x="7823200" y="3505199"/>
+            <a:ext cx="546100" cy="1584077"/>
+          </a:xfrm>
+          <a:prstGeom prst="straightConnector1">
+            <a:avLst/>
+          </a:prstGeom>
+          <a:ln>
+            <a:solidFill>
+              <a:srgbClr val="FF0000"/>
+            </a:solidFill>
+            <a:tailEnd type="triangle"/>
+          </a:ln>
+        </p:spPr>
+        <p:style>
+          <a:lnRef idx="2">
+            <a:schemeClr val="accent1"/>
+          </a:lnRef>
+          <a:fillRef idx="0">
+            <a:schemeClr val="accent1"/>
+          </a:fillRef>
+          <a:effectRef idx="1">
+            <a:schemeClr val="accent1"/>
+          </a:effectRef>
+          <a:fontRef idx="minor">
+            <a:schemeClr val="tx1"/>
+          </a:fontRef>
+        </p:style>
+      </p:cxnSp>
+      <p:cxnSp>
+        <p:nvCxnSpPr>
+          <p:cNvPr id="15" name="직선 화살표 연결선 14">
+            <a:extLst>
+              <a:ext uri="{FF2B5EF4-FFF2-40B4-BE49-F238E27FC236}">
+                <a16:creationId xmlns:a16="http://schemas.microsoft.com/office/drawing/2014/main" id="{06693D8A-6150-B6E0-13AF-294417A80B66}"/>
+              </a:ext>
+            </a:extLst>
+          </p:cNvPr>
+          <p:cNvCxnSpPr>
+            <a:cxnSpLocks/>
+            <a:stCxn id="10" idx="3"/>
+            <a:endCxn id="16" idx="1"/>
+          </p:cNvCxnSpPr>
+          <p:nvPr/>
+        </p:nvCxnSpPr>
+        <p:spPr>
+          <a:xfrm flipV="1">
+            <a:off x="9949247" y="2336701"/>
+            <a:ext cx="209144" cy="141158"/>
+          </a:xfrm>
+          <a:prstGeom prst="straightConnector1">
+            <a:avLst/>
+          </a:prstGeom>
+          <a:ln>
+            <a:solidFill>
+              <a:srgbClr val="FF0000"/>
+            </a:solidFill>
+            <a:tailEnd type="triangle"/>
+          </a:ln>
+        </p:spPr>
+        <p:style>
+          <a:lnRef idx="2">
+            <a:schemeClr val="accent1"/>
+          </a:lnRef>
+          <a:fillRef idx="0">
+            <a:schemeClr val="accent1"/>
+          </a:fillRef>
+          <a:effectRef idx="1">
+            <a:schemeClr val="accent1"/>
+          </a:effectRef>
+          <a:fontRef idx="minor">
+            <a:schemeClr val="tx1"/>
+          </a:fontRef>
+        </p:style>
+      </p:cxnSp>
+      <p:sp>
+        <p:nvSpPr>
+          <p:cNvPr id="13" name="TextBox 12">
+            <a:extLst>
+              <a:ext uri="{FF2B5EF4-FFF2-40B4-BE49-F238E27FC236}">
+                <a16:creationId xmlns:a16="http://schemas.microsoft.com/office/drawing/2014/main" id="{EEBEF976-EF42-5DE0-3DCA-B9892B5A8BE5}"/>
+              </a:ext>
+            </a:extLst>
+          </p:cNvPr>
+          <p:cNvSpPr txBox="1"/>
+          <p:nvPr/>
+        </p:nvSpPr>
+        <p:spPr>
+          <a:xfrm>
+            <a:off x="-31396" y="6661706"/>
+            <a:ext cx="4438651" cy="213007"/>
+          </a:xfrm>
+          <a:prstGeom prst="rect">
+            <a:avLst/>
+          </a:prstGeom>
+          <a:noFill/>
+        </p:spPr>
+        <p:txBody>
+          <a:bodyPr wrap="square" rtlCol="0">
+            <a:spAutoFit/>
+          </a:bodyPr>
+          <a:lstStyle/>
+          <a:p>
+            <a:pPr>
+              <a:lnSpc>
+                <a:spcPct val="150000"/>
+              </a:lnSpc>
+            </a:pPr>
+            <a:r>
+              <a:rPr lang="en-US" altLang="ko-KR" sz="600" dirty="0"/>
+              <a:t>IPC: </a:t>
+            </a:r>
+            <a:r>
+              <a:rPr lang="en-US" altLang="ko-KR" sz="600" dirty="0" err="1"/>
+              <a:t>InterProcess</a:t>
+            </a:r>
+            <a:r>
+              <a:rPr lang="en-US" altLang="ko-KR" sz="600" dirty="0"/>
+              <a:t> Communication</a:t>
+            </a:r>
+          </a:p>
+        </p:txBody>
+      </p:sp>
+      <p:sp>
+        <p:nvSpPr>
+          <p:cNvPr id="14" name="TextBox 13">
+            <a:extLst>
+              <a:ext uri="{FF2B5EF4-FFF2-40B4-BE49-F238E27FC236}">
+                <a16:creationId xmlns:a16="http://schemas.microsoft.com/office/drawing/2014/main" id="{1995996F-F342-8031-C6A1-ADF71112D1E5}"/>
+              </a:ext>
+            </a:extLst>
+          </p:cNvPr>
+          <p:cNvSpPr txBox="1"/>
+          <p:nvPr/>
+        </p:nvSpPr>
+        <p:spPr>
+          <a:xfrm>
+            <a:off x="311150" y="2477859"/>
+            <a:ext cx="4438651" cy="524246"/>
+          </a:xfrm>
+          <a:prstGeom prst="rect">
+            <a:avLst/>
+          </a:prstGeom>
+          <a:noFill/>
+        </p:spPr>
+        <p:txBody>
+          <a:bodyPr wrap="square" rtlCol="0">
+            <a:spAutoFit/>
+          </a:bodyPr>
+          <a:lstStyle/>
+          <a:p>
+            <a:pPr>
+              <a:lnSpc>
+                <a:spcPct val="150000"/>
+              </a:lnSpc>
+            </a:pPr>
+            <a:r>
+              <a:rPr lang="en-US" altLang="ko-KR" sz="1000" dirty="0"/>
+              <a:t>- </a:t>
+            </a:r>
+            <a:r>
+              <a:rPr lang="en-US" altLang="ko-KR" sz="1000" dirty="0" err="1"/>
+              <a:t>ContentResolver</a:t>
+            </a:r>
+            <a:r>
+              <a:rPr lang="en-US" altLang="ko-KR" sz="1000" dirty="0"/>
+              <a:t> </a:t>
+            </a:r>
+            <a:r>
+              <a:rPr lang="ko-KR" altLang="en-US" sz="1000" dirty="0"/>
+              <a:t>객체가 </a:t>
+            </a:r>
+            <a:r>
+              <a:rPr lang="en-US" altLang="ko-KR" sz="1000" dirty="0" err="1"/>
+              <a:t>ContentProvider</a:t>
+            </a:r>
+            <a:r>
+              <a:rPr lang="ko-KR" altLang="en-US" sz="1000" dirty="0"/>
+              <a:t>에 </a:t>
+            </a:r>
+            <a:r>
+              <a:rPr lang="en-US" altLang="ko-KR" sz="1000" dirty="0"/>
+              <a:t>data</a:t>
+            </a:r>
+            <a:r>
+              <a:rPr lang="ko-KR" altLang="en-US" sz="1000" dirty="0"/>
+              <a:t>를 요청하게 되고 </a:t>
+            </a:r>
+            <a:r>
+              <a:rPr lang="en-US" altLang="ko-KR" sz="1000" dirty="0" err="1"/>
+              <a:t>ContentProvider</a:t>
+            </a:r>
+            <a:r>
+              <a:rPr lang="ko-KR" altLang="en-US" sz="1000" dirty="0"/>
+              <a:t>는 요청된 작업을 </a:t>
+            </a:r>
+            <a:r>
+              <a:rPr lang="ko-KR" altLang="en-US" sz="1000" dirty="0" err="1"/>
+              <a:t>싱행하고</a:t>
+            </a:r>
+            <a:r>
+              <a:rPr lang="ko-KR" altLang="en-US" sz="1000" dirty="0"/>
+              <a:t> 결과를 반환하는 구조</a:t>
+            </a:r>
+            <a:endParaRPr lang="en-US" altLang="ko-KR" sz="1000" dirty="0"/>
+          </a:p>
+        </p:txBody>
+      </p:sp>
+      <p:sp>
+        <p:nvSpPr>
+          <p:cNvPr id="17" name="TextBox 16">
+            <a:extLst>
+              <a:ext uri="{FF2B5EF4-FFF2-40B4-BE49-F238E27FC236}">
+                <a16:creationId xmlns:a16="http://schemas.microsoft.com/office/drawing/2014/main" id="{0E57777E-E1FB-0A7A-E194-26A7E6F12719}"/>
+              </a:ext>
+            </a:extLst>
+          </p:cNvPr>
+          <p:cNvSpPr txBox="1"/>
+          <p:nvPr/>
+        </p:nvSpPr>
+        <p:spPr>
+          <a:xfrm>
+            <a:off x="11482980" y="6581001"/>
+            <a:ext cx="709020" cy="276999"/>
+          </a:xfrm>
+          <a:prstGeom prst="rect">
+            <a:avLst/>
+          </a:prstGeom>
+          <a:noFill/>
+        </p:spPr>
+        <p:txBody>
+          <a:bodyPr wrap="square" rtlCol="0">
+            <a:spAutoFit/>
+          </a:bodyPr>
+          <a:lstStyle/>
+          <a:p>
+            <a:pPr algn="r"/>
+            <a:r>
+              <a:rPr lang="en-US" altLang="ko-KR" sz="1200" dirty="0"/>
+              <a:t>Ch12</a:t>
+            </a:r>
+            <a:endParaRPr lang="ko-KR" altLang="en-US" sz="1200" dirty="0"/>
+          </a:p>
+        </p:txBody>
+      </p:sp>
+    </p:spTree>
+    <p:extLst>
+      <p:ext uri="{BB962C8B-B14F-4D97-AF65-F5344CB8AC3E}">
+        <p14:creationId xmlns:p14="http://schemas.microsoft.com/office/powerpoint/2010/main" val="1163580992"/>
+      </p:ext>
+    </p:extLst>
+  </p:cSld>
+  <p:clrMapOvr>
+    <a:masterClrMapping/>
+  </p:clrMapOvr>
+</p:sld>
+</file>
+
+<file path=ppt/slides/slide19.xml><?xml version="1.0" encoding="utf-8"?>
+<p:sld xmlns:a="http://schemas.openxmlformats.org/drawingml/2006/main" xmlns:r="http://schemas.openxmlformats.org/officeDocument/2006/relationships" xmlns:p="http://schemas.openxmlformats.org/presentationml/2006/main">
+  <p:cSld>
+    <p:spTree>
+      <p:nvGrpSpPr>
+        <p:cNvPr id="1" name=""/>
+        <p:cNvGrpSpPr/>
+        <p:nvPr/>
+      </p:nvGrpSpPr>
+      <p:grpSpPr>
+        <a:xfrm>
+          <a:off x="0" y="0"/>
+          <a:ext cx="0" cy="0"/>
+          <a:chOff x="0" y="0"/>
+          <a:chExt cx="0" cy="0"/>
+        </a:xfrm>
+      </p:grpSpPr>
+      <p:sp>
+        <p:nvSpPr>
+          <p:cNvPr id="4" name="TextBox 3">
+            <a:extLst>
+              <a:ext uri="{FF2B5EF4-FFF2-40B4-BE49-F238E27FC236}">
+                <a16:creationId xmlns:a16="http://schemas.microsoft.com/office/drawing/2014/main" id="{29FAE5ED-BA65-8D6C-2FA4-D5B3391B71B6}"/>
+              </a:ext>
+            </a:extLst>
+          </p:cNvPr>
+          <p:cNvSpPr txBox="1"/>
+          <p:nvPr/>
+        </p:nvSpPr>
+        <p:spPr>
+          <a:xfrm>
+            <a:off x="10501865" y="6581001"/>
+            <a:ext cx="1690136" cy="276999"/>
+          </a:xfrm>
+          <a:prstGeom prst="rect">
+            <a:avLst/>
+          </a:prstGeom>
+          <a:noFill/>
+        </p:spPr>
+        <p:txBody>
+          <a:bodyPr wrap="square" rtlCol="0">
+            <a:spAutoFit/>
+          </a:bodyPr>
+          <a:lstStyle/>
+          <a:p>
+            <a:pPr algn="r"/>
+            <a:r>
+              <a:rPr lang="en-US" altLang="ko-KR" sz="1200" dirty="0"/>
+              <a:t>Ch11 &amp; 12</a:t>
+            </a:r>
+            <a:endParaRPr lang="ko-KR" altLang="en-US" sz="1200" dirty="0"/>
+          </a:p>
+        </p:txBody>
+      </p:sp>
+      <p:sp>
+        <p:nvSpPr>
+          <p:cNvPr id="5" name="TextBox 4">
+            <a:extLst>
+              <a:ext uri="{FF2B5EF4-FFF2-40B4-BE49-F238E27FC236}">
+                <a16:creationId xmlns:a16="http://schemas.microsoft.com/office/drawing/2014/main" id="{78D9FF8D-6741-6CDE-7D28-42AB81CDC249}"/>
+              </a:ext>
+            </a:extLst>
+          </p:cNvPr>
+          <p:cNvSpPr txBox="1"/>
+          <p:nvPr/>
+        </p:nvSpPr>
+        <p:spPr>
+          <a:xfrm>
+            <a:off x="311149" y="211668"/>
+            <a:ext cx="4956589" cy="323165"/>
+          </a:xfrm>
+          <a:prstGeom prst="rect">
+            <a:avLst/>
+          </a:prstGeom>
+          <a:noFill/>
+        </p:spPr>
+        <p:txBody>
+          <a:bodyPr wrap="square" rtlCol="0">
+            <a:spAutoFit/>
+          </a:bodyPr>
+          <a:lstStyle/>
+          <a:p>
+            <a:r>
+              <a:rPr lang="en-US" altLang="ko-KR" sz="1500" dirty="0"/>
+              <a:t>Reference</a:t>
+            </a:r>
+            <a:endParaRPr lang="ko-KR" altLang="en-US" sz="1500" dirty="0"/>
+          </a:p>
+        </p:txBody>
+      </p:sp>
+      <p:cxnSp>
+        <p:nvCxnSpPr>
+          <p:cNvPr id="7" name="직선 연결선 6">
+            <a:extLst>
+              <a:ext uri="{FF2B5EF4-FFF2-40B4-BE49-F238E27FC236}">
+                <a16:creationId xmlns:a16="http://schemas.microsoft.com/office/drawing/2014/main" id="{396ABC2F-46EF-B557-13D1-C557F1EE561D}"/>
+              </a:ext>
+            </a:extLst>
+          </p:cNvPr>
+          <p:cNvCxnSpPr/>
+          <p:nvPr/>
+        </p:nvCxnSpPr>
+        <p:spPr>
+          <a:xfrm>
+            <a:off x="311150" y="640665"/>
+            <a:ext cx="11499850" cy="0"/>
+          </a:xfrm>
+          <a:prstGeom prst="line">
+            <a:avLst/>
+          </a:prstGeom>
+        </p:spPr>
+        <p:style>
+          <a:lnRef idx="2">
+            <a:schemeClr val="accent1"/>
+          </a:lnRef>
+          <a:fillRef idx="0">
+            <a:schemeClr val="accent1"/>
+          </a:fillRef>
+          <a:effectRef idx="1">
+            <a:schemeClr val="accent1"/>
+          </a:effectRef>
+          <a:fontRef idx="minor">
+            <a:schemeClr val="tx1"/>
+          </a:fontRef>
+        </p:style>
+      </p:cxnSp>
+      <p:sp>
+        <p:nvSpPr>
+          <p:cNvPr id="3" name="TextBox 2">
+            <a:extLst>
+              <a:ext uri="{FF2B5EF4-FFF2-40B4-BE49-F238E27FC236}">
+                <a16:creationId xmlns:a16="http://schemas.microsoft.com/office/drawing/2014/main" id="{779E1464-CBFA-A07E-7345-5EA2804743EA}"/>
+              </a:ext>
+            </a:extLst>
+          </p:cNvPr>
+          <p:cNvSpPr txBox="1"/>
+          <p:nvPr/>
+        </p:nvSpPr>
+        <p:spPr>
+          <a:xfrm>
+            <a:off x="311149" y="771779"/>
+            <a:ext cx="9637781" cy="985911"/>
+          </a:xfrm>
+          <a:prstGeom prst="rect">
+            <a:avLst/>
+          </a:prstGeom>
+          <a:noFill/>
+        </p:spPr>
+        <p:txBody>
+          <a:bodyPr wrap="square" rtlCol="0">
+            <a:spAutoFit/>
+          </a:bodyPr>
+          <a:lstStyle/>
+          <a:p>
+            <a:pPr marL="171450" indent="-171450">
+              <a:lnSpc>
+                <a:spcPct val="150000"/>
+              </a:lnSpc>
+              <a:buFontTx/>
+              <a:buChar char="-"/>
+            </a:pPr>
+            <a:r>
+              <a:rPr lang="en-US" altLang="ko-KR" sz="1000" dirty="0" err="1"/>
+              <a:t>adfasdf</a:t>
+            </a:r>
+            <a:endParaRPr lang="en-US" altLang="ko-KR" sz="1000" dirty="0"/>
+          </a:p>
+          <a:p>
+            <a:pPr marL="171450" indent="-171450">
+              <a:lnSpc>
+                <a:spcPct val="150000"/>
+              </a:lnSpc>
+              <a:buFontTx/>
+              <a:buChar char="-"/>
+            </a:pPr>
+            <a:endParaRPr lang="en-US" altLang="ko-KR" sz="1000" dirty="0"/>
+          </a:p>
+          <a:p>
+            <a:pPr marL="171450" indent="-171450">
+              <a:lnSpc>
+                <a:spcPct val="150000"/>
+              </a:lnSpc>
+              <a:buFontTx/>
+              <a:buChar char="-"/>
+            </a:pPr>
+            <a:endParaRPr lang="en-US" altLang="ko-KR" sz="1000" dirty="0"/>
+          </a:p>
+          <a:p>
+            <a:pPr marL="171450" indent="-171450">
+              <a:lnSpc>
+                <a:spcPct val="150000"/>
+              </a:lnSpc>
+              <a:buFontTx/>
+              <a:buChar char="-"/>
+            </a:pPr>
+            <a:endParaRPr lang="en-US" altLang="ko-KR" sz="1000" dirty="0"/>
+          </a:p>
+        </p:txBody>
+      </p:sp>
+    </p:spTree>
+    <p:extLst>
+      <p:ext uri="{BB962C8B-B14F-4D97-AF65-F5344CB8AC3E}">
+        <p14:creationId xmlns:p14="http://schemas.microsoft.com/office/powerpoint/2010/main" val="706550133"/>
+      </p:ext>
+    </p:extLst>
+  </p:cSld>
+  <p:clrMapOvr>
+    <a:masterClrMapping/>
+  </p:clrMapOvr>
+</p:sld>
+</file>
+
 <file path=ppt/slides/slide2.xml><?xml version="1.0" encoding="utf-8"?>
 <p:sld xmlns:a="http://schemas.openxmlformats.org/drawingml/2006/main" xmlns:r="http://schemas.openxmlformats.org/officeDocument/2006/relationships" xmlns:p="http://schemas.openxmlformats.org/presentationml/2006/main">
   <p:cSld>
@@ -9709,11 +17242,11 @@
           <a:p>
             <a:r>
               <a:rPr lang="ko-KR" altLang="en-US" sz="1500" dirty="0"/>
-              <a:t>서비스 </a:t>
+              <a:t>컨텐츠 제공자 </a:t>
             </a:r>
             <a:r>
               <a:rPr lang="en-US" altLang="ko-KR" sz="1500" dirty="0"/>
-              <a:t>(Service)</a:t>
+              <a:t>(Content Provider)</a:t>
             </a:r>
             <a:endParaRPr lang="ko-KR" altLang="en-US" sz="1500" dirty="0"/>
           </a:p>
@@ -9770,7 +17303,7 @@
         <p:spPr>
           <a:xfrm>
             <a:off x="311150" y="962318"/>
-            <a:ext cx="4438651" cy="524246"/>
+            <a:ext cx="4438651" cy="985911"/>
           </a:xfrm>
           <a:prstGeom prst="rect">
             <a:avLst/>
@@ -9791,20 +17324,24 @@
               <a:buChar char="-"/>
             </a:pPr>
             <a:r>
+              <a:rPr lang="ko-KR" altLang="en-US" sz="1000" dirty="0"/>
+              <a:t>다른</a:t>
+            </a:r>
+            <a:r>
               <a:rPr lang="en-US" altLang="ko-KR" sz="1000" dirty="0"/>
-              <a:t>UI </a:t>
+              <a:t> application</a:t>
             </a:r>
             <a:r>
               <a:rPr lang="ko-KR" altLang="en-US" sz="1000" dirty="0"/>
-              <a:t>없이 </a:t>
+              <a:t>에 </a:t>
             </a:r>
             <a:r>
               <a:rPr lang="en-US" altLang="ko-KR" sz="1000" dirty="0"/>
-              <a:t>background </a:t>
+              <a:t>data</a:t>
             </a:r>
             <a:r>
               <a:rPr lang="ko-KR" altLang="en-US" sz="1000" dirty="0"/>
-              <a:t>에서 실행되는 동작</a:t>
+              <a:t>를 공급하는 역할</a:t>
             </a:r>
             <a:endParaRPr lang="en-US" altLang="ko-KR" sz="1000" dirty="0"/>
           </a:p>
@@ -9818,11 +17355,65 @@
             </a:pPr>
             <a:r>
               <a:rPr lang="en-US" altLang="ko-KR" sz="1000" dirty="0"/>
-              <a:t>IPC </a:t>
+              <a:t>Data </a:t>
             </a:r>
             <a:r>
               <a:rPr lang="ko-KR" altLang="en-US" sz="1000" dirty="0"/>
-              <a:t>기능 구현 가능</a:t>
+              <a:t>공급을 </a:t>
+            </a:r>
+            <a:r>
+              <a:rPr lang="ko-KR" altLang="en-US" sz="1000" dirty="0" err="1"/>
+              <a:t>추상화하여</a:t>
+            </a:r>
+            <a:r>
+              <a:rPr lang="ko-KR" altLang="en-US" sz="1000" dirty="0"/>
+              <a:t> </a:t>
+            </a:r>
+            <a:r>
+              <a:rPr lang="en-US" altLang="ko-KR" sz="1000" dirty="0"/>
+              <a:t>data </a:t>
+            </a:r>
+            <a:r>
+              <a:rPr lang="ko-KR" altLang="en-US" sz="1000" dirty="0"/>
+              <a:t>계층과 </a:t>
+            </a:r>
+            <a:r>
+              <a:rPr lang="en-US" altLang="ko-KR" sz="1000" dirty="0"/>
+              <a:t>application </a:t>
+            </a:r>
+            <a:r>
+              <a:rPr lang="ko-KR" altLang="en-US" sz="1000" dirty="0"/>
+              <a:t>계층을 분리</a:t>
+            </a:r>
+            <a:endParaRPr lang="en-US" altLang="ko-KR" sz="1000" dirty="0"/>
+          </a:p>
+          <a:p>
+            <a:pPr marL="171450" indent="-171450">
+              <a:lnSpc>
+                <a:spcPct val="150000"/>
+              </a:lnSpc>
+              <a:buFontTx/>
+              <a:buChar char="-"/>
+            </a:pPr>
+            <a:r>
+              <a:rPr lang="ko-KR" altLang="en-US" sz="1000" dirty="0"/>
+              <a:t>다른 </a:t>
+            </a:r>
+            <a:r>
+              <a:rPr lang="en-US" altLang="ko-KR" sz="1000" dirty="0"/>
+              <a:t>application</a:t>
+            </a:r>
+            <a:r>
+              <a:rPr lang="ko-KR" altLang="en-US" sz="1000" dirty="0"/>
+              <a:t>이 </a:t>
+            </a:r>
+            <a:r>
+              <a:rPr lang="en-US" altLang="ko-KR" sz="1000" dirty="0"/>
+              <a:t>app data</a:t>
+            </a:r>
+            <a:r>
+              <a:rPr lang="ko-KR" altLang="en-US" sz="1000" dirty="0"/>
+              <a:t>에 안전하게 액세스하여 이를 수정할 수 있도록 허용</a:t>
             </a:r>
             <a:endParaRPr lang="en-US" altLang="ko-KR" sz="1000" dirty="0"/>
           </a:p>
@@ -10318,7 +17909,7 @@
         <p:spPr>
           <a:xfrm>
             <a:off x="311150" y="2477859"/>
-            <a:ext cx="4438651" cy="985911"/>
+            <a:ext cx="4438651" cy="524246"/>
           </a:xfrm>
           <a:prstGeom prst="rect">
             <a:avLst/>
@@ -10338,54 +17929,53 @@
             </a:pPr>
             <a:r>
               <a:rPr lang="en-US" altLang="ko-KR" sz="1000" dirty="0"/>
-              <a:t>Service</a:t>
+              <a:t>- </a:t>
+            </a:r>
+            <a:r>
+              <a:rPr lang="en-US" altLang="ko-KR" sz="1000" dirty="0" err="1"/>
+              <a:t>ContentResolver</a:t>
+            </a:r>
+            <a:r>
+              <a:rPr lang="en-US" altLang="ko-KR" sz="1000" dirty="0"/>
+              <a:t> </a:t>
             </a:r>
             <a:r>
               <a:rPr lang="ko-KR" altLang="en-US" sz="1000" dirty="0"/>
-              <a:t>의 종류</a:t>
+              <a:t>객체가 </a:t>
+            </a:r>
+            <a:r>
+              <a:rPr lang="en-US" altLang="ko-KR" sz="1000" dirty="0" err="1"/>
+              <a:t>ContentProvider</a:t>
+            </a:r>
+            <a:r>
+              <a:rPr lang="ko-KR" altLang="en-US" sz="1000" dirty="0"/>
+              <a:t>에 </a:t>
+            </a:r>
+            <a:r>
+              <a:rPr lang="en-US" altLang="ko-KR" sz="1000" dirty="0"/>
+              <a:t>data</a:t>
+            </a:r>
+            <a:r>
+              <a:rPr lang="ko-KR" altLang="en-US" sz="1000" dirty="0"/>
+              <a:t>를 요청하게 되고 </a:t>
+            </a:r>
+            <a:r>
+              <a:rPr lang="en-US" altLang="ko-KR" sz="1000" dirty="0" err="1"/>
+              <a:t>ContentProvider</a:t>
+            </a:r>
+            <a:r>
+              <a:rPr lang="ko-KR" altLang="en-US" sz="1000" dirty="0"/>
+              <a:t>는 요청된 작업을 </a:t>
+            </a:r>
+            <a:r>
+              <a:rPr lang="ko-KR" altLang="en-US" sz="1000" dirty="0" err="1"/>
+              <a:t>싱행하고</a:t>
+            </a:r>
+            <a:r>
+              <a:rPr lang="ko-KR" altLang="en-US" sz="1000" dirty="0"/>
+              <a:t> 결과를 반환하는 구조</a:t>
             </a:r>
             <a:endParaRPr lang="en-US" altLang="ko-KR" sz="1000" dirty="0"/>
-          </a:p>
-          <a:p>
-            <a:pPr marL="171450" indent="-171450">
-              <a:lnSpc>
-                <a:spcPct val="150000"/>
-              </a:lnSpc>
-              <a:buFontTx/>
-              <a:buChar char="-"/>
-            </a:pPr>
-            <a:r>
-              <a:rPr lang="ko-KR" altLang="en-US" sz="1000" dirty="0"/>
-              <a:t>시작 타입 서비스</a:t>
-            </a:r>
-            <a:endParaRPr lang="en-US" altLang="ko-KR" sz="1000" dirty="0"/>
-          </a:p>
-          <a:p>
-            <a:pPr marL="171450" indent="-171450">
-              <a:lnSpc>
-                <a:spcPct val="150000"/>
-              </a:lnSpc>
-              <a:buFontTx/>
-              <a:buChar char="-"/>
-            </a:pPr>
-            <a:endParaRPr lang="en-US" altLang="ko-KR" sz="1000" dirty="0"/>
-          </a:p>
-          <a:p>
-            <a:pPr marL="171450" indent="-171450">
-              <a:lnSpc>
-                <a:spcPct val="150000"/>
-              </a:lnSpc>
-              <a:buFontTx/>
-              <a:buChar char="-"/>
-            </a:pPr>
-            <a:r>
-              <a:rPr lang="ko-KR" altLang="en-US" sz="1000" dirty="0"/>
-              <a:t>연결 타입 서비스 </a:t>
-            </a:r>
-            <a:r>
-              <a:rPr lang="en-US" altLang="ko-KR" sz="1000" dirty="0"/>
-              <a:t>(Bound Service)</a:t>
-            </a:r>
           </a:p>
         </p:txBody>
       </p:sp>
@@ -10421,10 +18011,10 @@
       </p:grpSpPr>
       <p:sp>
         <p:nvSpPr>
-          <p:cNvPr id="4" name="TextBox 3">
-            <a:extLst>
-              <a:ext uri="{FF2B5EF4-FFF2-40B4-BE49-F238E27FC236}">
-                <a16:creationId xmlns:a16="http://schemas.microsoft.com/office/drawing/2014/main" id="{29FAE5ED-BA65-8D6C-2FA4-D5B3391B71B6}"/>
+          <p:cNvPr id="5" name="TextBox 4">
+            <a:extLst>
+              <a:ext uri="{FF2B5EF4-FFF2-40B4-BE49-F238E27FC236}">
+                <a16:creationId xmlns:a16="http://schemas.microsoft.com/office/drawing/2014/main" id="{78D9FF8D-6741-6CDE-7D28-42AB81CDC249}"/>
               </a:ext>
             </a:extLst>
           </p:cNvPr>
@@ -10433,8 +18023,8 @@
         </p:nvSpPr>
         <p:spPr>
           <a:xfrm>
-            <a:off x="10501865" y="6581001"/>
-            <a:ext cx="1690136" cy="276999"/>
+            <a:off x="311150" y="211668"/>
+            <a:ext cx="3936110" cy="323165"/>
           </a:xfrm>
           <a:prstGeom prst="rect">
             <a:avLst/>
@@ -10447,48 +18037,14 @@
           </a:bodyPr>
           <a:lstStyle/>
           <a:p>
-            <a:pPr algn="r"/>
-            <a:r>
-              <a:rPr lang="en-US" altLang="ko-KR" sz="1200" dirty="0"/>
-              <a:t>Ch11 &amp; 12</a:t>
-            </a:r>
-            <a:endParaRPr lang="ko-KR" altLang="en-US" sz="1200" dirty="0"/>
-          </a:p>
-        </p:txBody>
-      </p:sp>
-      <p:sp>
-        <p:nvSpPr>
-          <p:cNvPr id="5" name="TextBox 4">
-            <a:extLst>
-              <a:ext uri="{FF2B5EF4-FFF2-40B4-BE49-F238E27FC236}">
-                <a16:creationId xmlns:a16="http://schemas.microsoft.com/office/drawing/2014/main" id="{78D9FF8D-6741-6CDE-7D28-42AB81CDC249}"/>
-              </a:ext>
-            </a:extLst>
-          </p:cNvPr>
-          <p:cNvSpPr txBox="1"/>
-          <p:nvPr/>
-        </p:nvSpPr>
-        <p:spPr>
-          <a:xfrm>
-            <a:off x="311149" y="211668"/>
-            <a:ext cx="4956589" cy="323165"/>
-          </a:xfrm>
-          <a:prstGeom prst="rect">
-            <a:avLst/>
-          </a:prstGeom>
-          <a:noFill/>
-        </p:spPr>
-        <p:txBody>
-          <a:bodyPr wrap="square" rtlCol="0">
-            <a:spAutoFit/>
-          </a:bodyPr>
-          <a:lstStyle/>
-          <a:p>
             <a:r>
               <a:rPr lang="en-US" altLang="ko-KR" sz="1500" dirty="0"/>
-              <a:t>Reference</a:t>
-            </a:r>
-            <a:endParaRPr lang="ko-KR" altLang="en-US" sz="1500" dirty="0"/>
+              <a:t>Data</a:t>
+            </a:r>
+            <a:r>
+              <a:rPr lang="ko-KR" altLang="en-US" sz="1500" dirty="0"/>
+              <a:t>를 저장하는 방법</a:t>
+            </a:r>
           </a:p>
         </p:txBody>
       </p:sp>
@@ -10530,10 +18086,10 @@
       </p:cxnSp>
       <p:sp>
         <p:nvSpPr>
-          <p:cNvPr id="3" name="TextBox 2">
-            <a:extLst>
-              <a:ext uri="{FF2B5EF4-FFF2-40B4-BE49-F238E27FC236}">
-                <a16:creationId xmlns:a16="http://schemas.microsoft.com/office/drawing/2014/main" id="{779E1464-CBFA-A07E-7345-5EA2804743EA}"/>
+          <p:cNvPr id="2" name="TextBox 1">
+            <a:extLst>
+              <a:ext uri="{FF2B5EF4-FFF2-40B4-BE49-F238E27FC236}">
+                <a16:creationId xmlns:a16="http://schemas.microsoft.com/office/drawing/2014/main" id="{2EA40919-2997-094D-20D5-E3A896A60509}"/>
               </a:ext>
             </a:extLst>
           </p:cNvPr>
@@ -10542,8 +18098,8 @@
         </p:nvSpPr>
         <p:spPr>
           <a:xfrm>
-            <a:off x="311149" y="771779"/>
-            <a:ext cx="9637781" cy="985911"/>
+            <a:off x="311150" y="962318"/>
+            <a:ext cx="4438651" cy="985911"/>
           </a:xfrm>
           <a:prstGeom prst="rect">
             <a:avLst/>
@@ -10564,8 +18120,24 @@
               <a:buChar char="-"/>
             </a:pPr>
             <a:r>
-              <a:rPr lang="en-US" altLang="ko-KR" sz="1000" dirty="0" err="1"/>
-              <a:t>adfasdf</a:t>
+              <a:rPr lang="ko-KR" altLang="en-US" sz="1000" dirty="0"/>
+              <a:t>다른</a:t>
+            </a:r>
+            <a:r>
+              <a:rPr lang="en-US" altLang="ko-KR" sz="1000" dirty="0"/>
+              <a:t> application</a:t>
+            </a:r>
+            <a:r>
+              <a:rPr lang="ko-KR" altLang="en-US" sz="1000" dirty="0"/>
+              <a:t>에 </a:t>
+            </a:r>
+            <a:r>
+              <a:rPr lang="en-US" altLang="ko-KR" sz="1000" dirty="0"/>
+              <a:t>data</a:t>
+            </a:r>
+            <a:r>
+              <a:rPr lang="ko-KR" altLang="en-US" sz="1000" dirty="0"/>
+              <a:t>를 공급하는 역할</a:t>
             </a:r>
             <a:endParaRPr lang="en-US" altLang="ko-KR" sz="1000" dirty="0"/>
           </a:p>
@@ -10577,6 +18149,38 @@
               <a:buFontTx/>
               <a:buChar char="-"/>
             </a:pPr>
+            <a:r>
+              <a:rPr lang="en-US" altLang="ko-KR" sz="1000" dirty="0"/>
+              <a:t>Data </a:t>
+            </a:r>
+            <a:r>
+              <a:rPr lang="ko-KR" altLang="en-US" sz="1000" dirty="0"/>
+              <a:t>공급을 </a:t>
+            </a:r>
+            <a:r>
+              <a:rPr lang="ko-KR" altLang="en-US" sz="1000" dirty="0" err="1"/>
+              <a:t>추상화하여</a:t>
+            </a:r>
+            <a:r>
+              <a:rPr lang="ko-KR" altLang="en-US" sz="1000" dirty="0"/>
+              <a:t> </a:t>
+            </a:r>
+            <a:r>
+              <a:rPr lang="en-US" altLang="ko-KR" sz="1000" dirty="0"/>
+              <a:t>data </a:t>
+            </a:r>
+            <a:r>
+              <a:rPr lang="ko-KR" altLang="en-US" sz="1000" dirty="0"/>
+              <a:t>계층과 </a:t>
+            </a:r>
+            <a:r>
+              <a:rPr lang="en-US" altLang="ko-KR" sz="1000" dirty="0"/>
+              <a:t>application </a:t>
+            </a:r>
+            <a:r>
+              <a:rPr lang="ko-KR" altLang="en-US" sz="1000" dirty="0"/>
+              <a:t>계층을 분리</a:t>
+            </a:r>
             <a:endParaRPr lang="en-US" altLang="ko-KR" sz="1000" dirty="0"/>
           </a:p>
           <a:p>
@@ -10587,15 +18191,595 @@
               <a:buFontTx/>
               <a:buChar char="-"/>
             </a:pPr>
+            <a:r>
+              <a:rPr lang="ko-KR" altLang="en-US" sz="1000" dirty="0"/>
+              <a:t>다른 </a:t>
+            </a:r>
+            <a:r>
+              <a:rPr lang="en-US" altLang="ko-KR" sz="1000" dirty="0"/>
+              <a:t>application</a:t>
+            </a:r>
+            <a:r>
+              <a:rPr lang="ko-KR" altLang="en-US" sz="1000" dirty="0"/>
+              <a:t>이 </a:t>
+            </a:r>
+            <a:r>
+              <a:rPr lang="en-US" altLang="ko-KR" sz="1000" dirty="0"/>
+              <a:t>app data</a:t>
+            </a:r>
+            <a:r>
+              <a:rPr lang="ko-KR" altLang="en-US" sz="1000" dirty="0"/>
+              <a:t>에 안전하게 액세스하여 이를 수정할 수 있도록 허용</a:t>
+            </a:r>
             <a:endParaRPr lang="en-US" altLang="ko-KR" sz="1000" dirty="0"/>
           </a:p>
-          <a:p>
-            <a:pPr marL="171450" indent="-171450">
+        </p:txBody>
+      </p:sp>
+      <p:sp>
+        <p:nvSpPr>
+          <p:cNvPr id="11" name="TextBox 10">
+            <a:extLst>
+              <a:ext uri="{FF2B5EF4-FFF2-40B4-BE49-F238E27FC236}">
+                <a16:creationId xmlns:a16="http://schemas.microsoft.com/office/drawing/2014/main" id="{4160243A-E098-6A49-6DBD-1F713187DDAB}"/>
+              </a:ext>
+            </a:extLst>
+          </p:cNvPr>
+          <p:cNvSpPr txBox="1"/>
+          <p:nvPr/>
+        </p:nvSpPr>
+        <p:spPr>
+          <a:xfrm>
+            <a:off x="11482980" y="6581001"/>
+            <a:ext cx="709020" cy="276999"/>
+          </a:xfrm>
+          <a:prstGeom prst="rect">
+            <a:avLst/>
+          </a:prstGeom>
+          <a:noFill/>
+        </p:spPr>
+        <p:txBody>
+          <a:bodyPr wrap="square" rtlCol="0">
+            <a:spAutoFit/>
+          </a:bodyPr>
+          <a:lstStyle/>
+          <a:p>
+            <a:pPr algn="r"/>
+            <a:r>
+              <a:rPr lang="en-US" altLang="ko-KR" sz="1200" dirty="0"/>
+              <a:t>Ch12</a:t>
+            </a:r>
+            <a:endParaRPr lang="ko-KR" altLang="en-US" sz="1200" dirty="0"/>
+          </a:p>
+        </p:txBody>
+      </p:sp>
+      <p:pic>
+        <p:nvPicPr>
+          <p:cNvPr id="16" name="그림 15">
+            <a:extLst>
+              <a:ext uri="{FF2B5EF4-FFF2-40B4-BE49-F238E27FC236}">
+                <a16:creationId xmlns:a16="http://schemas.microsoft.com/office/drawing/2014/main" id="{7C4BFE4D-EB8E-DC0B-BC2B-E8B42A4E25F7}"/>
+              </a:ext>
+            </a:extLst>
+          </p:cNvPr>
+          <p:cNvPicPr>
+            <a:picLocks noChangeAspect="1"/>
+          </p:cNvPicPr>
+          <p:nvPr/>
+        </p:nvPicPr>
+        <p:blipFill>
+          <a:blip r:embed="rId3">
+            <a:extLst>
+              <a:ext uri="{28A0092B-C50C-407E-A947-70E740481C1C}">
+                <a14:useLocalDpi xmlns:a14="http://schemas.microsoft.com/office/drawing/2010/main" val="0"/>
+              </a:ext>
+            </a:extLst>
+          </a:blip>
+          <a:srcRect/>
+          <a:stretch/>
+        </p:blipFill>
+        <p:spPr>
+          <a:xfrm>
+            <a:off x="10158391" y="896701"/>
+            <a:ext cx="1620000" cy="2880000"/>
+          </a:xfrm>
+          <a:prstGeom prst="rect">
+            <a:avLst/>
+          </a:prstGeom>
+        </p:spPr>
+      </p:pic>
+      <p:pic>
+        <p:nvPicPr>
+          <p:cNvPr id="4" name="그림 3">
+            <a:extLst>
+              <a:ext uri="{FF2B5EF4-FFF2-40B4-BE49-F238E27FC236}">
+                <a16:creationId xmlns:a16="http://schemas.microsoft.com/office/drawing/2014/main" id="{BDF09E38-DC04-394E-59E0-2364BB35707C}"/>
+              </a:ext>
+            </a:extLst>
+          </p:cNvPr>
+          <p:cNvPicPr>
+            <a:picLocks noChangeAspect="1"/>
+          </p:cNvPicPr>
+          <p:nvPr/>
+        </p:nvPicPr>
+        <p:blipFill>
+          <a:blip r:embed="rId4"/>
+          <a:stretch>
+            <a:fillRect/>
+          </a:stretch>
+        </p:blipFill>
+        <p:spPr>
+          <a:xfrm>
+            <a:off x="4804707" y="4136822"/>
+            <a:ext cx="5144541" cy="1930310"/>
+          </a:xfrm>
+          <a:prstGeom prst="rect">
+            <a:avLst/>
+          </a:prstGeom>
+        </p:spPr>
+      </p:pic>
+      <p:pic>
+        <p:nvPicPr>
+          <p:cNvPr id="9" name="그림 8">
+            <a:extLst>
+              <a:ext uri="{FF2B5EF4-FFF2-40B4-BE49-F238E27FC236}">
+                <a16:creationId xmlns:a16="http://schemas.microsoft.com/office/drawing/2014/main" id="{B0CC6C7E-CD6F-34D5-8877-E1F83A9E75D9}"/>
+              </a:ext>
+            </a:extLst>
+          </p:cNvPr>
+          <p:cNvPicPr>
+            <a:picLocks noChangeAspect="1"/>
+          </p:cNvPicPr>
+          <p:nvPr/>
+        </p:nvPicPr>
+        <p:blipFill>
+          <a:blip r:embed="rId5"/>
+          <a:stretch>
+            <a:fillRect/>
+          </a:stretch>
+        </p:blipFill>
+        <p:spPr>
+          <a:xfrm>
+            <a:off x="4804707" y="896701"/>
+            <a:ext cx="5144541" cy="2736458"/>
+          </a:xfrm>
+          <a:prstGeom prst="rect">
+            <a:avLst/>
+          </a:prstGeom>
+        </p:spPr>
+      </p:pic>
+      <p:sp>
+        <p:nvSpPr>
+          <p:cNvPr id="3" name="직사각형 2">
+            <a:extLst>
+              <a:ext uri="{FF2B5EF4-FFF2-40B4-BE49-F238E27FC236}">
+                <a16:creationId xmlns:a16="http://schemas.microsoft.com/office/drawing/2014/main" id="{79FB360F-A14D-F015-CC2F-82C7F5E143DC}"/>
+              </a:ext>
+            </a:extLst>
+          </p:cNvPr>
+          <p:cNvSpPr/>
+          <p:nvPr/>
+        </p:nvSpPr>
+        <p:spPr>
+          <a:xfrm>
+            <a:off x="4980350" y="2247544"/>
+            <a:ext cx="2366600" cy="463905"/>
+          </a:xfrm>
+          <a:prstGeom prst="rect">
+            <a:avLst/>
+          </a:prstGeom>
+          <a:noFill/>
+          <a:ln w="9525">
+            <a:solidFill>
+              <a:srgbClr val="FF0000"/>
+            </a:solidFill>
+          </a:ln>
+        </p:spPr>
+        <p:style>
+          <a:lnRef idx="2">
+            <a:schemeClr val="accent1">
+              <a:shade val="15000"/>
+            </a:schemeClr>
+          </a:lnRef>
+          <a:fillRef idx="1">
+            <a:schemeClr val="accent1"/>
+          </a:fillRef>
+          <a:effectRef idx="0">
+            <a:schemeClr val="accent1"/>
+          </a:effectRef>
+          <a:fontRef idx="minor">
+            <a:schemeClr val="lt1"/>
+          </a:fontRef>
+        </p:style>
+        <p:txBody>
+          <a:bodyPr rtlCol="0" anchor="ctr"/>
+          <a:lstStyle/>
+          <a:p>
+            <a:pPr algn="ctr"/>
+            <a:endParaRPr lang="ko-KR" altLang="en-US"/>
+          </a:p>
+        </p:txBody>
+      </p:sp>
+      <p:sp>
+        <p:nvSpPr>
+          <p:cNvPr id="6" name="직사각형 5">
+            <a:extLst>
+              <a:ext uri="{FF2B5EF4-FFF2-40B4-BE49-F238E27FC236}">
+                <a16:creationId xmlns:a16="http://schemas.microsoft.com/office/drawing/2014/main" id="{39F3C11E-3306-BEB5-2F2B-3B2548AFEE9B}"/>
+              </a:ext>
+            </a:extLst>
+          </p:cNvPr>
+          <p:cNvSpPr/>
+          <p:nvPr/>
+        </p:nvSpPr>
+        <p:spPr>
+          <a:xfrm>
+            <a:off x="5107350" y="5089276"/>
+            <a:ext cx="3020650" cy="581274"/>
+          </a:xfrm>
+          <a:prstGeom prst="rect">
+            <a:avLst/>
+          </a:prstGeom>
+          <a:noFill/>
+          <a:ln w="9525">
+            <a:solidFill>
+              <a:srgbClr val="FF0000"/>
+            </a:solidFill>
+          </a:ln>
+        </p:spPr>
+        <p:style>
+          <a:lnRef idx="2">
+            <a:schemeClr val="accent1">
+              <a:shade val="15000"/>
+            </a:schemeClr>
+          </a:lnRef>
+          <a:fillRef idx="1">
+            <a:schemeClr val="accent1"/>
+          </a:fillRef>
+          <a:effectRef idx="0">
+            <a:schemeClr val="accent1"/>
+          </a:effectRef>
+          <a:fontRef idx="minor">
+            <a:schemeClr val="lt1"/>
+          </a:fontRef>
+        </p:style>
+        <p:txBody>
+          <a:bodyPr rtlCol="0" anchor="ctr"/>
+          <a:lstStyle/>
+          <a:p>
+            <a:pPr algn="ctr"/>
+            <a:endParaRPr lang="ko-KR" altLang="en-US"/>
+          </a:p>
+        </p:txBody>
+      </p:sp>
+      <p:sp>
+        <p:nvSpPr>
+          <p:cNvPr id="8" name="TextBox 7">
+            <a:extLst>
+              <a:ext uri="{FF2B5EF4-FFF2-40B4-BE49-F238E27FC236}">
+                <a16:creationId xmlns:a16="http://schemas.microsoft.com/office/drawing/2014/main" id="{D79BEEBE-AB53-E983-479C-4BC6145EBFF7}"/>
+              </a:ext>
+            </a:extLst>
+          </p:cNvPr>
+          <p:cNvSpPr txBox="1"/>
+          <p:nvPr/>
+        </p:nvSpPr>
+        <p:spPr>
+          <a:xfrm>
+            <a:off x="7346950" y="2118223"/>
+            <a:ext cx="564090" cy="293414"/>
+          </a:xfrm>
+          <a:prstGeom prst="rect">
+            <a:avLst/>
+          </a:prstGeom>
+          <a:noFill/>
+        </p:spPr>
+        <p:txBody>
+          <a:bodyPr wrap="square" rtlCol="0">
+            <a:spAutoFit/>
+          </a:bodyPr>
+          <a:lstStyle/>
+          <a:p>
+            <a:pPr>
               <a:lnSpc>
                 <a:spcPct val="150000"/>
               </a:lnSpc>
-              <a:buFontTx/>
-              <a:buChar char="-"/>
+            </a:pPr>
+            <a:r>
+              <a:rPr lang="ko-KR" altLang="en-US" sz="1000">
+                <a:solidFill>
+                  <a:srgbClr val="FF0000"/>
+                </a:solidFill>
+              </a:rPr>
+              <a:t>필수</a:t>
+            </a:r>
+            <a:endParaRPr lang="en-US" altLang="ko-KR" sz="1000" dirty="0">
+              <a:solidFill>
+                <a:srgbClr val="FF0000"/>
+              </a:solidFill>
+            </a:endParaRPr>
+          </a:p>
+        </p:txBody>
+      </p:sp>
+      <p:sp>
+        <p:nvSpPr>
+          <p:cNvPr id="10" name="직사각형 9">
+            <a:extLst>
+              <a:ext uri="{FF2B5EF4-FFF2-40B4-BE49-F238E27FC236}">
+                <a16:creationId xmlns:a16="http://schemas.microsoft.com/office/drawing/2014/main" id="{99D6AEF4-BB08-6CE3-2386-15D5576B9137}"/>
+              </a:ext>
+            </a:extLst>
+          </p:cNvPr>
+          <p:cNvSpPr/>
+          <p:nvPr/>
+        </p:nvSpPr>
+        <p:spPr>
+          <a:xfrm>
+            <a:off x="4804707" y="1450519"/>
+            <a:ext cx="5144540" cy="2054680"/>
+          </a:xfrm>
+          <a:prstGeom prst="rect">
+            <a:avLst/>
+          </a:prstGeom>
+          <a:noFill/>
+          <a:ln w="9525">
+            <a:solidFill>
+              <a:srgbClr val="FF0000"/>
+            </a:solidFill>
+          </a:ln>
+        </p:spPr>
+        <p:style>
+          <a:lnRef idx="2">
+            <a:schemeClr val="accent1">
+              <a:shade val="15000"/>
+            </a:schemeClr>
+          </a:lnRef>
+          <a:fillRef idx="1">
+            <a:schemeClr val="accent1"/>
+          </a:fillRef>
+          <a:effectRef idx="0">
+            <a:schemeClr val="accent1"/>
+          </a:effectRef>
+          <a:fontRef idx="minor">
+            <a:schemeClr val="lt1"/>
+          </a:fontRef>
+        </p:style>
+        <p:txBody>
+          <a:bodyPr rtlCol="0" anchor="ctr"/>
+          <a:lstStyle/>
+          <a:p>
+            <a:pPr algn="ctr"/>
+            <a:endParaRPr lang="ko-KR" altLang="en-US"/>
+          </a:p>
+        </p:txBody>
+      </p:sp>
+      <p:cxnSp>
+        <p:nvCxnSpPr>
+          <p:cNvPr id="12" name="직선 화살표 연결선 11">
+            <a:extLst>
+              <a:ext uri="{FF2B5EF4-FFF2-40B4-BE49-F238E27FC236}">
+                <a16:creationId xmlns:a16="http://schemas.microsoft.com/office/drawing/2014/main" id="{3FA5188A-FFFB-786D-0626-E7B5A0F1E1A6}"/>
+              </a:ext>
+            </a:extLst>
+          </p:cNvPr>
+          <p:cNvCxnSpPr>
+            <a:cxnSpLocks/>
+          </p:cNvCxnSpPr>
+          <p:nvPr/>
+        </p:nvCxnSpPr>
+        <p:spPr>
+          <a:xfrm flipV="1">
+            <a:off x="7823200" y="3505199"/>
+            <a:ext cx="546100" cy="1584077"/>
+          </a:xfrm>
+          <a:prstGeom prst="straightConnector1">
+            <a:avLst/>
+          </a:prstGeom>
+          <a:ln>
+            <a:solidFill>
+              <a:srgbClr val="FF0000"/>
+            </a:solidFill>
+            <a:tailEnd type="triangle"/>
+          </a:ln>
+        </p:spPr>
+        <p:style>
+          <a:lnRef idx="2">
+            <a:schemeClr val="accent1"/>
+          </a:lnRef>
+          <a:fillRef idx="0">
+            <a:schemeClr val="accent1"/>
+          </a:fillRef>
+          <a:effectRef idx="1">
+            <a:schemeClr val="accent1"/>
+          </a:effectRef>
+          <a:fontRef idx="minor">
+            <a:schemeClr val="tx1"/>
+          </a:fontRef>
+        </p:style>
+      </p:cxnSp>
+      <p:cxnSp>
+        <p:nvCxnSpPr>
+          <p:cNvPr id="15" name="직선 화살표 연결선 14">
+            <a:extLst>
+              <a:ext uri="{FF2B5EF4-FFF2-40B4-BE49-F238E27FC236}">
+                <a16:creationId xmlns:a16="http://schemas.microsoft.com/office/drawing/2014/main" id="{06693D8A-6150-B6E0-13AF-294417A80B66}"/>
+              </a:ext>
+            </a:extLst>
+          </p:cNvPr>
+          <p:cNvCxnSpPr>
+            <a:cxnSpLocks/>
+            <a:stCxn id="10" idx="3"/>
+            <a:endCxn id="16" idx="1"/>
+          </p:cNvCxnSpPr>
+          <p:nvPr/>
+        </p:nvCxnSpPr>
+        <p:spPr>
+          <a:xfrm flipV="1">
+            <a:off x="9949247" y="2336701"/>
+            <a:ext cx="209144" cy="141158"/>
+          </a:xfrm>
+          <a:prstGeom prst="straightConnector1">
+            <a:avLst/>
+          </a:prstGeom>
+          <a:ln>
+            <a:solidFill>
+              <a:srgbClr val="FF0000"/>
+            </a:solidFill>
+            <a:tailEnd type="triangle"/>
+          </a:ln>
+        </p:spPr>
+        <p:style>
+          <a:lnRef idx="2">
+            <a:schemeClr val="accent1"/>
+          </a:lnRef>
+          <a:fillRef idx="0">
+            <a:schemeClr val="accent1"/>
+          </a:fillRef>
+          <a:effectRef idx="1">
+            <a:schemeClr val="accent1"/>
+          </a:effectRef>
+          <a:fontRef idx="minor">
+            <a:schemeClr val="tx1"/>
+          </a:fontRef>
+        </p:style>
+      </p:cxnSp>
+      <p:sp>
+        <p:nvSpPr>
+          <p:cNvPr id="13" name="TextBox 12">
+            <a:extLst>
+              <a:ext uri="{FF2B5EF4-FFF2-40B4-BE49-F238E27FC236}">
+                <a16:creationId xmlns:a16="http://schemas.microsoft.com/office/drawing/2014/main" id="{EEBEF976-EF42-5DE0-3DCA-B9892B5A8BE5}"/>
+              </a:ext>
+            </a:extLst>
+          </p:cNvPr>
+          <p:cNvSpPr txBox="1"/>
+          <p:nvPr/>
+        </p:nvSpPr>
+        <p:spPr>
+          <a:xfrm>
+            <a:off x="-31396" y="6661706"/>
+            <a:ext cx="4438651" cy="213007"/>
+          </a:xfrm>
+          <a:prstGeom prst="rect">
+            <a:avLst/>
+          </a:prstGeom>
+          <a:noFill/>
+        </p:spPr>
+        <p:txBody>
+          <a:bodyPr wrap="square" rtlCol="0">
+            <a:spAutoFit/>
+          </a:bodyPr>
+          <a:lstStyle/>
+          <a:p>
+            <a:pPr>
+              <a:lnSpc>
+                <a:spcPct val="150000"/>
+              </a:lnSpc>
+            </a:pPr>
+            <a:r>
+              <a:rPr lang="en-US" altLang="ko-KR" sz="600" dirty="0"/>
+              <a:t>IPC: </a:t>
+            </a:r>
+            <a:r>
+              <a:rPr lang="en-US" altLang="ko-KR" sz="600" dirty="0" err="1"/>
+              <a:t>InterProcess</a:t>
+            </a:r>
+            <a:r>
+              <a:rPr lang="en-US" altLang="ko-KR" sz="600" dirty="0"/>
+              <a:t> Communication</a:t>
+            </a:r>
+          </a:p>
+        </p:txBody>
+      </p:sp>
+      <p:sp>
+        <p:nvSpPr>
+          <p:cNvPr id="14" name="TextBox 13">
+            <a:extLst>
+              <a:ext uri="{FF2B5EF4-FFF2-40B4-BE49-F238E27FC236}">
+                <a16:creationId xmlns:a16="http://schemas.microsoft.com/office/drawing/2014/main" id="{1995996F-F342-8031-C6A1-ADF71112D1E5}"/>
+              </a:ext>
+            </a:extLst>
+          </p:cNvPr>
+          <p:cNvSpPr txBox="1"/>
+          <p:nvPr/>
+        </p:nvSpPr>
+        <p:spPr>
+          <a:xfrm>
+            <a:off x="311150" y="2477859"/>
+            <a:ext cx="4438651" cy="1447576"/>
+          </a:xfrm>
+          <a:prstGeom prst="rect">
+            <a:avLst/>
+          </a:prstGeom>
+          <a:noFill/>
+        </p:spPr>
+        <p:txBody>
+          <a:bodyPr wrap="square" rtlCol="0">
+            <a:spAutoFit/>
+          </a:bodyPr>
+          <a:lstStyle/>
+          <a:p>
+            <a:pPr>
+              <a:lnSpc>
+                <a:spcPct val="150000"/>
+              </a:lnSpc>
+            </a:pPr>
+            <a:r>
+              <a:rPr lang="ko-KR" altLang="en-US" sz="1000" dirty="0"/>
+              <a:t>저장 공간</a:t>
+            </a:r>
+            <a:endParaRPr lang="en-US" altLang="ko-KR" sz="1000" dirty="0"/>
+          </a:p>
+          <a:p>
+            <a:pPr>
+              <a:lnSpc>
+                <a:spcPct val="150000"/>
+              </a:lnSpc>
+            </a:pPr>
+            <a:endParaRPr lang="en-US" altLang="ko-KR" sz="1000" dirty="0"/>
+          </a:p>
+          <a:p>
+            <a:pPr>
+              <a:lnSpc>
+                <a:spcPct val="150000"/>
+              </a:lnSpc>
+            </a:pPr>
+            <a:r>
+              <a:rPr lang="ko-KR" altLang="en-US" sz="1000" dirty="0"/>
+              <a:t>내부 저장소 </a:t>
+            </a:r>
+            <a:r>
+              <a:rPr lang="en-US" altLang="ko-KR" sz="1000" dirty="0"/>
+              <a:t>(Internal Storage)</a:t>
+            </a:r>
+          </a:p>
+          <a:p>
+            <a:pPr>
+              <a:lnSpc>
+                <a:spcPct val="150000"/>
+              </a:lnSpc>
+            </a:pPr>
+            <a:endParaRPr lang="en-US" altLang="ko-KR" sz="1000" dirty="0"/>
+          </a:p>
+          <a:p>
+            <a:pPr>
+              <a:lnSpc>
+                <a:spcPct val="150000"/>
+              </a:lnSpc>
+            </a:pPr>
+            <a:r>
+              <a:rPr lang="ko-KR" altLang="en-US" sz="1000" dirty="0"/>
+              <a:t>외부 저장소 </a:t>
+            </a:r>
+            <a:r>
+              <a:rPr lang="en-US" altLang="ko-KR" sz="1000" dirty="0"/>
+              <a:t>(External Storage)</a:t>
+            </a:r>
+          </a:p>
+          <a:p>
+            <a:pPr>
+              <a:lnSpc>
+                <a:spcPct val="150000"/>
+              </a:lnSpc>
             </a:pPr>
             <a:endParaRPr lang="en-US" altLang="ko-KR" sz="1000" dirty="0"/>
           </a:p>
@@ -10604,7 +18788,7 @@
     </p:spTree>
     <p:extLst>
       <p:ext uri="{BB962C8B-B14F-4D97-AF65-F5344CB8AC3E}">
-        <p14:creationId xmlns:p14="http://schemas.microsoft.com/office/powerpoint/2010/main" val="706550133"/>
+        <p14:creationId xmlns:p14="http://schemas.microsoft.com/office/powerpoint/2010/main" val="3831549557"/>
       </p:ext>
     </p:extLst>
   </p:cSld>
